--- a/presentation/Class_3_Functions_Why_and_How/Class_3_Functions_Why_and_How.pptx
+++ b/presentation/Class_3_Functions_Why_and_How/Class_3_Functions_Why_and_How.pptx
@@ -5,19 +5,26 @@
     <p:sldMasterId id="2147483660" r:id="rId1"/>
   </p:sldMasterIdLst>
   <p:notesMasterIdLst>
-    <p:notesMasterId r:id="rId12"/>
+    <p:notesMasterId r:id="rId16"/>
   </p:notesMasterIdLst>
+  <p:handoutMasterIdLst>
+    <p:handoutMasterId r:id="rId17"/>
+  </p:handoutMasterIdLst>
   <p:sldIdLst>
     <p:sldId id="402" r:id="rId2"/>
     <p:sldId id="408" r:id="rId3"/>
     <p:sldId id="306" r:id="rId4"/>
     <p:sldId id="406" r:id="rId5"/>
     <p:sldId id="376" r:id="rId6"/>
-    <p:sldId id="309" r:id="rId7"/>
-    <p:sldId id="310" r:id="rId8"/>
-    <p:sldId id="311" r:id="rId9"/>
-    <p:sldId id="409" r:id="rId10"/>
-    <p:sldId id="404" r:id="rId11"/>
+    <p:sldId id="411" r:id="rId7"/>
+    <p:sldId id="412" r:id="rId8"/>
+    <p:sldId id="410" r:id="rId9"/>
+    <p:sldId id="309" r:id="rId10"/>
+    <p:sldId id="310" r:id="rId11"/>
+    <p:sldId id="311" r:id="rId12"/>
+    <p:sldId id="409" r:id="rId13"/>
+    <p:sldId id="413" r:id="rId14"/>
+    <p:sldId id="404" r:id="rId15"/>
   </p:sldIdLst>
   <p:sldSz cx="12192000" cy="6858000"/>
   <p:notesSz cx="6858000" cy="9144000"/>
@@ -124,6 +131,195 @@
 </p:presentation>
 </file>
 
+<file path=ppt/handoutMasters/handoutMaster1.xml><?xml version="1.0" encoding="utf-8"?>
+<p:handoutMaster xmlns:a="http://schemas.openxmlformats.org/drawingml/2006/main" xmlns:r="http://schemas.openxmlformats.org/officeDocument/2006/relationships" xmlns:p="http://schemas.openxmlformats.org/presentationml/2006/main">
+  <p:cSld>
+    <p:bg>
+      <p:bgRef idx="1001">
+        <a:schemeClr val="bg1"/>
+      </p:bgRef>
+    </p:bg>
+    <p:spTree>
+      <p:nvGrpSpPr>
+        <p:cNvPr id="1" name=""/>
+        <p:cNvGrpSpPr/>
+        <p:nvPr/>
+      </p:nvGrpSpPr>
+      <p:grpSpPr>
+        <a:xfrm>
+          <a:off x="0" y="0"/>
+          <a:ext cx="0" cy="0"/>
+          <a:chOff x="0" y="0"/>
+          <a:chExt cx="0" cy="0"/>
+        </a:xfrm>
+      </p:grpSpPr>
+      <p:sp>
+        <p:nvSpPr>
+          <p:cNvPr id="2" name="Header Placeholder 1">
+            <a:extLst>
+              <a:ext uri="{FF2B5EF4-FFF2-40B4-BE49-F238E27FC236}">
+                <a16:creationId xmlns:a16="http://schemas.microsoft.com/office/drawing/2014/main" id="{9A81610C-246B-6C0F-864F-F1F5AF4DD6D9}"/>
+              </a:ext>
+            </a:extLst>
+          </p:cNvPr>
+          <p:cNvSpPr>
+            <a:spLocks noGrp="1"/>
+          </p:cNvSpPr>
+          <p:nvPr>
+            <p:ph type="hdr" sz="quarter"/>
+          </p:nvPr>
+        </p:nvSpPr>
+        <p:spPr>
+          <a:xfrm>
+            <a:off x="0" y="0"/>
+            <a:ext cx="2971800" cy="458788"/>
+          </a:xfrm>
+          <a:prstGeom prst="rect">
+            <a:avLst/>
+          </a:prstGeom>
+        </p:spPr>
+        <p:txBody>
+          <a:bodyPr vert="horz" lIns="91440" tIns="45720" rIns="91440" bIns="45720" rtlCol="0"/>
+          <a:lstStyle>
+            <a:lvl1pPr algn="l">
+              <a:defRPr sz="1200"/>
+            </a:lvl1pPr>
+          </a:lstStyle>
+          <a:p>
+            <a:endParaRPr lang="en-US"/>
+          </a:p>
+        </p:txBody>
+      </p:sp>
+      <p:sp>
+        <p:nvSpPr>
+          <p:cNvPr id="3" name="Date Placeholder 2">
+            <a:extLst>
+              <a:ext uri="{FF2B5EF4-FFF2-40B4-BE49-F238E27FC236}">
+                <a16:creationId xmlns:a16="http://schemas.microsoft.com/office/drawing/2014/main" id="{2D3869F0-4957-8BA9-19B8-A9116A5B5800}"/>
+              </a:ext>
+            </a:extLst>
+          </p:cNvPr>
+          <p:cNvSpPr>
+            <a:spLocks noGrp="1"/>
+          </p:cNvSpPr>
+          <p:nvPr>
+            <p:ph type="dt" sz="quarter" idx="1"/>
+          </p:nvPr>
+        </p:nvSpPr>
+        <p:spPr>
+          <a:xfrm>
+            <a:off x="3884613" y="0"/>
+            <a:ext cx="2971800" cy="458788"/>
+          </a:xfrm>
+          <a:prstGeom prst="rect">
+            <a:avLst/>
+          </a:prstGeom>
+        </p:spPr>
+        <p:txBody>
+          <a:bodyPr vert="horz" lIns="91440" tIns="45720" rIns="91440" bIns="45720" rtlCol="0"/>
+          <a:lstStyle>
+            <a:lvl1pPr algn="r">
+              <a:defRPr sz="1200"/>
+            </a:lvl1pPr>
+          </a:lstStyle>
+          <a:p>
+            <a:fld id="{2F2D3CE1-F05B-4C3D-9D5C-72AEEB268A38}" type="datetimeFigureOut">
+              <a:rPr lang="en-US" smtClean="0"/>
+              <a:t>7/3/2022</a:t>
+            </a:fld>
+            <a:endParaRPr lang="en-US"/>
+          </a:p>
+        </p:txBody>
+      </p:sp>
+      <p:sp>
+        <p:nvSpPr>
+          <p:cNvPr id="4" name="Footer Placeholder 3">
+            <a:extLst>
+              <a:ext uri="{FF2B5EF4-FFF2-40B4-BE49-F238E27FC236}">
+                <a16:creationId xmlns:a16="http://schemas.microsoft.com/office/drawing/2014/main" id="{5A36F7D9-7D3D-0F65-FCA2-8602B3129C2C}"/>
+              </a:ext>
+            </a:extLst>
+          </p:cNvPr>
+          <p:cNvSpPr>
+            <a:spLocks noGrp="1"/>
+          </p:cNvSpPr>
+          <p:nvPr>
+            <p:ph type="ftr" sz="quarter" idx="2"/>
+          </p:nvPr>
+        </p:nvSpPr>
+        <p:spPr>
+          <a:xfrm>
+            <a:off x="0" y="8685213"/>
+            <a:ext cx="2971800" cy="458787"/>
+          </a:xfrm>
+          <a:prstGeom prst="rect">
+            <a:avLst/>
+          </a:prstGeom>
+        </p:spPr>
+        <p:txBody>
+          <a:bodyPr vert="horz" lIns="91440" tIns="45720" rIns="91440" bIns="45720" rtlCol="0" anchor="b"/>
+          <a:lstStyle>
+            <a:lvl1pPr algn="l">
+              <a:defRPr sz="1200"/>
+            </a:lvl1pPr>
+          </a:lstStyle>
+          <a:p>
+            <a:endParaRPr lang="en-US" dirty="0"/>
+          </a:p>
+        </p:txBody>
+      </p:sp>
+      <p:sp>
+        <p:nvSpPr>
+          <p:cNvPr id="5" name="Slide Number Placeholder 4">
+            <a:extLst>
+              <a:ext uri="{FF2B5EF4-FFF2-40B4-BE49-F238E27FC236}">
+                <a16:creationId xmlns:a16="http://schemas.microsoft.com/office/drawing/2014/main" id="{6607F064-93F2-D62D-A00E-A1DF42E05BAA}"/>
+              </a:ext>
+            </a:extLst>
+          </p:cNvPr>
+          <p:cNvSpPr>
+            <a:spLocks noGrp="1"/>
+          </p:cNvSpPr>
+          <p:nvPr>
+            <p:ph type="sldNum" sz="quarter" idx="3"/>
+          </p:nvPr>
+        </p:nvSpPr>
+        <p:spPr>
+          <a:xfrm>
+            <a:off x="3884613" y="8685213"/>
+            <a:ext cx="2971800" cy="458787"/>
+          </a:xfrm>
+          <a:prstGeom prst="rect">
+            <a:avLst/>
+          </a:prstGeom>
+        </p:spPr>
+        <p:txBody>
+          <a:bodyPr vert="horz" lIns="91440" tIns="45720" rIns="91440" bIns="45720" rtlCol="0" anchor="b"/>
+          <a:lstStyle>
+            <a:lvl1pPr algn="r">
+              <a:defRPr sz="1200"/>
+            </a:lvl1pPr>
+          </a:lstStyle>
+          <a:p>
+            <a:fld id="{99C60349-7797-4B8E-B883-64D4279BBA7F}" type="slidenum">
+              <a:rPr lang="en-US" smtClean="0"/>
+              <a:t>‹#›</a:t>
+            </a:fld>
+            <a:endParaRPr lang="en-US"/>
+          </a:p>
+        </p:txBody>
+      </p:sp>
+    </p:spTree>
+    <p:extLst>
+      <p:ext uri="{BB962C8B-B14F-4D97-AF65-F5344CB8AC3E}">
+        <p14:creationId xmlns:p14="http://schemas.microsoft.com/office/powerpoint/2010/main" val="3603226059"/>
+      </p:ext>
+    </p:extLst>
+  </p:cSld>
+  <p:clrMap bg1="lt1" tx1="dk1" bg2="lt2" tx2="dk2" accent1="accent1" accent2="accent2" accent3="accent3" accent4="accent4" accent5="accent5" accent6="accent6" hlink="hlink" folHlink="folHlink"/>
+</p:handoutMaster>
+</file>
+
 <file path=ppt/notesMasters/notesMaster1.xml><?xml version="1.0" encoding="utf-8"?>
 <p:notesMaster xmlns:a="http://schemas.openxmlformats.org/drawingml/2006/main" xmlns:r="http://schemas.openxmlformats.org/officeDocument/2006/relationships" xmlns:p="http://schemas.openxmlformats.org/presentationml/2006/main">
   <p:cSld>
@@ -206,7 +402,7 @@
           <a:p>
             <a:fld id="{13370B23-86E2-4053-8EEB-332AC694C455}" type="datetimeFigureOut">
               <a:rPr lang="en-US" smtClean="0"/>
-              <a:t>2/26/2022</a:t>
+              <a:t>7/3/2022</a:t>
             </a:fld>
             <a:endParaRPr lang="en-US"/>
           </a:p>
@@ -637,7 +833,7 @@
                 <a:tabLst/>
                 <a:defRPr/>
               </a:pPr>
-              <a:t>2/26/2022</a:t>
+              <a:t>7/3/2022</a:t>
             </a:fld>
             <a:endParaRPr kumimoji="0" lang="en-US" sz="1200" b="0" i="0" u="none" strike="noStrike" kern="1200" cap="none" spc="0" normalizeH="0" baseline="0" noProof="0" dirty="0">
               <a:ln>
@@ -804,6 +1000,711 @@
 </p:notes>
 </file>
 
+<file path=ppt/notesSlides/notesSlide10.xml><?xml version="1.0" encoding="utf-8"?>
+<p:notes xmlns:a="http://schemas.openxmlformats.org/drawingml/2006/main" xmlns:r="http://schemas.openxmlformats.org/officeDocument/2006/relationships" xmlns:p="http://schemas.openxmlformats.org/presentationml/2006/main">
+  <p:cSld>
+    <p:spTree>
+      <p:nvGrpSpPr>
+        <p:cNvPr id="1" name=""/>
+        <p:cNvGrpSpPr/>
+        <p:nvPr/>
+      </p:nvGrpSpPr>
+      <p:grpSpPr>
+        <a:xfrm>
+          <a:off x="0" y="0"/>
+          <a:ext cx="0" cy="0"/>
+          <a:chOff x="0" y="0"/>
+          <a:chExt cx="0" cy="0"/>
+        </a:xfrm>
+      </p:grpSpPr>
+      <p:sp>
+        <p:nvSpPr>
+          <p:cNvPr id="2" name="Slide Image Placeholder 1"/>
+          <p:cNvSpPr>
+            <a:spLocks noGrp="1" noRot="1" noChangeAspect="1"/>
+          </p:cNvSpPr>
+          <p:nvPr>
+            <p:ph type="sldImg"/>
+          </p:nvPr>
+        </p:nvSpPr>
+        <p:spPr/>
+      </p:sp>
+      <p:sp>
+        <p:nvSpPr>
+          <p:cNvPr id="3" name="Notes Placeholder 2"/>
+          <p:cNvSpPr>
+            <a:spLocks noGrp="1"/>
+          </p:cNvSpPr>
+          <p:nvPr>
+            <p:ph type="body" idx="1"/>
+          </p:nvPr>
+        </p:nvSpPr>
+        <p:spPr/>
+        <p:txBody>
+          <a:bodyPr/>
+          <a:lstStyle/>
+          <a:p>
+            <a:r>
+              <a:rPr lang="en-US" dirty="0"/>
+              <a:t>Not modifiable == immutable</a:t>
+            </a:r>
+          </a:p>
+          <a:p>
+            <a:r>
+              <a:rPr lang="en-US" dirty="0"/>
+              <a:t>Don't change – replace  - a </a:t>
+            </a:r>
+            <a:r>
+              <a:rPr lang="en-US" b="1" dirty="0"/>
+              <a:t>=</a:t>
+            </a:r>
+            <a:r>
+              <a:rPr lang="en-US" dirty="0"/>
+              <a:t> (</a:t>
+            </a:r>
+            <a:r>
+              <a:rPr lang="en-US" i="1" dirty="0"/>
+              <a:t>do stuff with a or parts of a</a:t>
+            </a:r>
+            <a:r>
+              <a:rPr lang="en-US" dirty="0"/>
+              <a:t>)</a:t>
+            </a:r>
+          </a:p>
+        </p:txBody>
+      </p:sp>
+      <p:sp>
+        <p:nvSpPr>
+          <p:cNvPr id="4" name="Header Placeholder 3"/>
+          <p:cNvSpPr>
+            <a:spLocks noGrp="1"/>
+          </p:cNvSpPr>
+          <p:nvPr>
+            <p:ph type="hdr" sz="quarter" idx="10"/>
+          </p:nvPr>
+        </p:nvSpPr>
+        <p:spPr/>
+        <p:txBody>
+          <a:bodyPr/>
+          <a:lstStyle/>
+          <a:p>
+            <a:pPr marL="0" marR="0" lvl="0" indent="0" algn="l" defTabSz="457200" rtl="0" eaLnBrk="1" fontAlgn="auto" latinLnBrk="0" hangingPunct="1">
+              <a:lnSpc>
+                <a:spcPct val="100000"/>
+              </a:lnSpc>
+              <a:spcBef>
+                <a:spcPts val="0"/>
+              </a:spcBef>
+              <a:spcAft>
+                <a:spcPts val="0"/>
+              </a:spcAft>
+              <a:buClrTx/>
+              <a:buSzTx/>
+              <a:buFontTx/>
+              <a:buNone/>
+              <a:tabLst/>
+              <a:defRPr/>
+            </a:pPr>
+            <a:r>
+              <a:rPr kumimoji="0" lang="en-US" sz="1200" b="0" i="0" u="none" strike="noStrike" kern="1200" cap="none" spc="0" normalizeH="0" baseline="0" noProof="0" dirty="0">
+                <a:ln>
+                  <a:noFill/>
+                </a:ln>
+                <a:solidFill>
+                  <a:prstClr val="black"/>
+                </a:solidFill>
+                <a:effectLst/>
+                <a:uLnTx/>
+                <a:uFillTx/>
+                <a:latin typeface="Calibri" panose="020F0502020204030204"/>
+                <a:ea typeface="+mn-ea"/>
+                <a:cs typeface="+mn-cs"/>
+              </a:rPr>
+              <a:t>Introduction to Programming using Python</a:t>
+            </a:r>
+          </a:p>
+        </p:txBody>
+      </p:sp>
+      <p:sp>
+        <p:nvSpPr>
+          <p:cNvPr id="5" name="Date Placeholder 4"/>
+          <p:cNvSpPr>
+            <a:spLocks noGrp="1"/>
+          </p:cNvSpPr>
+          <p:nvPr>
+            <p:ph type="dt" idx="11"/>
+          </p:nvPr>
+        </p:nvSpPr>
+        <p:spPr/>
+        <p:txBody>
+          <a:bodyPr/>
+          <a:lstStyle/>
+          <a:p>
+            <a:pPr marL="0" marR="0" lvl="0" indent="0" algn="r" defTabSz="457200" rtl="0" eaLnBrk="1" fontAlgn="auto" latinLnBrk="0" hangingPunct="1">
+              <a:lnSpc>
+                <a:spcPct val="100000"/>
+              </a:lnSpc>
+              <a:spcBef>
+                <a:spcPts val="0"/>
+              </a:spcBef>
+              <a:spcAft>
+                <a:spcPts val="0"/>
+              </a:spcAft>
+              <a:buClrTx/>
+              <a:buSzTx/>
+              <a:buFontTx/>
+              <a:buNone/>
+              <a:tabLst/>
+              <a:defRPr/>
+            </a:pPr>
+            <a:fld id="{A596092B-28C7-44D1-B902-5437B333DFB7}" type="datetime1">
+              <a:rPr kumimoji="0" lang="en-US" sz="1200" b="0" i="0" u="none" strike="noStrike" kern="1200" cap="none" spc="0" normalizeH="0" baseline="0" noProof="0" smtClean="0">
+                <a:ln>
+                  <a:noFill/>
+                </a:ln>
+                <a:solidFill>
+                  <a:prstClr val="black"/>
+                </a:solidFill>
+                <a:effectLst/>
+                <a:uLnTx/>
+                <a:uFillTx/>
+                <a:latin typeface="Calibri" panose="020F0502020204030204"/>
+                <a:ea typeface="+mn-ea"/>
+                <a:cs typeface="+mn-cs"/>
+              </a:rPr>
+              <a:pPr marL="0" marR="0" lvl="0" indent="0" algn="r" defTabSz="457200" rtl="0" eaLnBrk="1" fontAlgn="auto" latinLnBrk="0" hangingPunct="1">
+                <a:lnSpc>
+                  <a:spcPct val="100000"/>
+                </a:lnSpc>
+                <a:spcBef>
+                  <a:spcPts val="0"/>
+                </a:spcBef>
+                <a:spcAft>
+                  <a:spcPts val="0"/>
+                </a:spcAft>
+                <a:buClrTx/>
+                <a:buSzTx/>
+                <a:buFontTx/>
+                <a:buNone/>
+                <a:tabLst/>
+                <a:defRPr/>
+              </a:pPr>
+              <a:t>7/3/2022</a:t>
+            </a:fld>
+            <a:endParaRPr kumimoji="0" lang="en-US" sz="1200" b="0" i="0" u="none" strike="noStrike" kern="1200" cap="none" spc="0" normalizeH="0" baseline="0" noProof="0" dirty="0">
+              <a:ln>
+                <a:noFill/>
+              </a:ln>
+              <a:solidFill>
+                <a:prstClr val="black"/>
+              </a:solidFill>
+              <a:effectLst/>
+              <a:uLnTx/>
+              <a:uFillTx/>
+              <a:latin typeface="Calibri" panose="020F0502020204030204"/>
+              <a:ea typeface="+mn-ea"/>
+              <a:cs typeface="+mn-cs"/>
+            </a:endParaRPr>
+          </a:p>
+        </p:txBody>
+      </p:sp>
+      <p:sp>
+        <p:nvSpPr>
+          <p:cNvPr id="6" name="Footer Placeholder 5"/>
+          <p:cNvSpPr>
+            <a:spLocks noGrp="1"/>
+          </p:cNvSpPr>
+          <p:nvPr>
+            <p:ph type="ftr" sz="quarter" idx="12"/>
+          </p:nvPr>
+        </p:nvSpPr>
+        <p:spPr/>
+        <p:txBody>
+          <a:bodyPr/>
+          <a:lstStyle/>
+          <a:p>
+            <a:pPr marL="0" marR="0" lvl="0" indent="0" algn="l" defTabSz="457200" rtl="0" eaLnBrk="1" fontAlgn="auto" latinLnBrk="0" hangingPunct="1">
+              <a:lnSpc>
+                <a:spcPct val="100000"/>
+              </a:lnSpc>
+              <a:spcBef>
+                <a:spcPts val="0"/>
+              </a:spcBef>
+              <a:spcAft>
+                <a:spcPts val="0"/>
+              </a:spcAft>
+              <a:buClrTx/>
+              <a:buSzTx/>
+              <a:buFontTx/>
+              <a:buNone/>
+              <a:tabLst/>
+              <a:defRPr/>
+            </a:pPr>
+            <a:r>
+              <a:rPr kumimoji="0" lang="en-US" sz="1200" b="0" i="0" u="none" strike="noStrike" kern="1200" cap="none" spc="0" normalizeH="0" baseline="0" noProof="0" dirty="0">
+                <a:ln>
+                  <a:noFill/>
+                </a:ln>
+                <a:solidFill>
+                  <a:prstClr val="black"/>
+                </a:solidFill>
+                <a:effectLst/>
+                <a:uLnTx/>
+                <a:uFillTx/>
+                <a:latin typeface="Calibri" panose="020F0502020204030204"/>
+                <a:ea typeface="+mn-ea"/>
+                <a:cs typeface="+mn-cs"/>
+              </a:rPr>
+              <a:t>raysmith@alum.mit.edu</a:t>
+            </a:r>
+          </a:p>
+        </p:txBody>
+      </p:sp>
+      <p:sp>
+        <p:nvSpPr>
+          <p:cNvPr id="7" name="Slide Number Placeholder 6"/>
+          <p:cNvSpPr>
+            <a:spLocks noGrp="1"/>
+          </p:cNvSpPr>
+          <p:nvPr>
+            <p:ph type="sldNum" sz="quarter" idx="13"/>
+          </p:nvPr>
+        </p:nvSpPr>
+        <p:spPr/>
+        <p:txBody>
+          <a:bodyPr/>
+          <a:lstStyle/>
+          <a:p>
+            <a:pPr marL="0" marR="0" lvl="0" indent="0" algn="r" defTabSz="457200" rtl="0" eaLnBrk="1" fontAlgn="auto" latinLnBrk="0" hangingPunct="1">
+              <a:lnSpc>
+                <a:spcPct val="100000"/>
+              </a:lnSpc>
+              <a:spcBef>
+                <a:spcPts val="0"/>
+              </a:spcBef>
+              <a:spcAft>
+                <a:spcPts val="0"/>
+              </a:spcAft>
+              <a:buClrTx/>
+              <a:buSzTx/>
+              <a:buFontTx/>
+              <a:buNone/>
+              <a:tabLst/>
+              <a:defRPr/>
+            </a:pPr>
+            <a:fld id="{BA791329-992B-4F83-8435-C33B0EC26DB3}" type="slidenum">
+              <a:rPr kumimoji="0" lang="en-US" sz="1200" b="0" i="0" u="none" strike="noStrike" kern="1200" cap="none" spc="0" normalizeH="0" baseline="0" noProof="0" smtClean="0">
+                <a:ln>
+                  <a:noFill/>
+                </a:ln>
+                <a:solidFill>
+                  <a:prstClr val="black"/>
+                </a:solidFill>
+                <a:effectLst/>
+                <a:uLnTx/>
+                <a:uFillTx/>
+                <a:latin typeface="Calibri" panose="020F0502020204030204"/>
+                <a:ea typeface="+mn-ea"/>
+                <a:cs typeface="+mn-cs"/>
+              </a:rPr>
+              <a:pPr marL="0" marR="0" lvl="0" indent="0" algn="r" defTabSz="457200" rtl="0" eaLnBrk="1" fontAlgn="auto" latinLnBrk="0" hangingPunct="1">
+                <a:lnSpc>
+                  <a:spcPct val="100000"/>
+                </a:lnSpc>
+                <a:spcBef>
+                  <a:spcPts val="0"/>
+                </a:spcBef>
+                <a:spcAft>
+                  <a:spcPts val="0"/>
+                </a:spcAft>
+                <a:buClrTx/>
+                <a:buSzTx/>
+                <a:buFontTx/>
+                <a:buNone/>
+                <a:tabLst/>
+                <a:defRPr/>
+              </a:pPr>
+              <a:t>11</a:t>
+            </a:fld>
+            <a:endParaRPr kumimoji="0" lang="en-US" sz="1200" b="0" i="0" u="none" strike="noStrike" kern="1200" cap="none" spc="0" normalizeH="0" baseline="0" noProof="0" dirty="0">
+              <a:ln>
+                <a:noFill/>
+              </a:ln>
+              <a:solidFill>
+                <a:prstClr val="black"/>
+              </a:solidFill>
+              <a:effectLst/>
+              <a:uLnTx/>
+              <a:uFillTx/>
+              <a:latin typeface="Calibri" panose="020F0502020204030204"/>
+              <a:ea typeface="+mn-ea"/>
+              <a:cs typeface="+mn-cs"/>
+            </a:endParaRPr>
+          </a:p>
+        </p:txBody>
+      </p:sp>
+    </p:spTree>
+    <p:extLst>
+      <p:ext uri="{BB962C8B-B14F-4D97-AF65-F5344CB8AC3E}">
+        <p14:creationId xmlns:p14="http://schemas.microsoft.com/office/powerpoint/2010/main" val="3131221861"/>
+      </p:ext>
+    </p:extLst>
+  </p:cSld>
+  <p:clrMapOvr>
+    <a:masterClrMapping/>
+  </p:clrMapOvr>
+</p:notes>
+</file>
+
+<file path=ppt/notesSlides/notesSlide11.xml><?xml version="1.0" encoding="utf-8"?>
+<p:notes xmlns:a="http://schemas.openxmlformats.org/drawingml/2006/main" xmlns:r="http://schemas.openxmlformats.org/officeDocument/2006/relationships" xmlns:p="http://schemas.openxmlformats.org/presentationml/2006/main">
+  <p:cSld>
+    <p:spTree>
+      <p:nvGrpSpPr>
+        <p:cNvPr id="1" name=""/>
+        <p:cNvGrpSpPr/>
+        <p:nvPr/>
+      </p:nvGrpSpPr>
+      <p:grpSpPr>
+        <a:xfrm>
+          <a:off x="0" y="0"/>
+          <a:ext cx="0" cy="0"/>
+          <a:chOff x="0" y="0"/>
+          <a:chExt cx="0" cy="0"/>
+        </a:xfrm>
+      </p:grpSpPr>
+      <p:sp>
+        <p:nvSpPr>
+          <p:cNvPr id="2" name="Slide Image Placeholder 1"/>
+          <p:cNvSpPr>
+            <a:spLocks noGrp="1" noRot="1" noChangeAspect="1"/>
+          </p:cNvSpPr>
+          <p:nvPr>
+            <p:ph type="sldImg"/>
+          </p:nvPr>
+        </p:nvSpPr>
+        <p:spPr/>
+      </p:sp>
+      <p:sp>
+        <p:nvSpPr>
+          <p:cNvPr id="3" name="Notes Placeholder 2"/>
+          <p:cNvSpPr>
+            <a:spLocks noGrp="1"/>
+          </p:cNvSpPr>
+          <p:nvPr>
+            <p:ph type="body" idx="1"/>
+          </p:nvPr>
+        </p:nvSpPr>
+        <p:spPr/>
+        <p:txBody>
+          <a:bodyPr/>
+          <a:lstStyle/>
+          <a:p>
+            <a:r>
+              <a:rPr lang="en-US" dirty="0"/>
+              <a:t>Use the previous iteration as a start to the next.</a:t>
+            </a:r>
+          </a:p>
+          <a:p>
+            <a:r>
+              <a:rPr lang="en-US" dirty="0"/>
+              <a:t>I'll go around and watch.</a:t>
+            </a:r>
+          </a:p>
+          <a:p>
+            <a:r>
+              <a:rPr lang="en-US" dirty="0"/>
+              <a:t>Raise had if a question.</a:t>
+            </a:r>
+          </a:p>
+          <a:p>
+            <a:endParaRPr lang="en-US" dirty="0"/>
+          </a:p>
+        </p:txBody>
+      </p:sp>
+      <p:sp>
+        <p:nvSpPr>
+          <p:cNvPr id="4" name="Header Placeholder 3"/>
+          <p:cNvSpPr>
+            <a:spLocks noGrp="1"/>
+          </p:cNvSpPr>
+          <p:nvPr>
+            <p:ph type="hdr" sz="quarter" idx="10"/>
+          </p:nvPr>
+        </p:nvSpPr>
+        <p:spPr/>
+        <p:txBody>
+          <a:bodyPr/>
+          <a:lstStyle/>
+          <a:p>
+            <a:pPr marL="0" marR="0" lvl="0" indent="0" algn="l" defTabSz="457200" rtl="0" eaLnBrk="1" fontAlgn="auto" latinLnBrk="0" hangingPunct="1">
+              <a:lnSpc>
+                <a:spcPct val="100000"/>
+              </a:lnSpc>
+              <a:spcBef>
+                <a:spcPts val="0"/>
+              </a:spcBef>
+              <a:spcAft>
+                <a:spcPts val="0"/>
+              </a:spcAft>
+              <a:buClrTx/>
+              <a:buSzTx/>
+              <a:buFontTx/>
+              <a:buNone/>
+              <a:tabLst/>
+              <a:defRPr/>
+            </a:pPr>
+            <a:r>
+              <a:rPr kumimoji="0" lang="en-US" sz="1200" b="0" i="0" u="none" strike="noStrike" kern="1200" cap="none" spc="0" normalizeH="0" baseline="0" noProof="0" dirty="0">
+                <a:ln>
+                  <a:noFill/>
+                </a:ln>
+                <a:solidFill>
+                  <a:prstClr val="black"/>
+                </a:solidFill>
+                <a:effectLst/>
+                <a:uLnTx/>
+                <a:uFillTx/>
+                <a:latin typeface="Calibri" panose="020F0502020204030204"/>
+                <a:ea typeface="+mn-ea"/>
+                <a:cs typeface="+mn-cs"/>
+              </a:rPr>
+              <a:t>Introduction to Programming using Python</a:t>
+            </a:r>
+          </a:p>
+        </p:txBody>
+      </p:sp>
+      <p:sp>
+        <p:nvSpPr>
+          <p:cNvPr id="5" name="Date Placeholder 4"/>
+          <p:cNvSpPr>
+            <a:spLocks noGrp="1"/>
+          </p:cNvSpPr>
+          <p:nvPr>
+            <p:ph type="dt" idx="11"/>
+          </p:nvPr>
+        </p:nvSpPr>
+        <p:spPr/>
+        <p:txBody>
+          <a:bodyPr/>
+          <a:lstStyle/>
+          <a:p>
+            <a:pPr marL="0" marR="0" lvl="0" indent="0" algn="r" defTabSz="457200" rtl="0" eaLnBrk="1" fontAlgn="auto" latinLnBrk="0" hangingPunct="1">
+              <a:lnSpc>
+                <a:spcPct val="100000"/>
+              </a:lnSpc>
+              <a:spcBef>
+                <a:spcPts val="0"/>
+              </a:spcBef>
+              <a:spcAft>
+                <a:spcPts val="0"/>
+              </a:spcAft>
+              <a:buClrTx/>
+              <a:buSzTx/>
+              <a:buFontTx/>
+              <a:buNone/>
+              <a:tabLst/>
+              <a:defRPr/>
+            </a:pPr>
+            <a:fld id="{A596092B-28C7-44D1-B902-5437B333DFB7}" type="datetime1">
+              <a:rPr kumimoji="0" lang="en-US" sz="1200" b="0" i="0" u="none" strike="noStrike" kern="1200" cap="none" spc="0" normalizeH="0" baseline="0" noProof="0" smtClean="0">
+                <a:ln>
+                  <a:noFill/>
+                </a:ln>
+                <a:solidFill>
+                  <a:prstClr val="black"/>
+                </a:solidFill>
+                <a:effectLst/>
+                <a:uLnTx/>
+                <a:uFillTx/>
+                <a:latin typeface="Calibri" panose="020F0502020204030204"/>
+                <a:ea typeface="+mn-ea"/>
+                <a:cs typeface="+mn-cs"/>
+              </a:rPr>
+              <a:pPr marL="0" marR="0" lvl="0" indent="0" algn="r" defTabSz="457200" rtl="0" eaLnBrk="1" fontAlgn="auto" latinLnBrk="0" hangingPunct="1">
+                <a:lnSpc>
+                  <a:spcPct val="100000"/>
+                </a:lnSpc>
+                <a:spcBef>
+                  <a:spcPts val="0"/>
+                </a:spcBef>
+                <a:spcAft>
+                  <a:spcPts val="0"/>
+                </a:spcAft>
+                <a:buClrTx/>
+                <a:buSzTx/>
+                <a:buFontTx/>
+                <a:buNone/>
+                <a:tabLst/>
+                <a:defRPr/>
+              </a:pPr>
+              <a:t>7/3/2022</a:t>
+            </a:fld>
+            <a:endParaRPr kumimoji="0" lang="en-US" sz="1200" b="0" i="0" u="none" strike="noStrike" kern="1200" cap="none" spc="0" normalizeH="0" baseline="0" noProof="0" dirty="0">
+              <a:ln>
+                <a:noFill/>
+              </a:ln>
+              <a:solidFill>
+                <a:prstClr val="black"/>
+              </a:solidFill>
+              <a:effectLst/>
+              <a:uLnTx/>
+              <a:uFillTx/>
+              <a:latin typeface="Calibri" panose="020F0502020204030204"/>
+              <a:ea typeface="+mn-ea"/>
+              <a:cs typeface="+mn-cs"/>
+            </a:endParaRPr>
+          </a:p>
+        </p:txBody>
+      </p:sp>
+      <p:sp>
+        <p:nvSpPr>
+          <p:cNvPr id="6" name="Footer Placeholder 5"/>
+          <p:cNvSpPr>
+            <a:spLocks noGrp="1"/>
+          </p:cNvSpPr>
+          <p:nvPr>
+            <p:ph type="ftr" sz="quarter" idx="12"/>
+          </p:nvPr>
+        </p:nvSpPr>
+        <p:spPr/>
+        <p:txBody>
+          <a:bodyPr/>
+          <a:lstStyle/>
+          <a:p>
+            <a:pPr marL="0" marR="0" lvl="0" indent="0" algn="l" defTabSz="457200" rtl="0" eaLnBrk="1" fontAlgn="auto" latinLnBrk="0" hangingPunct="1">
+              <a:lnSpc>
+                <a:spcPct val="100000"/>
+              </a:lnSpc>
+              <a:spcBef>
+                <a:spcPts val="0"/>
+              </a:spcBef>
+              <a:spcAft>
+                <a:spcPts val="0"/>
+              </a:spcAft>
+              <a:buClrTx/>
+              <a:buSzTx/>
+              <a:buFontTx/>
+              <a:buNone/>
+              <a:tabLst/>
+              <a:defRPr/>
+            </a:pPr>
+            <a:r>
+              <a:rPr kumimoji="0" lang="en-US" sz="1200" b="0" i="0" u="none" strike="noStrike" kern="1200" cap="none" spc="0" normalizeH="0" baseline="0" noProof="0" dirty="0">
+                <a:ln>
+                  <a:noFill/>
+                </a:ln>
+                <a:solidFill>
+                  <a:prstClr val="black"/>
+                </a:solidFill>
+                <a:effectLst/>
+                <a:uLnTx/>
+                <a:uFillTx/>
+                <a:latin typeface="Calibri" panose="020F0502020204030204"/>
+                <a:ea typeface="+mn-ea"/>
+                <a:cs typeface="+mn-cs"/>
+              </a:rPr>
+              <a:t>raysmith@alum.mit.edu</a:t>
+            </a:r>
+          </a:p>
+        </p:txBody>
+      </p:sp>
+      <p:sp>
+        <p:nvSpPr>
+          <p:cNvPr id="7" name="Slide Number Placeholder 6"/>
+          <p:cNvSpPr>
+            <a:spLocks noGrp="1"/>
+          </p:cNvSpPr>
+          <p:nvPr>
+            <p:ph type="sldNum" sz="quarter" idx="13"/>
+          </p:nvPr>
+        </p:nvSpPr>
+        <p:spPr/>
+        <p:txBody>
+          <a:bodyPr/>
+          <a:lstStyle/>
+          <a:p>
+            <a:pPr marL="0" marR="0" lvl="0" indent="0" algn="r" defTabSz="457200" rtl="0" eaLnBrk="1" fontAlgn="auto" latinLnBrk="0" hangingPunct="1">
+              <a:lnSpc>
+                <a:spcPct val="100000"/>
+              </a:lnSpc>
+              <a:spcBef>
+                <a:spcPts val="0"/>
+              </a:spcBef>
+              <a:spcAft>
+                <a:spcPts val="0"/>
+              </a:spcAft>
+              <a:buClrTx/>
+              <a:buSzTx/>
+              <a:buFontTx/>
+              <a:buNone/>
+              <a:tabLst/>
+              <a:defRPr/>
+            </a:pPr>
+            <a:fld id="{BA791329-992B-4F83-8435-C33B0EC26DB3}" type="slidenum">
+              <a:rPr kumimoji="0" lang="en-US" sz="1200" b="0" i="0" u="none" strike="noStrike" kern="1200" cap="none" spc="0" normalizeH="0" baseline="0" noProof="0" smtClean="0">
+                <a:ln>
+                  <a:noFill/>
+                </a:ln>
+                <a:solidFill>
+                  <a:prstClr val="black"/>
+                </a:solidFill>
+                <a:effectLst/>
+                <a:uLnTx/>
+                <a:uFillTx/>
+                <a:latin typeface="Calibri" panose="020F0502020204030204"/>
+                <a:ea typeface="+mn-ea"/>
+                <a:cs typeface="+mn-cs"/>
+              </a:rPr>
+              <a:pPr marL="0" marR="0" lvl="0" indent="0" algn="r" defTabSz="457200" rtl="0" eaLnBrk="1" fontAlgn="auto" latinLnBrk="0" hangingPunct="1">
+                <a:lnSpc>
+                  <a:spcPct val="100000"/>
+                </a:lnSpc>
+                <a:spcBef>
+                  <a:spcPts val="0"/>
+                </a:spcBef>
+                <a:spcAft>
+                  <a:spcPts val="0"/>
+                </a:spcAft>
+                <a:buClrTx/>
+                <a:buSzTx/>
+                <a:buFontTx/>
+                <a:buNone/>
+                <a:tabLst/>
+                <a:defRPr/>
+              </a:pPr>
+              <a:t>14</a:t>
+            </a:fld>
+            <a:endParaRPr kumimoji="0" lang="en-US" sz="1200" b="0" i="0" u="none" strike="noStrike" kern="1200" cap="none" spc="0" normalizeH="0" baseline="0" noProof="0" dirty="0">
+              <a:ln>
+                <a:noFill/>
+              </a:ln>
+              <a:solidFill>
+                <a:prstClr val="black"/>
+              </a:solidFill>
+              <a:effectLst/>
+              <a:uLnTx/>
+              <a:uFillTx/>
+              <a:latin typeface="Calibri" panose="020F0502020204030204"/>
+              <a:ea typeface="+mn-ea"/>
+              <a:cs typeface="+mn-cs"/>
+            </a:endParaRPr>
+          </a:p>
+        </p:txBody>
+      </p:sp>
+    </p:spTree>
+    <p:extLst>
+      <p:ext uri="{BB962C8B-B14F-4D97-AF65-F5344CB8AC3E}">
+        <p14:creationId xmlns:p14="http://schemas.microsoft.com/office/powerpoint/2010/main" val="4071569725"/>
+      </p:ext>
+    </p:extLst>
+  </p:cSld>
+  <p:clrMapOvr>
+    <a:masterClrMapping/>
+  </p:clrMapOvr>
+</p:notes>
+</file>
+
 <file path=ppt/notesSlides/notesSlide2.xml><?xml version="1.0" encoding="utf-8"?>
 <p:notes xmlns:a="http://schemas.openxmlformats.org/drawingml/2006/main" xmlns:r="http://schemas.openxmlformats.org/officeDocument/2006/relationships" xmlns:p="http://schemas.openxmlformats.org/presentationml/2006/main">
   <p:cSld>
@@ -983,7 +1884,7 @@
                 <a:tabLst/>
                 <a:defRPr/>
               </a:pPr>
-              <a:t>2/26/2022</a:t>
+              <a:t>7/3/2022</a:t>
             </a:fld>
             <a:endParaRPr kumimoji="0" lang="en-US" sz="1200" b="0" i="0" u="none" strike="noStrike" kern="1200" cap="none" spc="0" normalizeH="0" baseline="0" noProof="0" dirty="0">
               <a:ln>
@@ -1314,7 +2215,7 @@
                 <a:tabLst/>
                 <a:defRPr/>
               </a:pPr>
-              <a:t>2/26/2022</a:t>
+              <a:t>7/3/2022</a:t>
             </a:fld>
             <a:endParaRPr kumimoji="0" lang="en-US" sz="1200" b="0" i="0" u="none" strike="noStrike" kern="1200" cap="none" spc="0" normalizeH="0" baseline="0" noProof="0" dirty="0">
               <a:ln>
@@ -1654,7 +2555,7 @@
                 <a:tabLst/>
                 <a:defRPr/>
               </a:pPr>
-              <a:t>2/26/2022</a:t>
+              <a:t>7/3/2022</a:t>
             </a:fld>
             <a:endParaRPr kumimoji="0" lang="en-US" sz="1200" b="0" i="0" u="none" strike="noStrike" kern="1200" cap="none" spc="0" normalizeH="0" baseline="0" noProof="0" dirty="0">
               <a:ln>
@@ -1867,7 +2768,13 @@
           <a:p>
             <a:r>
               <a:rPr lang="en-US" dirty="0"/>
-              <a:t>What sort of information would fit into a string?</a:t>
+              <a:t>Why write "list friends" BEFORE "add friends"?</a:t>
+            </a:r>
+          </a:p>
+          <a:p>
+            <a:r>
+              <a:rPr lang="en-US" dirty="0"/>
+              <a:t>Hint: How do we test?</a:t>
             </a:r>
           </a:p>
         </p:txBody>
@@ -1988,7 +2895,7 @@
                 <a:tabLst/>
                 <a:defRPr/>
               </a:pPr>
-              <a:t>2/26/2022</a:t>
+              <a:t>7/3/2022</a:t>
             </a:fld>
             <a:endParaRPr kumimoji="0" lang="en-US" sz="1200" b="0" i="0" u="none" strike="noStrike" kern="1200" cap="none" spc="0" normalizeH="0" baseline="0" noProof="0" dirty="0">
               <a:ln>
@@ -2145,7 +3052,7 @@
     </p:spTree>
     <p:extLst>
       <p:ext uri="{BB962C8B-B14F-4D97-AF65-F5344CB8AC3E}">
-        <p14:creationId xmlns:p14="http://schemas.microsoft.com/office/powerpoint/2010/main" val="3807818594"/>
+        <p14:creationId xmlns:p14="http://schemas.microsoft.com/office/powerpoint/2010/main" val="1992734068"/>
       </p:ext>
     </p:extLst>
   </p:cSld>
@@ -2201,29 +3108,13 @@
           <a:p>
             <a:r>
               <a:rPr lang="en-US" dirty="0"/>
-              <a:t>Not modifiable == immutable</a:t>
+              <a:t>Why write "list friends" BEFORE "add friends"?</a:t>
             </a:r>
           </a:p>
           <a:p>
             <a:r>
               <a:rPr lang="en-US" dirty="0"/>
-              <a:t>Don't change – replace  - a </a:t>
-            </a:r>
-            <a:r>
-              <a:rPr lang="en-US" b="1" dirty="0"/>
-              <a:t>=</a:t>
-            </a:r>
-            <a:r>
-              <a:rPr lang="en-US" dirty="0"/>
-              <a:t> (</a:t>
-            </a:r>
-            <a:r>
-              <a:rPr lang="en-US" i="1" dirty="0"/>
-              <a:t>do stuff with a or parts of a</a:t>
-            </a:r>
-            <a:r>
-              <a:rPr lang="en-US" dirty="0"/>
-              <a:t>)</a:t>
+              <a:t>Hint: How do we test?</a:t>
             </a:r>
           </a:p>
         </p:txBody>
@@ -2344,7 +3235,7 @@
                 <a:tabLst/>
                 <a:defRPr/>
               </a:pPr>
-              <a:t>2/26/2022</a:t>
+              <a:t>7/3/2022</a:t>
             </a:fld>
             <a:endParaRPr kumimoji="0" lang="en-US" sz="1200" b="0" i="0" u="none" strike="noStrike" kern="1200" cap="none" spc="0" normalizeH="0" baseline="0" noProof="0" dirty="0">
               <a:ln>
@@ -2501,7 +3392,7 @@
     </p:spTree>
     <p:extLst>
       <p:ext uri="{BB962C8B-B14F-4D97-AF65-F5344CB8AC3E}">
-        <p14:creationId xmlns:p14="http://schemas.microsoft.com/office/powerpoint/2010/main" val="994174825"/>
+        <p14:creationId xmlns:p14="http://schemas.microsoft.com/office/powerpoint/2010/main" val="3284204697"/>
       </p:ext>
     </p:extLst>
   </p:cSld>
@@ -2557,29 +3448,13 @@
           <a:p>
             <a:r>
               <a:rPr lang="en-US" dirty="0"/>
-              <a:t>Not modifiable == immutable</a:t>
+              <a:t>Why write "list friends" BEFORE "add friends"?</a:t>
             </a:r>
           </a:p>
           <a:p>
             <a:r>
               <a:rPr lang="en-US" dirty="0"/>
-              <a:t>Don't change – replace  - a </a:t>
-            </a:r>
-            <a:r>
-              <a:rPr lang="en-US" b="1" dirty="0"/>
-              <a:t>=</a:t>
-            </a:r>
-            <a:r>
-              <a:rPr lang="en-US" dirty="0"/>
-              <a:t> (</a:t>
-            </a:r>
-            <a:r>
-              <a:rPr lang="en-US" i="1" dirty="0"/>
-              <a:t>do stuff with a or parts of a</a:t>
-            </a:r>
-            <a:r>
-              <a:rPr lang="en-US" dirty="0"/>
-              <a:t>)</a:t>
+              <a:t>Hint: How do we test?</a:t>
             </a:r>
           </a:p>
         </p:txBody>
@@ -2700,7 +3575,7 @@
                 <a:tabLst/>
                 <a:defRPr/>
               </a:pPr>
-              <a:t>2/26/2022</a:t>
+              <a:t>7/3/2022</a:t>
             </a:fld>
             <a:endParaRPr kumimoji="0" lang="en-US" sz="1200" b="0" i="0" u="none" strike="noStrike" kern="1200" cap="none" spc="0" normalizeH="0" baseline="0" noProof="0" dirty="0">
               <a:ln>
@@ -2857,7 +3732,7 @@
     </p:spTree>
     <p:extLst>
       <p:ext uri="{BB962C8B-B14F-4D97-AF65-F5344CB8AC3E}">
-        <p14:creationId xmlns:p14="http://schemas.microsoft.com/office/powerpoint/2010/main" val="3131221861"/>
+        <p14:creationId xmlns:p14="http://schemas.microsoft.com/office/powerpoint/2010/main" val="230584999"/>
       </p:ext>
     </p:extLst>
   </p:cSld>
@@ -2913,23 +3788,8 @@
           <a:p>
             <a:r>
               <a:rPr lang="en-US" dirty="0"/>
-              <a:t>Use the previous iteration as a start to the next.</a:t>
-            </a:r>
-          </a:p>
-          <a:p>
-            <a:r>
-              <a:rPr lang="en-US" dirty="0"/>
-              <a:t>I'll go around and watch.</a:t>
-            </a:r>
-          </a:p>
-          <a:p>
-            <a:r>
-              <a:rPr lang="en-US" dirty="0"/>
-              <a:t>Raise had if a question.</a:t>
-            </a:r>
-          </a:p>
-          <a:p>
-            <a:endParaRPr lang="en-US" dirty="0"/>
+              <a:t>What sort of information would fit into a string?</a:t>
+            </a:r>
           </a:p>
         </p:txBody>
       </p:sp>
@@ -3049,7 +3909,363 @@
                 <a:tabLst/>
                 <a:defRPr/>
               </a:pPr>
-              <a:t>2/26/2022</a:t>
+              <a:t>7/3/2022</a:t>
+            </a:fld>
+            <a:endParaRPr kumimoji="0" lang="en-US" sz="1200" b="0" i="0" u="none" strike="noStrike" kern="1200" cap="none" spc="0" normalizeH="0" baseline="0" noProof="0" dirty="0">
+              <a:ln>
+                <a:noFill/>
+              </a:ln>
+              <a:solidFill>
+                <a:prstClr val="black"/>
+              </a:solidFill>
+              <a:effectLst/>
+              <a:uLnTx/>
+              <a:uFillTx/>
+              <a:latin typeface="Calibri" panose="020F0502020204030204"/>
+              <a:ea typeface="+mn-ea"/>
+              <a:cs typeface="+mn-cs"/>
+            </a:endParaRPr>
+          </a:p>
+        </p:txBody>
+      </p:sp>
+      <p:sp>
+        <p:nvSpPr>
+          <p:cNvPr id="6" name="Footer Placeholder 5"/>
+          <p:cNvSpPr>
+            <a:spLocks noGrp="1"/>
+          </p:cNvSpPr>
+          <p:nvPr>
+            <p:ph type="ftr" sz="quarter" idx="12"/>
+          </p:nvPr>
+        </p:nvSpPr>
+        <p:spPr/>
+        <p:txBody>
+          <a:bodyPr/>
+          <a:lstStyle/>
+          <a:p>
+            <a:pPr marL="0" marR="0" lvl="0" indent="0" algn="l" defTabSz="457200" rtl="0" eaLnBrk="1" fontAlgn="auto" latinLnBrk="0" hangingPunct="1">
+              <a:lnSpc>
+                <a:spcPct val="100000"/>
+              </a:lnSpc>
+              <a:spcBef>
+                <a:spcPts val="0"/>
+              </a:spcBef>
+              <a:spcAft>
+                <a:spcPts val="0"/>
+              </a:spcAft>
+              <a:buClrTx/>
+              <a:buSzTx/>
+              <a:buFontTx/>
+              <a:buNone/>
+              <a:tabLst/>
+              <a:defRPr/>
+            </a:pPr>
+            <a:r>
+              <a:rPr kumimoji="0" lang="en-US" sz="1200" b="0" i="0" u="none" strike="noStrike" kern="1200" cap="none" spc="0" normalizeH="0" baseline="0" noProof="0" dirty="0">
+                <a:ln>
+                  <a:noFill/>
+                </a:ln>
+                <a:solidFill>
+                  <a:prstClr val="black"/>
+                </a:solidFill>
+                <a:effectLst/>
+                <a:uLnTx/>
+                <a:uFillTx/>
+                <a:latin typeface="Calibri" panose="020F0502020204030204"/>
+                <a:ea typeface="+mn-ea"/>
+                <a:cs typeface="+mn-cs"/>
+              </a:rPr>
+              <a:t>raysmith@alum.mit.edu</a:t>
+            </a:r>
+          </a:p>
+        </p:txBody>
+      </p:sp>
+      <p:sp>
+        <p:nvSpPr>
+          <p:cNvPr id="7" name="Slide Number Placeholder 6"/>
+          <p:cNvSpPr>
+            <a:spLocks noGrp="1"/>
+          </p:cNvSpPr>
+          <p:nvPr>
+            <p:ph type="sldNum" sz="quarter" idx="13"/>
+          </p:nvPr>
+        </p:nvSpPr>
+        <p:spPr/>
+        <p:txBody>
+          <a:bodyPr/>
+          <a:lstStyle/>
+          <a:p>
+            <a:pPr marL="0" marR="0" lvl="0" indent="0" algn="r" defTabSz="457200" rtl="0" eaLnBrk="1" fontAlgn="auto" latinLnBrk="0" hangingPunct="1">
+              <a:lnSpc>
+                <a:spcPct val="100000"/>
+              </a:lnSpc>
+              <a:spcBef>
+                <a:spcPts val="0"/>
+              </a:spcBef>
+              <a:spcAft>
+                <a:spcPts val="0"/>
+              </a:spcAft>
+              <a:buClrTx/>
+              <a:buSzTx/>
+              <a:buFontTx/>
+              <a:buNone/>
+              <a:tabLst/>
+              <a:defRPr/>
+            </a:pPr>
+            <a:fld id="{BA791329-992B-4F83-8435-C33B0EC26DB3}" type="slidenum">
+              <a:rPr kumimoji="0" lang="en-US" sz="1200" b="0" i="0" u="none" strike="noStrike" kern="1200" cap="none" spc="0" normalizeH="0" baseline="0" noProof="0" smtClean="0">
+                <a:ln>
+                  <a:noFill/>
+                </a:ln>
+                <a:solidFill>
+                  <a:prstClr val="black"/>
+                </a:solidFill>
+                <a:effectLst/>
+                <a:uLnTx/>
+                <a:uFillTx/>
+                <a:latin typeface="Calibri" panose="020F0502020204030204"/>
+                <a:ea typeface="+mn-ea"/>
+                <a:cs typeface="+mn-cs"/>
+              </a:rPr>
+              <a:pPr marL="0" marR="0" lvl="0" indent="0" algn="r" defTabSz="457200" rtl="0" eaLnBrk="1" fontAlgn="auto" latinLnBrk="0" hangingPunct="1">
+                <a:lnSpc>
+                  <a:spcPct val="100000"/>
+                </a:lnSpc>
+                <a:spcBef>
+                  <a:spcPts val="0"/>
+                </a:spcBef>
+                <a:spcAft>
+                  <a:spcPts val="0"/>
+                </a:spcAft>
+                <a:buClrTx/>
+                <a:buSzTx/>
+                <a:buFontTx/>
+                <a:buNone/>
+                <a:tabLst/>
+                <a:defRPr/>
+              </a:pPr>
+              <a:t>9</a:t>
+            </a:fld>
+            <a:endParaRPr kumimoji="0" lang="en-US" sz="1200" b="0" i="0" u="none" strike="noStrike" kern="1200" cap="none" spc="0" normalizeH="0" baseline="0" noProof="0" dirty="0">
+              <a:ln>
+                <a:noFill/>
+              </a:ln>
+              <a:solidFill>
+                <a:prstClr val="black"/>
+              </a:solidFill>
+              <a:effectLst/>
+              <a:uLnTx/>
+              <a:uFillTx/>
+              <a:latin typeface="Calibri" panose="020F0502020204030204"/>
+              <a:ea typeface="+mn-ea"/>
+              <a:cs typeface="+mn-cs"/>
+            </a:endParaRPr>
+          </a:p>
+        </p:txBody>
+      </p:sp>
+    </p:spTree>
+    <p:extLst>
+      <p:ext uri="{BB962C8B-B14F-4D97-AF65-F5344CB8AC3E}">
+        <p14:creationId xmlns:p14="http://schemas.microsoft.com/office/powerpoint/2010/main" val="3807818594"/>
+      </p:ext>
+    </p:extLst>
+  </p:cSld>
+  <p:clrMapOvr>
+    <a:masterClrMapping/>
+  </p:clrMapOvr>
+</p:notes>
+</file>
+
+<file path=ppt/notesSlides/notesSlide9.xml><?xml version="1.0" encoding="utf-8"?>
+<p:notes xmlns:a="http://schemas.openxmlformats.org/drawingml/2006/main" xmlns:r="http://schemas.openxmlformats.org/officeDocument/2006/relationships" xmlns:p="http://schemas.openxmlformats.org/presentationml/2006/main">
+  <p:cSld>
+    <p:spTree>
+      <p:nvGrpSpPr>
+        <p:cNvPr id="1" name=""/>
+        <p:cNvGrpSpPr/>
+        <p:nvPr/>
+      </p:nvGrpSpPr>
+      <p:grpSpPr>
+        <a:xfrm>
+          <a:off x="0" y="0"/>
+          <a:ext cx="0" cy="0"/>
+          <a:chOff x="0" y="0"/>
+          <a:chExt cx="0" cy="0"/>
+        </a:xfrm>
+      </p:grpSpPr>
+      <p:sp>
+        <p:nvSpPr>
+          <p:cNvPr id="2" name="Slide Image Placeholder 1"/>
+          <p:cNvSpPr>
+            <a:spLocks noGrp="1" noRot="1" noChangeAspect="1"/>
+          </p:cNvSpPr>
+          <p:nvPr>
+            <p:ph type="sldImg"/>
+          </p:nvPr>
+        </p:nvSpPr>
+        <p:spPr/>
+      </p:sp>
+      <p:sp>
+        <p:nvSpPr>
+          <p:cNvPr id="3" name="Notes Placeholder 2"/>
+          <p:cNvSpPr>
+            <a:spLocks noGrp="1"/>
+          </p:cNvSpPr>
+          <p:nvPr>
+            <p:ph type="body" idx="1"/>
+          </p:nvPr>
+        </p:nvSpPr>
+        <p:spPr/>
+        <p:txBody>
+          <a:bodyPr/>
+          <a:lstStyle/>
+          <a:p>
+            <a:r>
+              <a:rPr lang="en-US" dirty="0"/>
+              <a:t>Not modifiable == immutable</a:t>
+            </a:r>
+          </a:p>
+          <a:p>
+            <a:r>
+              <a:rPr lang="en-US" dirty="0"/>
+              <a:t>Don't change – replace  - a </a:t>
+            </a:r>
+            <a:r>
+              <a:rPr lang="en-US" b="1" dirty="0"/>
+              <a:t>=</a:t>
+            </a:r>
+            <a:r>
+              <a:rPr lang="en-US" dirty="0"/>
+              <a:t> (</a:t>
+            </a:r>
+            <a:r>
+              <a:rPr lang="en-US" i="1" dirty="0"/>
+              <a:t>do stuff with a or parts of a</a:t>
+            </a:r>
+            <a:r>
+              <a:rPr lang="en-US" dirty="0"/>
+              <a:t>)</a:t>
+            </a:r>
+          </a:p>
+        </p:txBody>
+      </p:sp>
+      <p:sp>
+        <p:nvSpPr>
+          <p:cNvPr id="4" name="Header Placeholder 3"/>
+          <p:cNvSpPr>
+            <a:spLocks noGrp="1"/>
+          </p:cNvSpPr>
+          <p:nvPr>
+            <p:ph type="hdr" sz="quarter" idx="10"/>
+          </p:nvPr>
+        </p:nvSpPr>
+        <p:spPr/>
+        <p:txBody>
+          <a:bodyPr/>
+          <a:lstStyle/>
+          <a:p>
+            <a:pPr marL="0" marR="0" lvl="0" indent="0" algn="l" defTabSz="457200" rtl="0" eaLnBrk="1" fontAlgn="auto" latinLnBrk="0" hangingPunct="1">
+              <a:lnSpc>
+                <a:spcPct val="100000"/>
+              </a:lnSpc>
+              <a:spcBef>
+                <a:spcPts val="0"/>
+              </a:spcBef>
+              <a:spcAft>
+                <a:spcPts val="0"/>
+              </a:spcAft>
+              <a:buClrTx/>
+              <a:buSzTx/>
+              <a:buFontTx/>
+              <a:buNone/>
+              <a:tabLst/>
+              <a:defRPr/>
+            </a:pPr>
+            <a:r>
+              <a:rPr kumimoji="0" lang="en-US" sz="1200" b="0" i="0" u="none" strike="noStrike" kern="1200" cap="none" spc="0" normalizeH="0" baseline="0" noProof="0" dirty="0">
+                <a:ln>
+                  <a:noFill/>
+                </a:ln>
+                <a:solidFill>
+                  <a:prstClr val="black"/>
+                </a:solidFill>
+                <a:effectLst/>
+                <a:uLnTx/>
+                <a:uFillTx/>
+                <a:latin typeface="Calibri" panose="020F0502020204030204"/>
+                <a:ea typeface="+mn-ea"/>
+                <a:cs typeface="+mn-cs"/>
+              </a:rPr>
+              <a:t>Introduction to Programming using Python</a:t>
+            </a:r>
+          </a:p>
+        </p:txBody>
+      </p:sp>
+      <p:sp>
+        <p:nvSpPr>
+          <p:cNvPr id="5" name="Date Placeholder 4"/>
+          <p:cNvSpPr>
+            <a:spLocks noGrp="1"/>
+          </p:cNvSpPr>
+          <p:nvPr>
+            <p:ph type="dt" idx="11"/>
+          </p:nvPr>
+        </p:nvSpPr>
+        <p:spPr/>
+        <p:txBody>
+          <a:bodyPr/>
+          <a:lstStyle/>
+          <a:p>
+            <a:pPr marL="0" marR="0" lvl="0" indent="0" algn="r" defTabSz="457200" rtl="0" eaLnBrk="1" fontAlgn="auto" latinLnBrk="0" hangingPunct="1">
+              <a:lnSpc>
+                <a:spcPct val="100000"/>
+              </a:lnSpc>
+              <a:spcBef>
+                <a:spcPts val="0"/>
+              </a:spcBef>
+              <a:spcAft>
+                <a:spcPts val="0"/>
+              </a:spcAft>
+              <a:buClrTx/>
+              <a:buSzTx/>
+              <a:buFontTx/>
+              <a:buNone/>
+              <a:tabLst/>
+              <a:defRPr/>
+            </a:pPr>
+            <a:fld id="{A596092B-28C7-44D1-B902-5437B333DFB7}" type="datetime1">
+              <a:rPr kumimoji="0" lang="en-US" sz="1200" b="0" i="0" u="none" strike="noStrike" kern="1200" cap="none" spc="0" normalizeH="0" baseline="0" noProof="0" smtClean="0">
+                <a:ln>
+                  <a:noFill/>
+                </a:ln>
+                <a:solidFill>
+                  <a:prstClr val="black"/>
+                </a:solidFill>
+                <a:effectLst/>
+                <a:uLnTx/>
+                <a:uFillTx/>
+                <a:latin typeface="Calibri" panose="020F0502020204030204"/>
+                <a:ea typeface="+mn-ea"/>
+                <a:cs typeface="+mn-cs"/>
+              </a:rPr>
+              <a:pPr marL="0" marR="0" lvl="0" indent="0" algn="r" defTabSz="457200" rtl="0" eaLnBrk="1" fontAlgn="auto" latinLnBrk="0" hangingPunct="1">
+                <a:lnSpc>
+                  <a:spcPct val="100000"/>
+                </a:lnSpc>
+                <a:spcBef>
+                  <a:spcPts val="0"/>
+                </a:spcBef>
+                <a:spcAft>
+                  <a:spcPts val="0"/>
+                </a:spcAft>
+                <a:buClrTx/>
+                <a:buSzTx/>
+                <a:buFontTx/>
+                <a:buNone/>
+                <a:tabLst/>
+                <a:defRPr/>
+              </a:pPr>
+              <a:t>7/3/2022</a:t>
             </a:fld>
             <a:endParaRPr kumimoji="0" lang="en-US" sz="1200" b="0" i="0" u="none" strike="noStrike" kern="1200" cap="none" spc="0" normalizeH="0" baseline="0" noProof="0" dirty="0">
               <a:ln>
@@ -3206,7 +4422,7 @@
     </p:spTree>
     <p:extLst>
       <p:ext uri="{BB962C8B-B14F-4D97-AF65-F5344CB8AC3E}">
-        <p14:creationId xmlns:p14="http://schemas.microsoft.com/office/powerpoint/2010/main" val="4071569725"/>
+        <p14:creationId xmlns:p14="http://schemas.microsoft.com/office/powerpoint/2010/main" val="994174825"/>
       </p:ext>
     </p:extLst>
   </p:cSld>
@@ -3938,7 +5154,7 @@
           <a:p>
             <a:fld id="{B1DF5501-EE91-4443-9D3B-24E6F28D34E2}" type="datetime1">
               <a:rPr lang="en-US" smtClean="0"/>
-              <a:t>2/26/2022</a:t>
+              <a:t>7/3/2022</a:t>
             </a:fld>
             <a:endParaRPr lang="en-US" dirty="0"/>
           </a:p>
@@ -3954,7 +5170,15 @@
             <p:ph type="ftr" sz="quarter" idx="11"/>
           </p:nvPr>
         </p:nvSpPr>
-        <p:spPr/>
+        <p:spPr>
+          <a:xfrm>
+            <a:off x="677334" y="6041362"/>
+            <a:ext cx="6297612" cy="365125"/>
+          </a:xfrm>
+          <a:prstGeom prst="rect">
+            <a:avLst/>
+          </a:prstGeom>
+        </p:spPr>
         <p:txBody>
           <a:bodyPr/>
           <a:lstStyle/>
@@ -4204,7 +5428,7 @@
           <a:p>
             <a:fld id="{E954E1E9-8456-43AD-BA28-861520D256B9}" type="datetime1">
               <a:rPr lang="en-US" smtClean="0"/>
-              <a:t>2/26/2022</a:t>
+              <a:t>7/3/2022</a:t>
             </a:fld>
             <a:endParaRPr lang="en-US" dirty="0"/>
           </a:p>
@@ -4220,7 +5444,15 @@
             <p:ph type="ftr" sz="quarter" idx="11"/>
           </p:nvPr>
         </p:nvSpPr>
-        <p:spPr/>
+        <p:spPr>
+          <a:xfrm>
+            <a:off x="677334" y="6041362"/>
+            <a:ext cx="6297612" cy="365125"/>
+          </a:xfrm>
+          <a:prstGeom prst="rect">
+            <a:avLst/>
+          </a:prstGeom>
+        </p:spPr>
         <p:txBody>
           <a:bodyPr/>
           <a:lstStyle/>
@@ -4522,7 +5754,7 @@
           <a:p>
             <a:fld id="{FAF31E0C-AAFD-4E63-B3AE-16CD757951F4}" type="datetime1">
               <a:rPr lang="en-US" smtClean="0"/>
-              <a:t>2/26/2022</a:t>
+              <a:t>7/3/2022</a:t>
             </a:fld>
             <a:endParaRPr lang="en-US" dirty="0"/>
           </a:p>
@@ -4538,7 +5770,15 @@
             <p:ph type="ftr" sz="quarter" idx="11"/>
           </p:nvPr>
         </p:nvSpPr>
-        <p:spPr/>
+        <p:spPr>
+          <a:xfrm>
+            <a:off x="677334" y="6041362"/>
+            <a:ext cx="6297612" cy="365125"/>
+          </a:xfrm>
+          <a:prstGeom prst="rect">
+            <a:avLst/>
+          </a:prstGeom>
+        </p:spPr>
         <p:txBody>
           <a:bodyPr/>
           <a:lstStyle/>
@@ -4867,7 +6107,7 @@
           <a:p>
             <a:fld id="{000084FF-4715-4B6E-BD22-453621E5873F}" type="datetime1">
               <a:rPr lang="en-US" smtClean="0"/>
-              <a:t>2/26/2022</a:t>
+              <a:t>7/3/2022</a:t>
             </a:fld>
             <a:endParaRPr lang="en-US" dirty="0"/>
           </a:p>
@@ -4883,7 +6123,15 @@
             <p:ph type="ftr" sz="quarter" idx="11"/>
           </p:nvPr>
         </p:nvSpPr>
-        <p:spPr/>
+        <p:spPr>
+          <a:xfrm>
+            <a:off x="677334" y="6041362"/>
+            <a:ext cx="6297612" cy="365125"/>
+          </a:xfrm>
+          <a:prstGeom prst="rect">
+            <a:avLst/>
+          </a:prstGeom>
+        </p:spPr>
         <p:txBody>
           <a:bodyPr/>
           <a:lstStyle/>
@@ -5185,7 +6433,7 @@
           <a:p>
             <a:fld id="{6AC37F8D-4DF5-4AB6-A766-5A84B3D74A3B}" type="datetime1">
               <a:rPr lang="en-US" smtClean="0"/>
-              <a:t>2/26/2022</a:t>
+              <a:t>7/3/2022</a:t>
             </a:fld>
             <a:endParaRPr lang="en-US" dirty="0"/>
           </a:p>
@@ -5201,7 +6449,15 @@
             <p:ph type="ftr" sz="quarter" idx="11"/>
           </p:nvPr>
         </p:nvSpPr>
-        <p:spPr/>
+        <p:spPr>
+          <a:xfrm>
+            <a:off x="677334" y="6041362"/>
+            <a:ext cx="6297612" cy="365125"/>
+          </a:xfrm>
+          <a:prstGeom prst="rect">
+            <a:avLst/>
+          </a:prstGeom>
+        </p:spPr>
         <p:txBody>
           <a:bodyPr/>
           <a:lstStyle/>
@@ -5582,7 +6838,7 @@
           <a:p>
             <a:fld id="{1BF3CD1A-162D-40B2-9B22-9056F77C27F2}" type="datetime1">
               <a:rPr lang="en-US" smtClean="0"/>
-              <a:t>2/26/2022</a:t>
+              <a:t>7/3/2022</a:t>
             </a:fld>
             <a:endParaRPr lang="en-US" dirty="0"/>
           </a:p>
@@ -5598,7 +6854,15 @@
             <p:ph type="ftr" sz="quarter" idx="11"/>
           </p:nvPr>
         </p:nvSpPr>
-        <p:spPr/>
+        <p:spPr>
+          <a:xfrm>
+            <a:off x="677334" y="6041362"/>
+            <a:ext cx="6297612" cy="365125"/>
+          </a:xfrm>
+          <a:prstGeom prst="rect">
+            <a:avLst/>
+          </a:prstGeom>
+        </p:spPr>
         <p:txBody>
           <a:bodyPr/>
           <a:lstStyle/>
@@ -5756,7 +7020,7 @@
           <a:p>
             <a:fld id="{D42E4200-B1E5-4E39-8279-05DD69810A37}" type="datetime1">
               <a:rPr lang="en-US" smtClean="0"/>
-              <a:t>2/26/2022</a:t>
+              <a:t>7/3/2022</a:t>
             </a:fld>
             <a:endParaRPr lang="en-US" dirty="0"/>
           </a:p>
@@ -5772,7 +7036,15 @@
             <p:ph type="ftr" sz="quarter" idx="11"/>
           </p:nvPr>
         </p:nvSpPr>
-        <p:spPr/>
+        <p:spPr>
+          <a:xfrm>
+            <a:off x="677334" y="6041362"/>
+            <a:ext cx="6297612" cy="365125"/>
+          </a:xfrm>
+          <a:prstGeom prst="rect">
+            <a:avLst/>
+          </a:prstGeom>
+        </p:spPr>
         <p:txBody>
           <a:bodyPr/>
           <a:lstStyle/>
@@ -5939,7 +7211,7 @@
           <a:p>
             <a:fld id="{47CF7895-00AC-42E5-9790-7B0E3CE09DF2}" type="datetime1">
               <a:rPr lang="en-US" smtClean="0"/>
-              <a:t>2/26/2022</a:t>
+              <a:t>7/3/2022</a:t>
             </a:fld>
             <a:endParaRPr lang="en-US" dirty="0"/>
           </a:p>
@@ -5955,7 +7227,15 @@
             <p:ph type="ftr" sz="quarter" idx="11"/>
           </p:nvPr>
         </p:nvSpPr>
-        <p:spPr/>
+        <p:spPr>
+          <a:xfrm>
+            <a:off x="677334" y="6041362"/>
+            <a:ext cx="6297612" cy="365125"/>
+          </a:xfrm>
+          <a:prstGeom prst="rect">
+            <a:avLst/>
+          </a:prstGeom>
+        </p:spPr>
         <p:txBody>
           <a:bodyPr/>
           <a:lstStyle/>
@@ -6042,10 +7322,9 @@
           </a:lstStyle>
           <a:p>
             <a:r>
-              <a:rPr lang="en-US"/>
+              <a:rPr lang="en-US" dirty="0"/>
               <a:t>Click to edit Master title style</a:t>
             </a:r>
-            <a:endParaRPr lang="en-US" dirty="0"/>
           </a:p>
         </p:txBody>
       </p:sp>
@@ -6066,44 +7345,49 @@
           <a:p>
             <a:pPr lvl="0"/>
             <a:r>
-              <a:rPr lang="en-US"/>
+              <a:rPr lang="en-US" dirty="0"/>
               <a:t>Edit Master text styles</a:t>
             </a:r>
           </a:p>
           <a:p>
             <a:pPr lvl="1"/>
             <a:r>
-              <a:rPr lang="en-US"/>
+              <a:rPr lang="en-US" dirty="0"/>
               <a:t>Second level</a:t>
             </a:r>
           </a:p>
           <a:p>
             <a:pPr lvl="2"/>
             <a:r>
-              <a:rPr lang="en-US"/>
+              <a:rPr lang="en-US" dirty="0"/>
               <a:t>Third level</a:t>
             </a:r>
           </a:p>
           <a:p>
             <a:pPr lvl="3"/>
             <a:r>
-              <a:rPr lang="en-US"/>
+              <a:rPr lang="en-US" dirty="0"/>
               <a:t>Fourth level</a:t>
             </a:r>
           </a:p>
           <a:p>
             <a:pPr lvl="4"/>
             <a:r>
-              <a:rPr lang="en-US"/>
+              <a:rPr lang="en-US" dirty="0"/>
               <a:t>Fifth level</a:t>
             </a:r>
-            <a:endParaRPr lang="en-US" dirty="0"/>
-          </a:p>
-        </p:txBody>
-      </p:sp>
-      <p:sp>
-        <p:nvSpPr>
-          <p:cNvPr id="4" name="Date Placeholder 3"/>
+          </a:p>
+        </p:txBody>
+      </p:sp>
+      <p:sp>
+        <p:nvSpPr>
+          <p:cNvPr id="7" name="Date Placeholder 6">
+            <a:extLst>
+              <a:ext uri="{FF2B5EF4-FFF2-40B4-BE49-F238E27FC236}">
+                <a16:creationId xmlns:a16="http://schemas.microsoft.com/office/drawing/2014/main" id="{3FED5AE2-3AEE-F2A1-42EF-85BF7C4C4614}"/>
+              </a:ext>
+            </a:extLst>
+          </p:cNvPr>
           <p:cNvSpPr>
             <a:spLocks noGrp="1"/>
           </p:cNvSpPr>
@@ -6116,9 +7400,9 @@
           <a:bodyPr/>
           <a:lstStyle/>
           <a:p>
-            <a:fld id="{A7119916-CD40-456D-ABE3-55F8822671F7}" type="datetime1">
+            <a:fld id="{059A67F1-3EA0-4026-BE6A-31EE4E1B1DB5}" type="datetime1">
               <a:rPr lang="en-US" smtClean="0"/>
-              <a:t>2/26/2022</a:t>
+              <a:t>7/3/2022</a:t>
             </a:fld>
             <a:endParaRPr lang="en-US" dirty="0"/>
           </a:p>
@@ -6126,7 +7410,13 @@
       </p:sp>
       <p:sp>
         <p:nvSpPr>
-          <p:cNvPr id="5" name="Footer Placeholder 4"/>
+          <p:cNvPr id="8" name="Footer Placeholder 7">
+            <a:extLst>
+              <a:ext uri="{FF2B5EF4-FFF2-40B4-BE49-F238E27FC236}">
+                <a16:creationId xmlns:a16="http://schemas.microsoft.com/office/drawing/2014/main" id="{056772A3-0486-2ED4-DA20-17C5E8A15C0C}"/>
+              </a:ext>
+            </a:extLst>
+          </p:cNvPr>
           <p:cNvSpPr>
             <a:spLocks noGrp="1"/>
           </p:cNvSpPr>
@@ -6140,15 +7430,42 @@
           <a:lstStyle/>
           <a:p>
             <a:r>
-              <a:rPr lang="en-US" dirty="0"/>
+              <a:rPr lang="en-US">
+                <a:solidFill>
+                  <a:schemeClr val="accent1"/>
+                </a:solidFill>
+              </a:rPr>
               <a:t>raysmith@alum.mit.edu</a:t>
             </a:r>
-          </a:p>
-        </p:txBody>
-      </p:sp>
-      <p:sp>
-        <p:nvSpPr>
-          <p:cNvPr id="6" name="Slide Number Placeholder 5"/>
+            <a:r>
+              <a:rPr lang="en-US"/>
+              <a:t>	</a:t>
+            </a:r>
+            <a:r>
+              <a:rPr lang="en-US">
+                <a:solidFill>
+                  <a:schemeClr val="accent1"/>
+                </a:solidFill>
+              </a:rPr>
+              <a:t>Session #3 Functions – Why and How</a:t>
+            </a:r>
+            <a:endParaRPr lang="en-US" dirty="0">
+              <a:solidFill>
+                <a:schemeClr val="accent1"/>
+              </a:solidFill>
+            </a:endParaRPr>
+          </a:p>
+        </p:txBody>
+      </p:sp>
+      <p:sp>
+        <p:nvSpPr>
+          <p:cNvPr id="9" name="Slide Number Placeholder 8">
+            <a:extLst>
+              <a:ext uri="{FF2B5EF4-FFF2-40B4-BE49-F238E27FC236}">
+                <a16:creationId xmlns:a16="http://schemas.microsoft.com/office/drawing/2014/main" id="{24EECAEF-05EF-A58F-D6D4-66D25098E6E7}"/>
+              </a:ext>
+            </a:extLst>
+          </p:cNvPr>
           <p:cNvSpPr>
             <a:spLocks noGrp="1"/>
           </p:cNvSpPr>
@@ -6163,6 +7480,7 @@
           <a:p>
             <a:fld id="{6D22F896-40B5-4ADD-8801-0D06FADFA095}" type="slidenum">
               <a:rPr lang="en-US" smtClean="0"/>
+              <a:pPr/>
               <a:t>‹#›</a:t>
             </a:fld>
             <a:endParaRPr lang="en-US" dirty="0"/>
@@ -6368,7 +7686,7 @@
           <a:p>
             <a:fld id="{3F9A13D6-B8C2-463B-B3F7-C62E098B328E}" type="datetime1">
               <a:rPr lang="en-US" smtClean="0"/>
-              <a:t>2/26/2022</a:t>
+              <a:t>7/3/2022</a:t>
             </a:fld>
             <a:endParaRPr lang="en-US" dirty="0"/>
           </a:p>
@@ -6384,7 +7702,15 @@
             <p:ph type="ftr" sz="quarter" idx="11"/>
           </p:nvPr>
         </p:nvSpPr>
-        <p:spPr/>
+        <p:spPr>
+          <a:xfrm>
+            <a:off x="677334" y="6041362"/>
+            <a:ext cx="6297612" cy="365125"/>
+          </a:xfrm>
+          <a:prstGeom prst="rect">
+            <a:avLst/>
+          </a:prstGeom>
+        </p:spPr>
         <p:txBody>
           <a:bodyPr/>
           <a:lstStyle/>
@@ -6603,7 +7929,7 @@
           <a:p>
             <a:fld id="{D2B63420-31EE-4E4B-911C-2601B14D9FDD}" type="datetime1">
               <a:rPr lang="en-US" smtClean="0"/>
-              <a:t>2/26/2022</a:t>
+              <a:t>7/3/2022</a:t>
             </a:fld>
             <a:endParaRPr lang="en-US" dirty="0"/>
           </a:p>
@@ -6619,7 +7945,15 @@
             <p:ph type="ftr" sz="quarter" idx="11"/>
           </p:nvPr>
         </p:nvSpPr>
-        <p:spPr/>
+        <p:spPr>
+          <a:xfrm>
+            <a:off x="677334" y="6041362"/>
+            <a:ext cx="6297612" cy="365125"/>
+          </a:xfrm>
+          <a:prstGeom prst="rect">
+            <a:avLst/>
+          </a:prstGeom>
+        </p:spPr>
         <p:txBody>
           <a:bodyPr/>
           <a:lstStyle/>
@@ -6980,7 +8314,7 @@
           <a:p>
             <a:fld id="{2DD8986D-86F8-41E6-8CFF-8C91AEF92622}" type="datetime1">
               <a:rPr lang="en-US" smtClean="0"/>
-              <a:t>2/26/2022</a:t>
+              <a:t>7/3/2022</a:t>
             </a:fld>
             <a:endParaRPr lang="en-US" dirty="0"/>
           </a:p>
@@ -6996,7 +8330,15 @@
             <p:ph type="ftr" sz="quarter" idx="11"/>
           </p:nvPr>
         </p:nvSpPr>
-        <p:spPr/>
+        <p:spPr>
+          <a:xfrm>
+            <a:off x="677334" y="6041362"/>
+            <a:ext cx="6297612" cy="365125"/>
+          </a:xfrm>
+          <a:prstGeom prst="rect">
+            <a:avLst/>
+          </a:prstGeom>
+        </p:spPr>
         <p:txBody>
           <a:bodyPr/>
           <a:lstStyle/>
@@ -7106,7 +8448,7 @@
           <a:p>
             <a:fld id="{BA885161-032E-4C6A-8EDA-39D168DF18E4}" type="datetime1">
               <a:rPr lang="en-US" smtClean="0"/>
-              <a:t>2/26/2022</a:t>
+              <a:t>7/3/2022</a:t>
             </a:fld>
             <a:endParaRPr lang="en-US" dirty="0"/>
           </a:p>
@@ -7122,7 +8464,15 @@
             <p:ph type="ftr" sz="quarter" idx="11"/>
           </p:nvPr>
         </p:nvSpPr>
-        <p:spPr/>
+        <p:spPr>
+          <a:xfrm>
+            <a:off x="677334" y="6041362"/>
+            <a:ext cx="6297612" cy="365125"/>
+          </a:xfrm>
+          <a:prstGeom prst="rect">
+            <a:avLst/>
+          </a:prstGeom>
+        </p:spPr>
         <p:txBody>
           <a:bodyPr/>
           <a:lstStyle/>
@@ -7204,7 +8554,7 @@
           <a:p>
             <a:fld id="{958E6740-E523-48D9-9C4E-6F218E87BAF3}" type="datetime1">
               <a:rPr lang="en-US" smtClean="0"/>
-              <a:t>2/26/2022</a:t>
+              <a:t>7/3/2022</a:t>
             </a:fld>
             <a:endParaRPr lang="en-US" dirty="0"/>
           </a:p>
@@ -7220,7 +8570,15 @@
             <p:ph type="ftr" sz="quarter" idx="11"/>
           </p:nvPr>
         </p:nvSpPr>
-        <p:spPr/>
+        <p:spPr>
+          <a:xfrm>
+            <a:off x="677334" y="6041362"/>
+            <a:ext cx="6297612" cy="365125"/>
+          </a:xfrm>
+          <a:prstGeom prst="rect">
+            <a:avLst/>
+          </a:prstGeom>
+        </p:spPr>
         <p:txBody>
           <a:bodyPr/>
           <a:lstStyle/>
@@ -7462,7 +8820,7 @@
           <a:p>
             <a:fld id="{6121D4CA-FF09-4CB8-8D51-2613D19A0F2E}" type="datetime1">
               <a:rPr lang="en-US" smtClean="0"/>
-              <a:t>2/26/2022</a:t>
+              <a:t>7/3/2022</a:t>
             </a:fld>
             <a:endParaRPr lang="en-US" dirty="0"/>
           </a:p>
@@ -7478,7 +8836,15 @@
             <p:ph type="ftr" sz="quarter" idx="11"/>
           </p:nvPr>
         </p:nvSpPr>
-        <p:spPr/>
+        <p:spPr>
+          <a:xfrm>
+            <a:off x="677334" y="6041362"/>
+            <a:ext cx="6297612" cy="365125"/>
+          </a:xfrm>
+          <a:prstGeom prst="rect">
+            <a:avLst/>
+          </a:prstGeom>
+        </p:spPr>
         <p:txBody>
           <a:bodyPr/>
           <a:lstStyle/>
@@ -7727,7 +9093,7 @@
           <a:p>
             <a:fld id="{8C4779EA-AEA7-43B3-9B65-A77E9A890421}" type="datetime1">
               <a:rPr lang="en-US" smtClean="0"/>
-              <a:t>2/26/2022</a:t>
+              <a:t>7/3/2022</a:t>
             </a:fld>
             <a:endParaRPr lang="en-US" dirty="0"/>
           </a:p>
@@ -7743,7 +9109,15 @@
             <p:ph type="ftr" sz="quarter" idx="11"/>
           </p:nvPr>
         </p:nvSpPr>
-        <p:spPr/>
+        <p:spPr>
+          <a:xfrm>
+            <a:off x="677334" y="6041362"/>
+            <a:ext cx="6297612" cy="365125"/>
+          </a:xfrm>
+          <a:prstGeom prst="rect">
+            <a:avLst/>
+          </a:prstGeom>
+        </p:spPr>
         <p:txBody>
           <a:bodyPr/>
           <a:lstStyle/>
@@ -8403,38 +9777,37 @@
           <a:p>
             <a:pPr lvl="0"/>
             <a:r>
-              <a:rPr lang="en-US"/>
+              <a:rPr lang="en-US" dirty="0"/>
               <a:t>Edit Master text styles</a:t>
             </a:r>
           </a:p>
           <a:p>
             <a:pPr lvl="1"/>
             <a:r>
-              <a:rPr lang="en-US"/>
+              <a:rPr lang="en-US" dirty="0"/>
               <a:t>Second level</a:t>
             </a:r>
           </a:p>
           <a:p>
             <a:pPr lvl="2"/>
             <a:r>
-              <a:rPr lang="en-US"/>
+              <a:rPr lang="en-US" dirty="0"/>
               <a:t>Third level</a:t>
             </a:r>
           </a:p>
           <a:p>
             <a:pPr lvl="3"/>
             <a:r>
-              <a:rPr lang="en-US"/>
+              <a:rPr lang="en-US" dirty="0"/>
               <a:t>Fourth level</a:t>
             </a:r>
           </a:p>
           <a:p>
             <a:pPr lvl="4"/>
             <a:r>
-              <a:rPr lang="en-US"/>
+              <a:rPr lang="en-US" dirty="0"/>
               <a:t>Fifth level</a:t>
             </a:r>
-            <a:endParaRPr lang="en-US" dirty="0"/>
           </a:p>
         </p:txBody>
       </p:sp>
@@ -8473,49 +9846,9 @@
           <a:p>
             <a:fld id="{059A67F1-3EA0-4026-BE6A-31EE4E1B1DB5}" type="datetime1">
               <a:rPr lang="en-US" smtClean="0"/>
-              <a:t>2/26/2022</a:t>
+              <a:t>7/3/2022</a:t>
             </a:fld>
             <a:endParaRPr lang="en-US" dirty="0"/>
-          </a:p>
-        </p:txBody>
-      </p:sp>
-      <p:sp>
-        <p:nvSpPr>
-          <p:cNvPr id="5" name="Footer Placeholder 4"/>
-          <p:cNvSpPr>
-            <a:spLocks noGrp="1"/>
-          </p:cNvSpPr>
-          <p:nvPr>
-            <p:ph type="ftr" sz="quarter" idx="3"/>
-          </p:nvPr>
-        </p:nvSpPr>
-        <p:spPr>
-          <a:xfrm>
-            <a:off x="677334" y="6041362"/>
-            <a:ext cx="6297612" cy="365125"/>
-          </a:xfrm>
-          <a:prstGeom prst="rect">
-            <a:avLst/>
-          </a:prstGeom>
-        </p:spPr>
-        <p:txBody>
-          <a:bodyPr vert="horz" lIns="91440" tIns="45720" rIns="91440" bIns="45720" rtlCol="0" anchor="ctr"/>
-          <a:lstStyle>
-            <a:lvl1pPr algn="l">
-              <a:defRPr sz="900">
-                <a:solidFill>
-                  <a:schemeClr val="tx1">
-                    <a:tint val="75000"/>
-                  </a:schemeClr>
-                </a:solidFill>
-              </a:defRPr>
-            </a:lvl1pPr>
-          </a:lstStyle>
-          <a:p>
-            <a:r>
-              <a:rPr lang="en-US" dirty="0"/>
-              <a:t>raysmith@alum.mit.edu</a:t>
-            </a:r>
           </a:p>
         </p:txBody>
       </p:sp>
@@ -8556,6 +9889,68 @@
               <a:t>‹#›</a:t>
             </a:fld>
             <a:endParaRPr lang="en-US" dirty="0"/>
+          </a:p>
+        </p:txBody>
+      </p:sp>
+      <p:sp>
+        <p:nvSpPr>
+          <p:cNvPr id="9" name="Footer Placeholder 8">
+            <a:extLst>
+              <a:ext uri="{FF2B5EF4-FFF2-40B4-BE49-F238E27FC236}">
+                <a16:creationId xmlns:a16="http://schemas.microsoft.com/office/drawing/2014/main" id="{F443F051-EE65-5950-AF03-05000CB0EA46}"/>
+              </a:ext>
+            </a:extLst>
+          </p:cNvPr>
+          <p:cNvSpPr>
+            <a:spLocks noGrp="1"/>
+          </p:cNvSpPr>
+          <p:nvPr>
+            <p:ph type="ftr" sz="quarter" idx="3"/>
+          </p:nvPr>
+        </p:nvSpPr>
+        <p:spPr>
+          <a:xfrm>
+            <a:off x="677334" y="6169073"/>
+            <a:ext cx="5683126" cy="474827"/>
+          </a:xfrm>
+          <a:prstGeom prst="rect">
+            <a:avLst/>
+          </a:prstGeom>
+        </p:spPr>
+        <p:txBody>
+          <a:bodyPr vert="horz" lIns="91440" tIns="45720" rIns="91440" bIns="45720" rtlCol="0" anchor="ctr"/>
+          <a:lstStyle>
+            <a:lvl1pPr algn="ctr">
+              <a:defRPr sz="1200">
+                <a:solidFill>
+                  <a:schemeClr val="tx1">
+                    <a:tint val="75000"/>
+                  </a:schemeClr>
+                </a:solidFill>
+              </a:defRPr>
+            </a:lvl1pPr>
+          </a:lstStyle>
+          <a:p>
+            <a:r>
+              <a:rPr lang="en-US" dirty="0">
+                <a:solidFill>
+                  <a:schemeClr val="accent1"/>
+                </a:solidFill>
+              </a:rPr>
+              <a:t>raysmith@alum.mit.edu</a:t>
+            </a:r>
+            <a:r>
+              <a:rPr lang="en-US" dirty="0"/>
+              <a:t>	</a:t>
+            </a:r>
+            <a:r>
+              <a:rPr lang="en-US" dirty="0">
+                <a:solidFill>
+                  <a:schemeClr val="accent1"/>
+                </a:solidFill>
+              </a:rPr>
+              <a:t>Session #3 Functions – Why and How</a:t>
+            </a:r>
           </a:p>
         </p:txBody>
       </p:sp>
@@ -9167,7 +10562,12 @@
             <p:ph type="dt" sz="half" idx="10"/>
           </p:nvPr>
         </p:nvSpPr>
-        <p:spPr/>
+        <p:spPr>
+          <a:xfrm>
+            <a:off x="7205133" y="6041362"/>
+            <a:ext cx="911939" cy="365125"/>
+          </a:xfrm>
+        </p:spPr>
         <p:txBody>
           <a:bodyPr/>
           <a:lstStyle/>
@@ -9223,7 +10623,7 @@
                 <a:tabLst/>
                 <a:defRPr/>
               </a:pPr>
-              <a:t>2/26/2022</a:t>
+              <a:t>7/3/2022</a:t>
             </a:fld>
             <a:endParaRPr kumimoji="0" lang="en-US" sz="900" b="0" i="0" u="none" strike="noStrike" kern="1200" cap="none" spc="0" normalizeH="0" baseline="0" noProof="0" dirty="0">
               <a:ln>
@@ -9260,7 +10660,12 @@
             <p:ph type="ftr" sz="quarter" idx="11"/>
           </p:nvPr>
         </p:nvSpPr>
-        <p:spPr/>
+        <p:spPr>
+          <a:xfrm>
+            <a:off x="677334" y="6041362"/>
+            <a:ext cx="6297612" cy="365125"/>
+          </a:xfrm>
+        </p:spPr>
         <p:txBody>
           <a:bodyPr/>
           <a:lstStyle/>
@@ -9298,9 +10703,53 @@
                 <a:latin typeface="Trebuchet MS" panose="020B0603020202020204"/>
                 <a:ea typeface="+mn-ea"/>
                 <a:cs typeface="+mn-cs"/>
+                <a:hlinkClick r:id="rId3"/>
               </a:rPr>
               <a:t>raysmith@alum.mit.edu</a:t>
             </a:r>
+            <a:r>
+              <a:rPr kumimoji="0" lang="en-US" sz="900" b="0" i="0" u="none" strike="noStrike" kern="1200" cap="none" spc="0" normalizeH="0" baseline="0" noProof="0" dirty="0">
+                <a:ln>
+                  <a:noFill/>
+                </a:ln>
+                <a:solidFill>
+                  <a:prstClr val="black">
+                    <a:tint val="75000"/>
+                  </a:prstClr>
+                </a:solidFill>
+                <a:effectLst/>
+                <a:uLnTx/>
+                <a:uFillTx/>
+                <a:latin typeface="Trebuchet MS" panose="020B0603020202020204"/>
+                <a:ea typeface="+mn-ea"/>
+                <a:cs typeface="+mn-cs"/>
+              </a:rPr>
+              <a:t>	</a:t>
+            </a:r>
+            <a:r>
+              <a:rPr lang="en-US" sz="1000" dirty="0"/>
+              <a:t>Session #</a:t>
+            </a:r>
+            <a:r>
+              <a:rPr lang="en-US" sz="900" dirty="0"/>
+              <a:t>3 Functions – Why and How</a:t>
+            </a:r>
+            <a:endParaRPr kumimoji="0" lang="en-US" sz="900" b="0" i="0" u="none" strike="noStrike" kern="1200" cap="none" spc="0" normalizeH="0" baseline="0" noProof="0" dirty="0">
+              <a:ln>
+                <a:noFill/>
+              </a:ln>
+              <a:solidFill>
+                <a:prstClr val="black">
+                  <a:tint val="75000"/>
+                </a:prstClr>
+              </a:solidFill>
+              <a:effectLst/>
+              <a:uLnTx/>
+              <a:uFillTx/>
+              <a:latin typeface="Trebuchet MS" panose="020B0603020202020204"/>
+              <a:ea typeface="+mn-ea"/>
+              <a:cs typeface="+mn-cs"/>
+            </a:endParaRPr>
           </a:p>
         </p:txBody>
       </p:sp>
@@ -9320,7 +10769,12 @@
             <p:ph type="sldNum" sz="quarter" idx="12"/>
           </p:nvPr>
         </p:nvSpPr>
-        <p:spPr/>
+        <p:spPr>
+          <a:xfrm>
+            <a:off x="8590663" y="6041362"/>
+            <a:ext cx="683339" cy="365125"/>
+          </a:xfrm>
+        </p:spPr>
         <p:txBody>
           <a:bodyPr/>
           <a:lstStyle/>
@@ -9428,7 +10882,7 @@
           <p:cNvPr id="2" name="Title 1">
             <a:extLst>
               <a:ext uri="{FF2B5EF4-FFF2-40B4-BE49-F238E27FC236}">
-                <a16:creationId xmlns:a16="http://schemas.microsoft.com/office/drawing/2014/main" id="{F7E90694-AA7F-451B-A875-1D23D1FDBA32}"/>
+                <a16:creationId xmlns:a16="http://schemas.microsoft.com/office/drawing/2014/main" id="{9E6A877F-A718-47D6-828D-F14357B0EE64}"/>
               </a:ext>
             </a:extLst>
           </p:cNvPr>
@@ -9439,22 +10893,300 @@
             <p:ph type="title"/>
           </p:nvPr>
         </p:nvSpPr>
-        <p:spPr>
-          <a:xfrm>
-            <a:off x="955892" y="2723015"/>
-            <a:ext cx="8596668" cy="1320800"/>
-          </a:xfrm>
-        </p:spPr>
+        <p:spPr/>
+        <p:txBody>
+          <a:bodyPr/>
+          <a:lstStyle/>
+          <a:p>
+            <a:r>
+              <a:rPr lang="en-US" dirty="0"/>
+              <a:t>Strings - continued</a:t>
+            </a:r>
+          </a:p>
+        </p:txBody>
+      </p:sp>
+      <p:sp>
+        <p:nvSpPr>
+          <p:cNvPr id="3" name="Content Placeholder 2">
+            <a:extLst>
+              <a:ext uri="{FF2B5EF4-FFF2-40B4-BE49-F238E27FC236}">
+                <a16:creationId xmlns:a16="http://schemas.microsoft.com/office/drawing/2014/main" id="{64372DD4-6DBF-43CC-8728-9C2DC16B0267}"/>
+              </a:ext>
+            </a:extLst>
+          </p:cNvPr>
+          <p:cNvSpPr>
+            <a:spLocks noGrp="1"/>
+          </p:cNvSpPr>
+          <p:nvPr>
+            <p:ph idx="1"/>
+          </p:nvPr>
+        </p:nvSpPr>
+        <p:spPr/>
         <p:txBody>
           <a:bodyPr>
-            <a:normAutofit/>
+            <a:noAutofit/>
           </a:bodyPr>
           <a:lstStyle/>
           <a:p>
-            <a:r>
-              <a:rPr lang="en-US" sz="6600" dirty="0"/>
-              <a:t>Question and Answer</a:t>
-            </a:r>
+            <a:pPr marL="1257300" lvl="2" indent="-457200"/>
+            <a:r>
+              <a:rPr lang="en-US" sz="3600" dirty="0">
+                <a:cs typeface="Courier New" panose="02070309020205020404" pitchFamily="49" charset="0"/>
+              </a:rPr>
+              <a:t>Strings </a:t>
+            </a:r>
+            <a:r>
+              <a:rPr lang="en-US" sz="3600" b="1" dirty="0">
+                <a:solidFill>
+                  <a:srgbClr val="C00000"/>
+                </a:solidFill>
+                <a:cs typeface="Courier New" panose="02070309020205020404" pitchFamily="49" charset="0"/>
+              </a:rPr>
+              <a:t>can't</a:t>
+            </a:r>
+            <a:r>
+              <a:rPr lang="en-US" sz="3600" dirty="0">
+                <a:cs typeface="Courier New" panose="02070309020205020404" pitchFamily="49" charset="0"/>
+              </a:rPr>
+              <a:t> be changed in place (immutable)</a:t>
+            </a:r>
+          </a:p>
+          <a:p>
+            <a:pPr marL="1257300" lvl="2" indent="-457200"/>
+            <a:r>
+              <a:rPr lang="en-US" sz="3600" dirty="0">
+                <a:cs typeface="Courier New" panose="02070309020205020404" pitchFamily="49" charset="0"/>
+              </a:rPr>
+              <a:t>But </a:t>
+            </a:r>
+            <a:r>
+              <a:rPr lang="en-US" sz="3600" b="1" dirty="0">
+                <a:cs typeface="Courier New" panose="02070309020205020404" pitchFamily="49" charset="0"/>
+              </a:rPr>
+              <a:t>+=</a:t>
+            </a:r>
+            <a:r>
+              <a:rPr lang="en-US" sz="3600" dirty="0">
+                <a:cs typeface="Courier New" panose="02070309020205020404" pitchFamily="49" charset="0"/>
+              </a:rPr>
+              <a:t> works</a:t>
+            </a:r>
+          </a:p>
+          <a:p>
+            <a:pPr marL="1257300" lvl="3" indent="0">
+              <a:buNone/>
+            </a:pPr>
+            <a:r>
+              <a:rPr lang="en-US" sz="3400" dirty="0">
+                <a:latin typeface="Courier New" panose="02070309020205020404" pitchFamily="49" charset="0"/>
+                <a:cs typeface="Courier New" panose="02070309020205020404" pitchFamily="49" charset="0"/>
+              </a:rPr>
+              <a:t>name </a:t>
+            </a:r>
+            <a:r>
+              <a:rPr lang="en-US" sz="3400" b="1" dirty="0">
+                <a:latin typeface="Courier New" panose="02070309020205020404" pitchFamily="49" charset="0"/>
+                <a:cs typeface="Courier New" panose="02070309020205020404" pitchFamily="49" charset="0"/>
+              </a:rPr>
+              <a:t>+=</a:t>
+            </a:r>
+            <a:r>
+              <a:rPr lang="en-US" sz="3400" dirty="0">
+                <a:latin typeface="Courier New" panose="02070309020205020404" pitchFamily="49" charset="0"/>
+                <a:cs typeface="Courier New" panose="02070309020205020404" pitchFamily="49" charset="0"/>
+              </a:rPr>
+              <a:t> last_name</a:t>
+            </a:r>
+          </a:p>
+          <a:p>
+            <a:pPr marL="800100" lvl="2" indent="0">
+              <a:buNone/>
+            </a:pPr>
+            <a:r>
+              <a:rPr lang="en-US" sz="3600" dirty="0">
+                <a:solidFill>
+                  <a:schemeClr val="tx1"/>
+                </a:solidFill>
+                <a:cs typeface="Courier New" panose="02070309020205020404" pitchFamily="49" charset="0"/>
+              </a:rPr>
+              <a:t>Because x </a:t>
+            </a:r>
+            <a:r>
+              <a:rPr lang="en-US" sz="3600" b="1" dirty="0">
+                <a:solidFill>
+                  <a:schemeClr val="tx1"/>
+                </a:solidFill>
+                <a:cs typeface="Courier New" panose="02070309020205020404" pitchFamily="49" charset="0"/>
+              </a:rPr>
+              <a:t>+= </a:t>
+            </a:r>
+            <a:r>
+              <a:rPr lang="en-US" sz="3600" i="1" dirty="0">
+                <a:solidFill>
+                  <a:schemeClr val="tx1"/>
+                </a:solidFill>
+                <a:cs typeface="Courier New" panose="02070309020205020404" pitchFamily="49" charset="0"/>
+              </a:rPr>
+              <a:t>y</a:t>
+            </a:r>
+            <a:r>
+              <a:rPr lang="en-US" sz="3600" dirty="0">
+                <a:solidFill>
+                  <a:schemeClr val="tx1"/>
+                </a:solidFill>
+                <a:cs typeface="Courier New" panose="02070309020205020404" pitchFamily="49" charset="0"/>
+              </a:rPr>
+              <a:t> defined</a:t>
+            </a:r>
+            <a:r>
+              <a:rPr lang="en-US" sz="3600" b="1" dirty="0">
+                <a:solidFill>
+                  <a:schemeClr val="accent2"/>
+                </a:solidFill>
+                <a:cs typeface="Courier New" panose="02070309020205020404" pitchFamily="49" charset="0"/>
+              </a:rPr>
+              <a:t> </a:t>
+            </a:r>
+            <a:r>
+              <a:rPr lang="en-US" sz="3600" dirty="0">
+                <a:solidFill>
+                  <a:schemeClr val="tx1"/>
+                </a:solidFill>
+                <a:cs typeface="Courier New" panose="02070309020205020404" pitchFamily="49" charset="0"/>
+              </a:rPr>
+              <a:t>as </a:t>
+            </a:r>
+            <a:r>
+              <a:rPr lang="en-US" sz="3600" i="1" dirty="0">
+                <a:solidFill>
+                  <a:schemeClr val="tx1"/>
+                </a:solidFill>
+                <a:cs typeface="Courier New" panose="02070309020205020404" pitchFamily="49" charset="0"/>
+              </a:rPr>
+              <a:t>x</a:t>
+            </a:r>
+            <a:r>
+              <a:rPr lang="en-US" sz="3600" dirty="0">
+                <a:solidFill>
+                  <a:schemeClr val="tx1"/>
+                </a:solidFill>
+                <a:cs typeface="Courier New" panose="02070309020205020404" pitchFamily="49" charset="0"/>
+              </a:rPr>
+              <a:t> </a:t>
+            </a:r>
+            <a:r>
+              <a:rPr lang="en-US" sz="3600" b="1" dirty="0">
+                <a:solidFill>
+                  <a:schemeClr val="tx1"/>
+                </a:solidFill>
+                <a:cs typeface="Courier New" panose="02070309020205020404" pitchFamily="49" charset="0"/>
+              </a:rPr>
+              <a:t>=</a:t>
+            </a:r>
+            <a:r>
+              <a:rPr lang="en-US" sz="3600" dirty="0">
+                <a:solidFill>
+                  <a:schemeClr val="tx1"/>
+                </a:solidFill>
+                <a:cs typeface="Courier New" panose="02070309020205020404" pitchFamily="49" charset="0"/>
+              </a:rPr>
+              <a:t> </a:t>
+            </a:r>
+            <a:r>
+              <a:rPr lang="en-US" sz="3600" i="1" dirty="0">
+                <a:solidFill>
+                  <a:schemeClr val="tx1"/>
+                </a:solidFill>
+                <a:cs typeface="Courier New" panose="02070309020205020404" pitchFamily="49" charset="0"/>
+              </a:rPr>
+              <a:t>x</a:t>
+            </a:r>
+            <a:r>
+              <a:rPr lang="en-US" sz="3600" dirty="0">
+                <a:solidFill>
+                  <a:schemeClr val="tx1"/>
+                </a:solidFill>
+                <a:cs typeface="Courier New" panose="02070309020205020404" pitchFamily="49" charset="0"/>
+              </a:rPr>
+              <a:t> </a:t>
+            </a:r>
+            <a:r>
+              <a:rPr lang="en-US" sz="3600" b="1" dirty="0">
+                <a:solidFill>
+                  <a:schemeClr val="tx1"/>
+                </a:solidFill>
+                <a:cs typeface="Courier New" panose="02070309020205020404" pitchFamily="49" charset="0"/>
+              </a:rPr>
+              <a:t>+</a:t>
+            </a:r>
+            <a:r>
+              <a:rPr lang="en-US" sz="3600" dirty="0">
+                <a:solidFill>
+                  <a:schemeClr val="tx1"/>
+                </a:solidFill>
+                <a:cs typeface="Courier New" panose="02070309020205020404" pitchFamily="49" charset="0"/>
+              </a:rPr>
+              <a:t> </a:t>
+            </a:r>
+            <a:r>
+              <a:rPr lang="en-US" sz="3600" i="1" dirty="0">
+                <a:solidFill>
+                  <a:schemeClr val="tx1"/>
+                </a:solidFill>
+                <a:cs typeface="Courier New" panose="02070309020205020404" pitchFamily="49" charset="0"/>
+              </a:rPr>
+              <a:t>y</a:t>
+            </a:r>
+            <a:endParaRPr lang="en-US" sz="3600" b="1" dirty="0">
+              <a:solidFill>
+                <a:schemeClr val="tx1"/>
+              </a:solidFill>
+              <a:cs typeface="Courier New" panose="02070309020205020404" pitchFamily="49" charset="0"/>
+            </a:endParaRPr>
+          </a:p>
+          <a:p>
+            <a:pPr marL="1257300" lvl="3" indent="0">
+              <a:buNone/>
+            </a:pPr>
+            <a:r>
+              <a:rPr lang="en-US" sz="3400" dirty="0">
+                <a:latin typeface="Courier New" panose="02070309020205020404" pitchFamily="49" charset="0"/>
+                <a:cs typeface="Courier New" panose="02070309020205020404" pitchFamily="49" charset="0"/>
+              </a:rPr>
+              <a:t>name </a:t>
+            </a:r>
+            <a:r>
+              <a:rPr lang="en-US" sz="3400" b="1" dirty="0">
+                <a:latin typeface="Courier New" panose="02070309020205020404" pitchFamily="49" charset="0"/>
+                <a:cs typeface="Courier New" panose="02070309020205020404" pitchFamily="49" charset="0"/>
+              </a:rPr>
+              <a:t>=</a:t>
+            </a:r>
+            <a:r>
+              <a:rPr lang="en-US" sz="3400" dirty="0">
+                <a:latin typeface="Courier New" panose="02070309020205020404" pitchFamily="49" charset="0"/>
+                <a:cs typeface="Courier New" panose="02070309020205020404" pitchFamily="49" charset="0"/>
+              </a:rPr>
+              <a:t> name </a:t>
+            </a:r>
+            <a:r>
+              <a:rPr lang="en-US" sz="3400" b="1" dirty="0">
+                <a:latin typeface="Courier New" panose="02070309020205020404" pitchFamily="49" charset="0"/>
+                <a:cs typeface="Courier New" panose="02070309020205020404" pitchFamily="49" charset="0"/>
+              </a:rPr>
+              <a:t>+</a:t>
+            </a:r>
+            <a:r>
+              <a:rPr lang="en-US" sz="3400" dirty="0">
+                <a:latin typeface="Courier New" panose="02070309020205020404" pitchFamily="49" charset="0"/>
+                <a:cs typeface="Courier New" panose="02070309020205020404" pitchFamily="49" charset="0"/>
+              </a:rPr>
+              <a:t> last_name</a:t>
+            </a:r>
+            <a:endParaRPr lang="en-US" sz="3000" dirty="0">
+              <a:latin typeface="Courier New" panose="02070309020205020404" pitchFamily="49" charset="0"/>
+              <a:cs typeface="Courier New" panose="02070309020205020404" pitchFamily="49" charset="0"/>
+            </a:endParaRPr>
           </a:p>
         </p:txBody>
       </p:sp>
@@ -9463,7 +11195,7 @@
           <p:cNvPr id="4" name="Date Placeholder 3">
             <a:extLst>
               <a:ext uri="{FF2B5EF4-FFF2-40B4-BE49-F238E27FC236}">
-                <a16:creationId xmlns:a16="http://schemas.microsoft.com/office/drawing/2014/main" id="{B623EE2F-E3E9-437B-AFAE-1E0C5C94A5F8}"/>
+                <a16:creationId xmlns:a16="http://schemas.microsoft.com/office/drawing/2014/main" id="{7DBC778F-46A9-469B-AFCA-A7F523273D3A}"/>
               </a:ext>
             </a:extLst>
           </p:cNvPr>
@@ -9474,7 +11206,12 @@
             <p:ph type="dt" sz="half" idx="10"/>
           </p:nvPr>
         </p:nvSpPr>
-        <p:spPr/>
+        <p:spPr>
+          <a:xfrm>
+            <a:off x="7205133" y="6041362"/>
+            <a:ext cx="911939" cy="365125"/>
+          </a:xfrm>
+        </p:spPr>
         <p:txBody>
           <a:bodyPr/>
           <a:lstStyle/>
@@ -9530,7 +11267,7 @@
                 <a:tabLst/>
                 <a:defRPr/>
               </a:pPr>
-              <a:t>2/26/2022</a:t>
+              <a:t>7/3/2022</a:t>
             </a:fld>
             <a:endParaRPr kumimoji="0" lang="en-US" sz="900" b="0" i="0" u="none" strike="noStrike" kern="1200" cap="none" spc="0" normalizeH="0" baseline="0" noProof="0" dirty="0">
               <a:ln>
@@ -9556,7 +11293,7 @@
           <p:cNvPr id="5" name="Footer Placeholder 4">
             <a:extLst>
               <a:ext uri="{FF2B5EF4-FFF2-40B4-BE49-F238E27FC236}">
-                <a16:creationId xmlns:a16="http://schemas.microsoft.com/office/drawing/2014/main" id="{4E4D04EE-5AD0-4A57-A42E-AE62E411ACEA}"/>
+                <a16:creationId xmlns:a16="http://schemas.microsoft.com/office/drawing/2014/main" id="{4351A704-7B25-4E2E-AEDE-6CB83EBFD759}"/>
               </a:ext>
             </a:extLst>
           </p:cNvPr>
@@ -9567,7 +11304,12 @@
             <p:ph type="ftr" sz="quarter" idx="11"/>
           </p:nvPr>
         </p:nvSpPr>
-        <p:spPr/>
+        <p:spPr>
+          <a:xfrm>
+            <a:off x="677334" y="6041362"/>
+            <a:ext cx="6297612" cy="365125"/>
+          </a:xfrm>
+        </p:spPr>
         <p:txBody>
           <a:bodyPr/>
           <a:lstStyle/>
@@ -9616,7 +11358,7 @@
           <p:cNvPr id="6" name="Slide Number Placeholder 5">
             <a:extLst>
               <a:ext uri="{FF2B5EF4-FFF2-40B4-BE49-F238E27FC236}">
-                <a16:creationId xmlns:a16="http://schemas.microsoft.com/office/drawing/2014/main" id="{9711C448-36A8-43E6-A891-6E42F22D1185}"/>
+                <a16:creationId xmlns:a16="http://schemas.microsoft.com/office/drawing/2014/main" id="{56C88A13-9CB2-48B8-A37E-911D446CDA3D}"/>
               </a:ext>
             </a:extLst>
           </p:cNvPr>
@@ -9627,7 +11369,12 @@
             <p:ph type="sldNum" sz="quarter" idx="12"/>
           </p:nvPr>
         </p:nvSpPr>
-        <p:spPr/>
+        <p:spPr>
+          <a:xfrm>
+            <a:off x="8590663" y="6041362"/>
+            <a:ext cx="683339" cy="365125"/>
+          </a:xfrm>
+        </p:spPr>
         <p:txBody>
           <a:bodyPr/>
           <a:lstStyle/>
@@ -9703,6 +11450,1277 @@
     </p:spTree>
     <p:extLst>
       <p:ext uri="{BB962C8B-B14F-4D97-AF65-F5344CB8AC3E}">
+        <p14:creationId xmlns:p14="http://schemas.microsoft.com/office/powerpoint/2010/main" val="1255382415"/>
+      </p:ext>
+    </p:extLst>
+  </p:cSld>
+  <p:clrMapOvr>
+    <a:masterClrMapping/>
+  </p:clrMapOvr>
+  <mc:AlternateContent xmlns:mc="http://schemas.openxmlformats.org/markup-compatibility/2006" xmlns:p14="http://schemas.microsoft.com/office/powerpoint/2010/main">
+    <mc:Choice Requires="p14">
+      <p:transition spd="med" p14:dur="700">
+        <p:fade/>
+      </p:transition>
+    </mc:Choice>
+    <mc:Fallback xmlns="">
+      <p:transition spd="med">
+        <p:fade/>
+      </p:transition>
+    </mc:Fallback>
+  </mc:AlternateContent>
+</p:sld>
+</file>
+
+<file path=ppt/slides/slide11.xml><?xml version="1.0" encoding="utf-8"?>
+<p:sld xmlns:a="http://schemas.openxmlformats.org/drawingml/2006/main" xmlns:r="http://schemas.openxmlformats.org/officeDocument/2006/relationships" xmlns:p="http://schemas.openxmlformats.org/presentationml/2006/main">
+  <p:cSld>
+    <p:spTree>
+      <p:nvGrpSpPr>
+        <p:cNvPr id="1" name=""/>
+        <p:cNvGrpSpPr/>
+        <p:nvPr/>
+      </p:nvGrpSpPr>
+      <p:grpSpPr>
+        <a:xfrm>
+          <a:off x="0" y="0"/>
+          <a:ext cx="0" cy="0"/>
+          <a:chOff x="0" y="0"/>
+          <a:chExt cx="0" cy="0"/>
+        </a:xfrm>
+      </p:grpSpPr>
+      <p:sp>
+        <p:nvSpPr>
+          <p:cNvPr id="2" name="Title 1">
+            <a:extLst>
+              <a:ext uri="{FF2B5EF4-FFF2-40B4-BE49-F238E27FC236}">
+                <a16:creationId xmlns:a16="http://schemas.microsoft.com/office/drawing/2014/main" id="{9E6A877F-A718-47D6-828D-F14357B0EE64}"/>
+              </a:ext>
+            </a:extLst>
+          </p:cNvPr>
+          <p:cNvSpPr>
+            <a:spLocks noGrp="1"/>
+          </p:cNvSpPr>
+          <p:nvPr>
+            <p:ph type="title"/>
+          </p:nvPr>
+        </p:nvSpPr>
+        <p:spPr/>
+        <p:txBody>
+          <a:bodyPr/>
+          <a:lstStyle/>
+          <a:p>
+            <a:r>
+              <a:rPr lang="en-US" dirty="0"/>
+              <a:t>Strings – continued - immutable</a:t>
+            </a:r>
+          </a:p>
+        </p:txBody>
+      </p:sp>
+      <p:sp>
+        <p:nvSpPr>
+          <p:cNvPr id="3" name="Content Placeholder 2">
+            <a:extLst>
+              <a:ext uri="{FF2B5EF4-FFF2-40B4-BE49-F238E27FC236}">
+                <a16:creationId xmlns:a16="http://schemas.microsoft.com/office/drawing/2014/main" id="{64372DD4-6DBF-43CC-8728-9C2DC16B0267}"/>
+              </a:ext>
+            </a:extLst>
+          </p:cNvPr>
+          <p:cNvSpPr>
+            <a:spLocks noGrp="1"/>
+          </p:cNvSpPr>
+          <p:nvPr>
+            <p:ph idx="1"/>
+          </p:nvPr>
+        </p:nvSpPr>
+        <p:spPr/>
+        <p:txBody>
+          <a:bodyPr>
+            <a:noAutofit/>
+          </a:bodyPr>
+          <a:lstStyle/>
+          <a:p>
+            <a:pPr marL="1257300" lvl="2" indent="-457200"/>
+            <a:r>
+              <a:rPr lang="en-US" sz="3600" dirty="0">
+                <a:cs typeface="Courier New" panose="02070309020205020404" pitchFamily="49" charset="0"/>
+              </a:rPr>
+              <a:t>Not modifiable == immutable</a:t>
+            </a:r>
+          </a:p>
+          <a:p>
+            <a:pPr marL="1257300" lvl="2" indent="-457200"/>
+            <a:r>
+              <a:rPr lang="en-US" sz="3600" dirty="0">
+                <a:cs typeface="Courier New" panose="02070309020205020404" pitchFamily="49" charset="0"/>
+              </a:rPr>
+              <a:t>Don't change – replace</a:t>
+            </a:r>
+          </a:p>
+          <a:p>
+            <a:pPr marL="800100" lvl="2" indent="0">
+              <a:buNone/>
+            </a:pPr>
+            <a:r>
+              <a:rPr lang="en-US" sz="3200" dirty="0">
+                <a:latin typeface="Courier New" panose="02070309020205020404" pitchFamily="49" charset="0"/>
+                <a:cs typeface="Courier New" panose="02070309020205020404" pitchFamily="49" charset="0"/>
+              </a:rPr>
+              <a:t>str_name = "a" + str_name[1:]</a:t>
+            </a:r>
+          </a:p>
+          <a:p>
+            <a:pPr marL="1257300" lvl="2" indent="-457200"/>
+            <a:endParaRPr lang="en-US" sz="3000" dirty="0">
+              <a:latin typeface="Courier New" panose="02070309020205020404" pitchFamily="49" charset="0"/>
+              <a:cs typeface="Courier New" panose="02070309020205020404" pitchFamily="49" charset="0"/>
+            </a:endParaRPr>
+          </a:p>
+        </p:txBody>
+      </p:sp>
+      <p:sp>
+        <p:nvSpPr>
+          <p:cNvPr id="4" name="Date Placeholder 3">
+            <a:extLst>
+              <a:ext uri="{FF2B5EF4-FFF2-40B4-BE49-F238E27FC236}">
+                <a16:creationId xmlns:a16="http://schemas.microsoft.com/office/drawing/2014/main" id="{7DBC778F-46A9-469B-AFCA-A7F523273D3A}"/>
+              </a:ext>
+            </a:extLst>
+          </p:cNvPr>
+          <p:cNvSpPr>
+            <a:spLocks noGrp="1"/>
+          </p:cNvSpPr>
+          <p:nvPr>
+            <p:ph type="dt" sz="half" idx="10"/>
+          </p:nvPr>
+        </p:nvSpPr>
+        <p:spPr>
+          <a:xfrm>
+            <a:off x="7205133" y="6041362"/>
+            <a:ext cx="911939" cy="365125"/>
+          </a:xfrm>
+        </p:spPr>
+        <p:txBody>
+          <a:bodyPr/>
+          <a:lstStyle/>
+          <a:p>
+            <a:pPr marL="0" marR="0" lvl="0" indent="0" algn="r" defTabSz="457200" rtl="0" eaLnBrk="1" fontAlgn="auto" latinLnBrk="0" hangingPunct="1">
+              <a:lnSpc>
+                <a:spcPct val="100000"/>
+              </a:lnSpc>
+              <a:spcBef>
+                <a:spcPts val="0"/>
+              </a:spcBef>
+              <a:spcAft>
+                <a:spcPts val="0"/>
+              </a:spcAft>
+              <a:buClrTx/>
+              <a:buSzTx/>
+              <a:buFontTx/>
+              <a:buNone/>
+              <a:tabLst/>
+              <a:defRPr/>
+            </a:pPr>
+            <a:fld id="{A7119916-CD40-456D-ABE3-55F8822671F7}" type="datetime1">
+              <a:rPr kumimoji="0" lang="en-US" sz="900" b="0" i="0" u="none" strike="noStrike" kern="1200" cap="none" spc="0" normalizeH="0" baseline="0" noProof="0" smtClean="0">
+                <a:ln>
+                  <a:noFill/>
+                </a:ln>
+                <a:solidFill>
+                  <a:prstClr val="black">
+                    <a:tint val="75000"/>
+                  </a:prstClr>
+                </a:solidFill>
+                <a:effectLst/>
+                <a:uLnTx/>
+                <a:uFillTx/>
+                <a:latin typeface="Trebuchet MS" panose="020B0603020202020204"/>
+                <a:ea typeface="+mn-ea"/>
+                <a:cs typeface="+mn-cs"/>
+              </a:rPr>
+              <a:pPr marL="0" marR="0" lvl="0" indent="0" algn="r" defTabSz="457200" rtl="0" eaLnBrk="1" fontAlgn="auto" latinLnBrk="0" hangingPunct="1">
+                <a:lnSpc>
+                  <a:spcPct val="100000"/>
+                </a:lnSpc>
+                <a:spcBef>
+                  <a:spcPts val="0"/>
+                </a:spcBef>
+                <a:spcAft>
+                  <a:spcPts val="0"/>
+                </a:spcAft>
+                <a:buClrTx/>
+                <a:buSzTx/>
+                <a:buFontTx/>
+                <a:buNone/>
+                <a:tabLst/>
+                <a:defRPr/>
+              </a:pPr>
+              <a:t>7/3/2022</a:t>
+            </a:fld>
+            <a:endParaRPr kumimoji="0" lang="en-US" sz="900" b="0" i="0" u="none" strike="noStrike" kern="1200" cap="none" spc="0" normalizeH="0" baseline="0" noProof="0" dirty="0">
+              <a:ln>
+                <a:noFill/>
+              </a:ln>
+              <a:solidFill>
+                <a:prstClr val="black">
+                  <a:tint val="75000"/>
+                </a:prstClr>
+              </a:solidFill>
+              <a:effectLst/>
+              <a:uLnTx/>
+              <a:uFillTx/>
+              <a:latin typeface="Trebuchet MS" panose="020B0603020202020204"/>
+              <a:ea typeface="+mn-ea"/>
+              <a:cs typeface="+mn-cs"/>
+            </a:endParaRPr>
+          </a:p>
+        </p:txBody>
+      </p:sp>
+      <p:sp>
+        <p:nvSpPr>
+          <p:cNvPr id="5" name="Footer Placeholder 4">
+            <a:extLst>
+              <a:ext uri="{FF2B5EF4-FFF2-40B4-BE49-F238E27FC236}">
+                <a16:creationId xmlns:a16="http://schemas.microsoft.com/office/drawing/2014/main" id="{4351A704-7B25-4E2E-AEDE-6CB83EBFD759}"/>
+              </a:ext>
+            </a:extLst>
+          </p:cNvPr>
+          <p:cNvSpPr>
+            <a:spLocks noGrp="1"/>
+          </p:cNvSpPr>
+          <p:nvPr>
+            <p:ph type="ftr" sz="quarter" idx="11"/>
+          </p:nvPr>
+        </p:nvSpPr>
+        <p:spPr>
+          <a:xfrm>
+            <a:off x="677334" y="6041362"/>
+            <a:ext cx="6297612" cy="365125"/>
+          </a:xfrm>
+        </p:spPr>
+        <p:txBody>
+          <a:bodyPr/>
+          <a:lstStyle/>
+          <a:p>
+            <a:pPr marL="0" marR="0" lvl="0" indent="0" algn="l" defTabSz="457200" rtl="0" eaLnBrk="1" fontAlgn="auto" latinLnBrk="0" hangingPunct="1">
+              <a:lnSpc>
+                <a:spcPct val="100000"/>
+              </a:lnSpc>
+              <a:spcBef>
+                <a:spcPts val="0"/>
+              </a:spcBef>
+              <a:spcAft>
+                <a:spcPts val="0"/>
+              </a:spcAft>
+              <a:buClrTx/>
+              <a:buSzTx/>
+              <a:buFontTx/>
+              <a:buNone/>
+              <a:tabLst/>
+              <a:defRPr/>
+            </a:pPr>
+            <a:r>
+              <a:rPr kumimoji="0" lang="en-US" sz="900" b="0" i="0" u="none" strike="noStrike" kern="1200" cap="none" spc="0" normalizeH="0" baseline="0" noProof="0" dirty="0">
+                <a:ln>
+                  <a:noFill/>
+                </a:ln>
+                <a:solidFill>
+                  <a:prstClr val="black">
+                    <a:tint val="75000"/>
+                  </a:prstClr>
+                </a:solidFill>
+                <a:effectLst/>
+                <a:uLnTx/>
+                <a:uFillTx/>
+                <a:latin typeface="Trebuchet MS" panose="020B0603020202020204"/>
+                <a:ea typeface="+mn-ea"/>
+                <a:cs typeface="+mn-cs"/>
+              </a:rPr>
+              <a:t>raysmith@alum.mit.edu</a:t>
+            </a:r>
+          </a:p>
+        </p:txBody>
+      </p:sp>
+      <p:sp>
+        <p:nvSpPr>
+          <p:cNvPr id="6" name="Slide Number Placeholder 5">
+            <a:extLst>
+              <a:ext uri="{FF2B5EF4-FFF2-40B4-BE49-F238E27FC236}">
+                <a16:creationId xmlns:a16="http://schemas.microsoft.com/office/drawing/2014/main" id="{56C88A13-9CB2-48B8-A37E-911D446CDA3D}"/>
+              </a:ext>
+            </a:extLst>
+          </p:cNvPr>
+          <p:cNvSpPr>
+            <a:spLocks noGrp="1"/>
+          </p:cNvSpPr>
+          <p:nvPr>
+            <p:ph type="sldNum" sz="quarter" idx="12"/>
+          </p:nvPr>
+        </p:nvSpPr>
+        <p:spPr>
+          <a:xfrm>
+            <a:off x="8590663" y="6041362"/>
+            <a:ext cx="683339" cy="365125"/>
+          </a:xfrm>
+        </p:spPr>
+        <p:txBody>
+          <a:bodyPr/>
+          <a:lstStyle/>
+          <a:p>
+            <a:pPr marL="0" marR="0" lvl="0" indent="0" algn="r" defTabSz="457200" rtl="0" eaLnBrk="1" fontAlgn="auto" latinLnBrk="0" hangingPunct="1">
+              <a:lnSpc>
+                <a:spcPct val="100000"/>
+              </a:lnSpc>
+              <a:spcBef>
+                <a:spcPts val="0"/>
+              </a:spcBef>
+              <a:spcAft>
+                <a:spcPts val="0"/>
+              </a:spcAft>
+              <a:buClrTx/>
+              <a:buSzTx/>
+              <a:buFontTx/>
+              <a:buNone/>
+              <a:tabLst/>
+              <a:defRPr/>
+            </a:pPr>
+            <a:fld id="{6D22F896-40B5-4ADD-8801-0D06FADFA095}" type="slidenum">
+              <a:rPr kumimoji="0" lang="en-US" sz="900" b="0" i="0" u="none" strike="noStrike" kern="1200" cap="none" spc="0" normalizeH="0" baseline="0" noProof="0" smtClean="0">
+                <a:ln>
+                  <a:noFill/>
+                </a:ln>
+                <a:solidFill>
+                  <a:srgbClr val="90C226"/>
+                </a:solidFill>
+                <a:effectLst/>
+                <a:uLnTx/>
+                <a:uFillTx/>
+                <a:latin typeface="Trebuchet MS" panose="020B0603020202020204"/>
+                <a:ea typeface="+mn-ea"/>
+                <a:cs typeface="+mn-cs"/>
+              </a:rPr>
+              <a:pPr marL="0" marR="0" lvl="0" indent="0" algn="r" defTabSz="457200" rtl="0" eaLnBrk="1" fontAlgn="auto" latinLnBrk="0" hangingPunct="1">
+                <a:lnSpc>
+                  <a:spcPct val="100000"/>
+                </a:lnSpc>
+                <a:spcBef>
+                  <a:spcPts val="0"/>
+                </a:spcBef>
+                <a:spcAft>
+                  <a:spcPts val="0"/>
+                </a:spcAft>
+                <a:buClrTx/>
+                <a:buSzTx/>
+                <a:buFontTx/>
+                <a:buNone/>
+                <a:tabLst/>
+                <a:defRPr/>
+              </a:pPr>
+              <a:t>11</a:t>
+            </a:fld>
+            <a:endParaRPr kumimoji="0" lang="en-US" sz="900" b="0" i="0" u="none" strike="noStrike" kern="1200" cap="none" spc="0" normalizeH="0" baseline="0" noProof="0" dirty="0">
+              <a:ln>
+                <a:noFill/>
+              </a:ln>
+              <a:solidFill>
+                <a:srgbClr val="90C226"/>
+              </a:solidFill>
+              <a:effectLst/>
+              <a:uLnTx/>
+              <a:uFillTx/>
+              <a:latin typeface="Trebuchet MS" panose="020B0603020202020204"/>
+              <a:ea typeface="+mn-ea"/>
+              <a:cs typeface="+mn-cs"/>
+            </a:endParaRPr>
+          </a:p>
+        </p:txBody>
+      </p:sp>
+    </p:spTree>
+    <p:extLst>
+      <p:ext uri="{BB962C8B-B14F-4D97-AF65-F5344CB8AC3E}">
+        <p14:creationId xmlns:p14="http://schemas.microsoft.com/office/powerpoint/2010/main" val="2101220268"/>
+      </p:ext>
+    </p:extLst>
+  </p:cSld>
+  <p:clrMapOvr>
+    <a:masterClrMapping/>
+  </p:clrMapOvr>
+  <mc:AlternateContent xmlns:mc="http://schemas.openxmlformats.org/markup-compatibility/2006" xmlns:p14="http://schemas.microsoft.com/office/powerpoint/2010/main">
+    <mc:Choice Requires="p14">
+      <p:transition spd="med" p14:dur="700">
+        <p:fade/>
+      </p:transition>
+    </mc:Choice>
+    <mc:Fallback xmlns="">
+      <p:transition spd="med">
+        <p:fade/>
+      </p:transition>
+    </mc:Fallback>
+  </mc:AlternateContent>
+</p:sld>
+</file>
+
+<file path=ppt/slides/slide12.xml><?xml version="1.0" encoding="utf-8"?>
+<p:sld xmlns:a="http://schemas.openxmlformats.org/drawingml/2006/main" xmlns:r="http://schemas.openxmlformats.org/officeDocument/2006/relationships" xmlns:p="http://schemas.openxmlformats.org/presentationml/2006/main">
+  <p:cSld>
+    <p:spTree>
+      <p:nvGrpSpPr>
+        <p:cNvPr id="1" name=""/>
+        <p:cNvGrpSpPr/>
+        <p:nvPr/>
+      </p:nvGrpSpPr>
+      <p:grpSpPr>
+        <a:xfrm>
+          <a:off x="0" y="0"/>
+          <a:ext cx="0" cy="0"/>
+          <a:chOff x="0" y="0"/>
+          <a:chExt cx="0" cy="0"/>
+        </a:xfrm>
+      </p:grpSpPr>
+      <p:sp>
+        <p:nvSpPr>
+          <p:cNvPr id="2" name="Title 1">
+            <a:extLst>
+              <a:ext uri="{FF2B5EF4-FFF2-40B4-BE49-F238E27FC236}">
+                <a16:creationId xmlns:a16="http://schemas.microsoft.com/office/drawing/2014/main" id="{C9BE3CBE-F16E-46E3-BF27-20430291F5BA}"/>
+              </a:ext>
+            </a:extLst>
+          </p:cNvPr>
+          <p:cNvSpPr>
+            <a:spLocks noGrp="1"/>
+          </p:cNvSpPr>
+          <p:nvPr>
+            <p:ph type="title"/>
+          </p:nvPr>
+        </p:nvSpPr>
+        <p:spPr/>
+        <p:txBody>
+          <a:bodyPr/>
+          <a:lstStyle/>
+          <a:p>
+            <a:r>
+              <a:rPr lang="en-US" dirty="0"/>
+              <a:t>Get some bounce!</a:t>
+            </a:r>
+          </a:p>
+        </p:txBody>
+      </p:sp>
+      <p:sp>
+        <p:nvSpPr>
+          <p:cNvPr id="3" name="Content Placeholder 2">
+            <a:extLst>
+              <a:ext uri="{FF2B5EF4-FFF2-40B4-BE49-F238E27FC236}">
+                <a16:creationId xmlns:a16="http://schemas.microsoft.com/office/drawing/2014/main" id="{9FAB5FB4-61F9-4F01-8B8A-8777F59CE15E}"/>
+              </a:ext>
+            </a:extLst>
+          </p:cNvPr>
+          <p:cNvSpPr>
+            <a:spLocks noGrp="1"/>
+          </p:cNvSpPr>
+          <p:nvPr>
+            <p:ph idx="1"/>
+          </p:nvPr>
+        </p:nvSpPr>
+        <p:spPr/>
+        <p:txBody>
+          <a:bodyPr>
+            <a:normAutofit/>
+          </a:bodyPr>
+          <a:lstStyle/>
+          <a:p>
+            <a:r>
+              <a:rPr lang="en-US" sz="3600" dirty="0"/>
+              <a:t>Class_3_Functions_Why…/</a:t>
+            </a:r>
+          </a:p>
+          <a:p>
+            <a:pPr lvl="1"/>
+            <a:r>
+              <a:rPr lang="en-US" sz="3400" dirty="0"/>
+              <a:t>bouncing_balls.py</a:t>
+            </a:r>
+          </a:p>
+        </p:txBody>
+      </p:sp>
+      <p:sp>
+        <p:nvSpPr>
+          <p:cNvPr id="4" name="Date Placeholder 3">
+            <a:extLst>
+              <a:ext uri="{FF2B5EF4-FFF2-40B4-BE49-F238E27FC236}">
+                <a16:creationId xmlns:a16="http://schemas.microsoft.com/office/drawing/2014/main" id="{A867DFDD-F493-473E-839F-17C14FADADFC}"/>
+              </a:ext>
+            </a:extLst>
+          </p:cNvPr>
+          <p:cNvSpPr>
+            <a:spLocks noGrp="1"/>
+          </p:cNvSpPr>
+          <p:nvPr>
+            <p:ph type="dt" sz="half" idx="10"/>
+          </p:nvPr>
+        </p:nvSpPr>
+        <p:spPr>
+          <a:xfrm>
+            <a:off x="7205133" y="6041362"/>
+            <a:ext cx="911939" cy="365125"/>
+          </a:xfrm>
+        </p:spPr>
+        <p:txBody>
+          <a:bodyPr/>
+          <a:lstStyle/>
+          <a:p>
+            <a:fld id="{A7119916-CD40-456D-ABE3-55F8822671F7}" type="datetime1">
+              <a:rPr lang="en-US" smtClean="0"/>
+              <a:t>7/3/2022</a:t>
+            </a:fld>
+            <a:endParaRPr lang="en-US" dirty="0"/>
+          </a:p>
+        </p:txBody>
+      </p:sp>
+      <p:sp>
+        <p:nvSpPr>
+          <p:cNvPr id="5" name="Footer Placeholder 4">
+            <a:extLst>
+              <a:ext uri="{FF2B5EF4-FFF2-40B4-BE49-F238E27FC236}">
+                <a16:creationId xmlns:a16="http://schemas.microsoft.com/office/drawing/2014/main" id="{9F900CB6-9471-472B-879F-F2E88B3EFBEC}"/>
+              </a:ext>
+            </a:extLst>
+          </p:cNvPr>
+          <p:cNvSpPr>
+            <a:spLocks noGrp="1"/>
+          </p:cNvSpPr>
+          <p:nvPr>
+            <p:ph type="ftr" sz="quarter" idx="11"/>
+          </p:nvPr>
+        </p:nvSpPr>
+        <p:spPr>
+          <a:xfrm>
+            <a:off x="677334" y="6041362"/>
+            <a:ext cx="6297612" cy="365125"/>
+          </a:xfrm>
+        </p:spPr>
+        <p:txBody>
+          <a:bodyPr/>
+          <a:lstStyle/>
+          <a:p>
+            <a:r>
+              <a:rPr lang="en-US"/>
+              <a:t>raysmith@alum.mit.edu</a:t>
+            </a:r>
+            <a:endParaRPr lang="en-US" dirty="0"/>
+          </a:p>
+        </p:txBody>
+      </p:sp>
+      <p:sp>
+        <p:nvSpPr>
+          <p:cNvPr id="6" name="Slide Number Placeholder 5">
+            <a:extLst>
+              <a:ext uri="{FF2B5EF4-FFF2-40B4-BE49-F238E27FC236}">
+                <a16:creationId xmlns:a16="http://schemas.microsoft.com/office/drawing/2014/main" id="{7E0435E6-73A7-4954-8ED1-4940540EEF47}"/>
+              </a:ext>
+            </a:extLst>
+          </p:cNvPr>
+          <p:cNvSpPr>
+            <a:spLocks noGrp="1"/>
+          </p:cNvSpPr>
+          <p:nvPr>
+            <p:ph type="sldNum" sz="quarter" idx="12"/>
+          </p:nvPr>
+        </p:nvSpPr>
+        <p:spPr>
+          <a:xfrm>
+            <a:off x="8590663" y="6041362"/>
+            <a:ext cx="683339" cy="365125"/>
+          </a:xfrm>
+        </p:spPr>
+        <p:txBody>
+          <a:bodyPr/>
+          <a:lstStyle/>
+          <a:p>
+            <a:fld id="{6D22F896-40B5-4ADD-8801-0D06FADFA095}" type="slidenum">
+              <a:rPr lang="en-US" smtClean="0"/>
+              <a:t>12</a:t>
+            </a:fld>
+            <a:endParaRPr lang="en-US" dirty="0"/>
+          </a:p>
+        </p:txBody>
+      </p:sp>
+    </p:spTree>
+    <p:extLst>
+      <p:ext uri="{BB962C8B-B14F-4D97-AF65-F5344CB8AC3E}">
+        <p14:creationId xmlns:p14="http://schemas.microsoft.com/office/powerpoint/2010/main" val="2291581392"/>
+      </p:ext>
+    </p:extLst>
+  </p:cSld>
+  <p:clrMapOvr>
+    <a:masterClrMapping/>
+  </p:clrMapOvr>
+</p:sld>
+</file>
+
+<file path=ppt/slides/slide13.xml><?xml version="1.0" encoding="utf-8"?>
+<p:sld xmlns:a="http://schemas.openxmlformats.org/drawingml/2006/main" xmlns:r="http://schemas.openxmlformats.org/officeDocument/2006/relationships" xmlns:p="http://schemas.openxmlformats.org/presentationml/2006/main">
+  <p:cSld>
+    <p:spTree>
+      <p:nvGrpSpPr>
+        <p:cNvPr id="1" name=""/>
+        <p:cNvGrpSpPr/>
+        <p:nvPr/>
+      </p:nvGrpSpPr>
+      <p:grpSpPr>
+        <a:xfrm>
+          <a:off x="0" y="0"/>
+          <a:ext cx="0" cy="0"/>
+          <a:chOff x="0" y="0"/>
+          <a:chExt cx="0" cy="0"/>
+        </a:xfrm>
+      </p:grpSpPr>
+      <p:sp>
+        <p:nvSpPr>
+          <p:cNvPr id="2" name="Title 1">
+            <a:extLst>
+              <a:ext uri="{FF2B5EF4-FFF2-40B4-BE49-F238E27FC236}">
+                <a16:creationId xmlns:a16="http://schemas.microsoft.com/office/drawing/2014/main" id="{C9BE3CBE-F16E-46E3-BF27-20430291F5BA}"/>
+              </a:ext>
+            </a:extLst>
+          </p:cNvPr>
+          <p:cNvSpPr>
+            <a:spLocks noGrp="1"/>
+          </p:cNvSpPr>
+          <p:nvPr>
+            <p:ph type="title"/>
+          </p:nvPr>
+        </p:nvSpPr>
+        <p:spPr/>
+        <p:txBody>
+          <a:bodyPr/>
+          <a:lstStyle/>
+          <a:p>
+            <a:r>
+              <a:rPr lang="en-US" dirty="0"/>
+              <a:t>Bouncing Plan</a:t>
+            </a:r>
+          </a:p>
+        </p:txBody>
+      </p:sp>
+      <p:sp>
+        <p:nvSpPr>
+          <p:cNvPr id="3" name="Content Placeholder 2">
+            <a:extLst>
+              <a:ext uri="{FF2B5EF4-FFF2-40B4-BE49-F238E27FC236}">
+                <a16:creationId xmlns:a16="http://schemas.microsoft.com/office/drawing/2014/main" id="{9FAB5FB4-61F9-4F01-8B8A-8777F59CE15E}"/>
+              </a:ext>
+            </a:extLst>
+          </p:cNvPr>
+          <p:cNvSpPr>
+            <a:spLocks noGrp="1"/>
+          </p:cNvSpPr>
+          <p:nvPr>
+            <p:ph idx="1"/>
+          </p:nvPr>
+        </p:nvSpPr>
+        <p:spPr>
+          <a:xfrm>
+            <a:off x="677334" y="2160589"/>
+            <a:ext cx="9354172" cy="3880773"/>
+          </a:xfrm>
+        </p:spPr>
+        <p:txBody>
+          <a:bodyPr>
+            <a:normAutofit/>
+          </a:bodyPr>
+          <a:lstStyle/>
+          <a:p>
+            <a:r>
+              <a:rPr lang="en-US" sz="3600" dirty="0"/>
+              <a:t>Setup Ball – </a:t>
+            </a:r>
+            <a:r>
+              <a:rPr lang="en-US" sz="2800" dirty="0" err="1">
+                <a:solidFill>
+                  <a:srgbClr val="0070C0"/>
+                </a:solidFill>
+                <a:latin typeface="Courier New" panose="02070309020205020404" pitchFamily="49" charset="0"/>
+                <a:cs typeface="Courier New" panose="02070309020205020404" pitchFamily="49" charset="0"/>
+              </a:rPr>
+              <a:t>start_ball</a:t>
+            </a:r>
+            <a:r>
+              <a:rPr lang="en-US" sz="2800" dirty="0">
+                <a:solidFill>
+                  <a:srgbClr val="0070C0"/>
+                </a:solidFill>
+                <a:latin typeface="Courier New" panose="02070309020205020404" pitchFamily="49" charset="0"/>
+                <a:cs typeface="Courier New" panose="02070309020205020404" pitchFamily="49" charset="0"/>
+              </a:rPr>
+              <a:t>()</a:t>
+            </a:r>
+          </a:p>
+          <a:p>
+            <a:r>
+              <a:rPr lang="en-US" sz="3600" dirty="0"/>
+              <a:t>Loop forever</a:t>
+            </a:r>
+          </a:p>
+          <a:p>
+            <a:pPr lvl="1"/>
+            <a:r>
+              <a:rPr lang="en-US" sz="3200" dirty="0"/>
+              <a:t>Check for edge - </a:t>
+            </a:r>
+            <a:r>
+              <a:rPr lang="en-US" sz="2800" dirty="0" err="1">
+                <a:solidFill>
+                  <a:srgbClr val="0070C0"/>
+                </a:solidFill>
+                <a:latin typeface="Courier New" panose="02070309020205020404" pitchFamily="49" charset="0"/>
+                <a:cs typeface="Courier New" panose="02070309020205020404" pitchFamily="49" charset="0"/>
+              </a:rPr>
+              <a:t>ball_edge_check</a:t>
+            </a:r>
+            <a:r>
+              <a:rPr lang="en-US" sz="2800" dirty="0">
+                <a:solidFill>
+                  <a:srgbClr val="0070C0"/>
+                </a:solidFill>
+                <a:latin typeface="Courier New" panose="02070309020205020404" pitchFamily="49" charset="0"/>
+                <a:cs typeface="Courier New" panose="02070309020205020404" pitchFamily="49" charset="0"/>
+              </a:rPr>
+              <a:t>()</a:t>
+            </a:r>
+          </a:p>
+          <a:p>
+            <a:pPr lvl="2"/>
+            <a:r>
+              <a:rPr lang="en-US" sz="3000" dirty="0"/>
+              <a:t>Update ball if necessary</a:t>
+            </a:r>
+            <a:endParaRPr lang="en-US" sz="2400" dirty="0">
+              <a:latin typeface="Courier New" panose="02070309020205020404" pitchFamily="49" charset="0"/>
+              <a:cs typeface="Courier New" panose="02070309020205020404" pitchFamily="49" charset="0"/>
+            </a:endParaRPr>
+          </a:p>
+          <a:p>
+            <a:pPr lvl="1"/>
+            <a:r>
+              <a:rPr lang="en-US" sz="3200" dirty="0"/>
+              <a:t>Update ball position/velocity</a:t>
+            </a:r>
+            <a:r>
+              <a:rPr kumimoji="0" lang="en-US" sz="3000" b="0" i="0" u="none" strike="noStrike" kern="1200" cap="none" spc="0" normalizeH="0" baseline="0" noProof="0" dirty="0">
+                <a:ln>
+                  <a:noFill/>
+                </a:ln>
+                <a:solidFill>
+                  <a:prstClr val="black">
+                    <a:lumMod val="75000"/>
+                    <a:lumOff val="25000"/>
+                  </a:prstClr>
+                </a:solidFill>
+                <a:effectLst/>
+                <a:uLnTx/>
+                <a:uFillTx/>
+                <a:latin typeface="Trebuchet MS" panose="020B0603020202020204"/>
+                <a:ea typeface="+mn-ea"/>
+                <a:cs typeface="+mn-cs"/>
+              </a:rPr>
+              <a:t> - </a:t>
+            </a:r>
+            <a:r>
+              <a:rPr kumimoji="0" lang="en-US" sz="2400" b="0" i="0" u="none" strike="noStrike" kern="1200" cap="none" spc="0" normalizeH="0" baseline="0" noProof="0" dirty="0" err="1">
+                <a:ln>
+                  <a:noFill/>
+                </a:ln>
+                <a:solidFill>
+                  <a:srgbClr val="0070C0"/>
+                </a:solidFill>
+                <a:effectLst/>
+                <a:uLnTx/>
+                <a:uFillTx/>
+                <a:latin typeface="Courier New" panose="02070309020205020404" pitchFamily="49" charset="0"/>
+                <a:ea typeface="+mn-ea"/>
+                <a:cs typeface="Courier New" panose="02070309020205020404" pitchFamily="49" charset="0"/>
+              </a:rPr>
+              <a:t>ball_update</a:t>
+            </a:r>
+            <a:r>
+              <a:rPr kumimoji="0" lang="en-US" sz="2400" b="0" i="0" u="none" strike="noStrike" kern="1200" cap="none" spc="0" normalizeH="0" baseline="0" noProof="0" dirty="0">
+                <a:ln>
+                  <a:noFill/>
+                </a:ln>
+                <a:solidFill>
+                  <a:srgbClr val="0070C0"/>
+                </a:solidFill>
+                <a:effectLst/>
+                <a:uLnTx/>
+                <a:uFillTx/>
+                <a:latin typeface="Courier New" panose="02070309020205020404" pitchFamily="49" charset="0"/>
+                <a:ea typeface="+mn-ea"/>
+                <a:cs typeface="Courier New" panose="02070309020205020404" pitchFamily="49" charset="0"/>
+              </a:rPr>
+              <a:t>()</a:t>
+            </a:r>
+            <a:endParaRPr lang="en-US" sz="3200" dirty="0">
+              <a:solidFill>
+                <a:srgbClr val="0070C0"/>
+              </a:solidFill>
+            </a:endParaRPr>
+          </a:p>
+          <a:p>
+            <a:pPr lvl="1"/>
+            <a:r>
+              <a:rPr lang="en-US" sz="3200" dirty="0"/>
+              <a:t>Display ball - </a:t>
+            </a:r>
+            <a:r>
+              <a:rPr lang="en-US" sz="2400" dirty="0" err="1">
+                <a:solidFill>
+                  <a:srgbClr val="0070C0"/>
+                </a:solidFill>
+                <a:latin typeface="Courier New" panose="02070309020205020404" pitchFamily="49" charset="0"/>
+                <a:cs typeface="Courier New" panose="02070309020205020404" pitchFamily="49" charset="0"/>
+              </a:rPr>
+              <a:t>ball_display</a:t>
+            </a:r>
+            <a:r>
+              <a:rPr lang="en-US" sz="2400" dirty="0">
+                <a:solidFill>
+                  <a:srgbClr val="0070C0"/>
+                </a:solidFill>
+                <a:latin typeface="Courier New" panose="02070309020205020404" pitchFamily="49" charset="0"/>
+                <a:cs typeface="Courier New" panose="02070309020205020404" pitchFamily="49" charset="0"/>
+              </a:rPr>
+              <a:t>()</a:t>
+            </a:r>
+          </a:p>
+        </p:txBody>
+      </p:sp>
+      <p:sp>
+        <p:nvSpPr>
+          <p:cNvPr id="4" name="Date Placeholder 3">
+            <a:extLst>
+              <a:ext uri="{FF2B5EF4-FFF2-40B4-BE49-F238E27FC236}">
+                <a16:creationId xmlns:a16="http://schemas.microsoft.com/office/drawing/2014/main" id="{A867DFDD-F493-473E-839F-17C14FADADFC}"/>
+              </a:ext>
+            </a:extLst>
+          </p:cNvPr>
+          <p:cNvSpPr>
+            <a:spLocks noGrp="1"/>
+          </p:cNvSpPr>
+          <p:nvPr>
+            <p:ph type="dt" sz="half" idx="10"/>
+          </p:nvPr>
+        </p:nvSpPr>
+        <p:spPr>
+          <a:xfrm>
+            <a:off x="7205133" y="6041362"/>
+            <a:ext cx="911939" cy="365125"/>
+          </a:xfrm>
+        </p:spPr>
+        <p:txBody>
+          <a:bodyPr/>
+          <a:lstStyle/>
+          <a:p>
+            <a:fld id="{A7119916-CD40-456D-ABE3-55F8822671F7}" type="datetime1">
+              <a:rPr lang="en-US" smtClean="0"/>
+              <a:t>7/3/2022</a:t>
+            </a:fld>
+            <a:endParaRPr lang="en-US" dirty="0"/>
+          </a:p>
+        </p:txBody>
+      </p:sp>
+      <p:sp>
+        <p:nvSpPr>
+          <p:cNvPr id="5" name="Footer Placeholder 4">
+            <a:extLst>
+              <a:ext uri="{FF2B5EF4-FFF2-40B4-BE49-F238E27FC236}">
+                <a16:creationId xmlns:a16="http://schemas.microsoft.com/office/drawing/2014/main" id="{9F900CB6-9471-472B-879F-F2E88B3EFBEC}"/>
+              </a:ext>
+            </a:extLst>
+          </p:cNvPr>
+          <p:cNvSpPr>
+            <a:spLocks noGrp="1"/>
+          </p:cNvSpPr>
+          <p:nvPr>
+            <p:ph type="ftr" sz="quarter" idx="11"/>
+          </p:nvPr>
+        </p:nvSpPr>
+        <p:spPr>
+          <a:xfrm>
+            <a:off x="677334" y="6041362"/>
+            <a:ext cx="6297612" cy="365125"/>
+          </a:xfrm>
+        </p:spPr>
+        <p:txBody>
+          <a:bodyPr/>
+          <a:lstStyle/>
+          <a:p>
+            <a:r>
+              <a:rPr lang="en-US"/>
+              <a:t>raysmith@alum.mit.edu</a:t>
+            </a:r>
+            <a:endParaRPr lang="en-US" dirty="0"/>
+          </a:p>
+        </p:txBody>
+      </p:sp>
+      <p:sp>
+        <p:nvSpPr>
+          <p:cNvPr id="6" name="Slide Number Placeholder 5">
+            <a:extLst>
+              <a:ext uri="{FF2B5EF4-FFF2-40B4-BE49-F238E27FC236}">
+                <a16:creationId xmlns:a16="http://schemas.microsoft.com/office/drawing/2014/main" id="{7E0435E6-73A7-4954-8ED1-4940540EEF47}"/>
+              </a:ext>
+            </a:extLst>
+          </p:cNvPr>
+          <p:cNvSpPr>
+            <a:spLocks noGrp="1"/>
+          </p:cNvSpPr>
+          <p:nvPr>
+            <p:ph type="sldNum" sz="quarter" idx="12"/>
+          </p:nvPr>
+        </p:nvSpPr>
+        <p:spPr>
+          <a:xfrm>
+            <a:off x="8590663" y="6041362"/>
+            <a:ext cx="683339" cy="365125"/>
+          </a:xfrm>
+        </p:spPr>
+        <p:txBody>
+          <a:bodyPr/>
+          <a:lstStyle/>
+          <a:p>
+            <a:fld id="{6D22F896-40B5-4ADD-8801-0D06FADFA095}" type="slidenum">
+              <a:rPr lang="en-US" smtClean="0"/>
+              <a:t>13</a:t>
+            </a:fld>
+            <a:endParaRPr lang="en-US" dirty="0"/>
+          </a:p>
+        </p:txBody>
+      </p:sp>
+    </p:spTree>
+    <p:extLst>
+      <p:ext uri="{BB962C8B-B14F-4D97-AF65-F5344CB8AC3E}">
+        <p14:creationId xmlns:p14="http://schemas.microsoft.com/office/powerpoint/2010/main" val="1838746089"/>
+      </p:ext>
+    </p:extLst>
+  </p:cSld>
+  <p:clrMapOvr>
+    <a:masterClrMapping/>
+  </p:clrMapOvr>
+</p:sld>
+</file>
+
+<file path=ppt/slides/slide14.xml><?xml version="1.0" encoding="utf-8"?>
+<p:sld xmlns:a="http://schemas.openxmlformats.org/drawingml/2006/main" xmlns:r="http://schemas.openxmlformats.org/officeDocument/2006/relationships" xmlns:p="http://schemas.openxmlformats.org/presentationml/2006/main">
+  <p:cSld>
+    <p:spTree>
+      <p:nvGrpSpPr>
+        <p:cNvPr id="1" name=""/>
+        <p:cNvGrpSpPr/>
+        <p:nvPr/>
+      </p:nvGrpSpPr>
+      <p:grpSpPr>
+        <a:xfrm>
+          <a:off x="0" y="0"/>
+          <a:ext cx="0" cy="0"/>
+          <a:chOff x="0" y="0"/>
+          <a:chExt cx="0" cy="0"/>
+        </a:xfrm>
+      </p:grpSpPr>
+      <p:sp>
+        <p:nvSpPr>
+          <p:cNvPr id="2" name="Title 1">
+            <a:extLst>
+              <a:ext uri="{FF2B5EF4-FFF2-40B4-BE49-F238E27FC236}">
+                <a16:creationId xmlns:a16="http://schemas.microsoft.com/office/drawing/2014/main" id="{F7E90694-AA7F-451B-A875-1D23D1FDBA32}"/>
+              </a:ext>
+            </a:extLst>
+          </p:cNvPr>
+          <p:cNvSpPr>
+            <a:spLocks noGrp="1"/>
+          </p:cNvSpPr>
+          <p:nvPr>
+            <p:ph type="title"/>
+          </p:nvPr>
+        </p:nvSpPr>
+        <p:spPr>
+          <a:xfrm>
+            <a:off x="955892" y="2723015"/>
+            <a:ext cx="8596668" cy="1320800"/>
+          </a:xfrm>
+        </p:spPr>
+        <p:txBody>
+          <a:bodyPr>
+            <a:normAutofit/>
+          </a:bodyPr>
+          <a:lstStyle/>
+          <a:p>
+            <a:r>
+              <a:rPr lang="en-US" sz="6600" dirty="0"/>
+              <a:t>Question and Answer</a:t>
+            </a:r>
+          </a:p>
+        </p:txBody>
+      </p:sp>
+      <p:sp>
+        <p:nvSpPr>
+          <p:cNvPr id="4" name="Date Placeholder 3">
+            <a:extLst>
+              <a:ext uri="{FF2B5EF4-FFF2-40B4-BE49-F238E27FC236}">
+                <a16:creationId xmlns:a16="http://schemas.microsoft.com/office/drawing/2014/main" id="{B623EE2F-E3E9-437B-AFAE-1E0C5C94A5F8}"/>
+              </a:ext>
+            </a:extLst>
+          </p:cNvPr>
+          <p:cNvSpPr>
+            <a:spLocks noGrp="1"/>
+          </p:cNvSpPr>
+          <p:nvPr>
+            <p:ph type="dt" sz="half" idx="10"/>
+          </p:nvPr>
+        </p:nvSpPr>
+        <p:spPr>
+          <a:xfrm>
+            <a:off x="7205133" y="6041362"/>
+            <a:ext cx="911939" cy="365125"/>
+          </a:xfrm>
+        </p:spPr>
+        <p:txBody>
+          <a:bodyPr/>
+          <a:lstStyle/>
+          <a:p>
+            <a:pPr marL="0" marR="0" lvl="0" indent="0" algn="r" defTabSz="457200" rtl="0" eaLnBrk="1" fontAlgn="auto" latinLnBrk="0" hangingPunct="1">
+              <a:lnSpc>
+                <a:spcPct val="100000"/>
+              </a:lnSpc>
+              <a:spcBef>
+                <a:spcPts val="0"/>
+              </a:spcBef>
+              <a:spcAft>
+                <a:spcPts val="0"/>
+              </a:spcAft>
+              <a:buClrTx/>
+              <a:buSzTx/>
+              <a:buFontTx/>
+              <a:buNone/>
+              <a:tabLst/>
+              <a:defRPr/>
+            </a:pPr>
+            <a:fld id="{A7119916-CD40-456D-ABE3-55F8822671F7}" type="datetime1">
+              <a:rPr kumimoji="0" lang="en-US" sz="900" b="0" i="0" u="none" strike="noStrike" kern="1200" cap="none" spc="0" normalizeH="0" baseline="0" noProof="0" smtClean="0">
+                <a:ln>
+                  <a:noFill/>
+                </a:ln>
+                <a:solidFill>
+                  <a:prstClr val="black">
+                    <a:tint val="75000"/>
+                  </a:prstClr>
+                </a:solidFill>
+                <a:effectLst/>
+                <a:uLnTx/>
+                <a:uFillTx/>
+                <a:latin typeface="Trebuchet MS" panose="020B0603020202020204"/>
+                <a:ea typeface="+mn-ea"/>
+                <a:cs typeface="+mn-cs"/>
+              </a:rPr>
+              <a:pPr marL="0" marR="0" lvl="0" indent="0" algn="r" defTabSz="457200" rtl="0" eaLnBrk="1" fontAlgn="auto" latinLnBrk="0" hangingPunct="1">
+                <a:lnSpc>
+                  <a:spcPct val="100000"/>
+                </a:lnSpc>
+                <a:spcBef>
+                  <a:spcPts val="0"/>
+                </a:spcBef>
+                <a:spcAft>
+                  <a:spcPts val="0"/>
+                </a:spcAft>
+                <a:buClrTx/>
+                <a:buSzTx/>
+                <a:buFontTx/>
+                <a:buNone/>
+                <a:tabLst/>
+                <a:defRPr/>
+              </a:pPr>
+              <a:t>7/3/2022</a:t>
+            </a:fld>
+            <a:endParaRPr kumimoji="0" lang="en-US" sz="900" b="0" i="0" u="none" strike="noStrike" kern="1200" cap="none" spc="0" normalizeH="0" baseline="0" noProof="0" dirty="0">
+              <a:ln>
+                <a:noFill/>
+              </a:ln>
+              <a:solidFill>
+                <a:prstClr val="black">
+                  <a:tint val="75000"/>
+                </a:prstClr>
+              </a:solidFill>
+              <a:effectLst/>
+              <a:uLnTx/>
+              <a:uFillTx/>
+              <a:latin typeface="Trebuchet MS" panose="020B0603020202020204"/>
+              <a:ea typeface="+mn-ea"/>
+              <a:cs typeface="+mn-cs"/>
+            </a:endParaRPr>
+          </a:p>
+        </p:txBody>
+      </p:sp>
+      <p:sp>
+        <p:nvSpPr>
+          <p:cNvPr id="5" name="Footer Placeholder 4">
+            <a:extLst>
+              <a:ext uri="{FF2B5EF4-FFF2-40B4-BE49-F238E27FC236}">
+                <a16:creationId xmlns:a16="http://schemas.microsoft.com/office/drawing/2014/main" id="{4E4D04EE-5AD0-4A57-A42E-AE62E411ACEA}"/>
+              </a:ext>
+            </a:extLst>
+          </p:cNvPr>
+          <p:cNvSpPr>
+            <a:spLocks noGrp="1"/>
+          </p:cNvSpPr>
+          <p:nvPr>
+            <p:ph type="ftr" sz="quarter" idx="11"/>
+          </p:nvPr>
+        </p:nvSpPr>
+        <p:spPr>
+          <a:xfrm>
+            <a:off x="677334" y="6041362"/>
+            <a:ext cx="6297612" cy="365125"/>
+          </a:xfrm>
+        </p:spPr>
+        <p:txBody>
+          <a:bodyPr/>
+          <a:lstStyle/>
+          <a:p>
+            <a:pPr marL="0" marR="0" lvl="0" indent="0" algn="l" defTabSz="457200" rtl="0" eaLnBrk="1" fontAlgn="auto" latinLnBrk="0" hangingPunct="1">
+              <a:lnSpc>
+                <a:spcPct val="100000"/>
+              </a:lnSpc>
+              <a:spcBef>
+                <a:spcPts val="0"/>
+              </a:spcBef>
+              <a:spcAft>
+                <a:spcPts val="0"/>
+              </a:spcAft>
+              <a:buClrTx/>
+              <a:buSzTx/>
+              <a:buFontTx/>
+              <a:buNone/>
+              <a:tabLst/>
+              <a:defRPr/>
+            </a:pPr>
+            <a:r>
+              <a:rPr kumimoji="0" lang="en-US" sz="900" b="0" i="0" u="none" strike="noStrike" kern="1200" cap="none" spc="0" normalizeH="0" baseline="0" noProof="0" dirty="0">
+                <a:ln>
+                  <a:noFill/>
+                </a:ln>
+                <a:solidFill>
+                  <a:prstClr val="black">
+                    <a:tint val="75000"/>
+                  </a:prstClr>
+                </a:solidFill>
+                <a:effectLst/>
+                <a:uLnTx/>
+                <a:uFillTx/>
+                <a:latin typeface="Trebuchet MS" panose="020B0603020202020204"/>
+                <a:ea typeface="+mn-ea"/>
+                <a:cs typeface="+mn-cs"/>
+              </a:rPr>
+              <a:t>raysmith@alum.mit.edu</a:t>
+            </a:r>
+          </a:p>
+        </p:txBody>
+      </p:sp>
+      <p:sp>
+        <p:nvSpPr>
+          <p:cNvPr id="6" name="Slide Number Placeholder 5">
+            <a:extLst>
+              <a:ext uri="{FF2B5EF4-FFF2-40B4-BE49-F238E27FC236}">
+                <a16:creationId xmlns:a16="http://schemas.microsoft.com/office/drawing/2014/main" id="{9711C448-36A8-43E6-A891-6E42F22D1185}"/>
+              </a:ext>
+            </a:extLst>
+          </p:cNvPr>
+          <p:cNvSpPr>
+            <a:spLocks noGrp="1"/>
+          </p:cNvSpPr>
+          <p:nvPr>
+            <p:ph type="sldNum" sz="quarter" idx="12"/>
+          </p:nvPr>
+        </p:nvSpPr>
+        <p:spPr>
+          <a:xfrm>
+            <a:off x="8590663" y="6041362"/>
+            <a:ext cx="683339" cy="365125"/>
+          </a:xfrm>
+        </p:spPr>
+        <p:txBody>
+          <a:bodyPr/>
+          <a:lstStyle/>
+          <a:p>
+            <a:pPr marL="0" marR="0" lvl="0" indent="0" algn="r" defTabSz="457200" rtl="0" eaLnBrk="1" fontAlgn="auto" latinLnBrk="0" hangingPunct="1">
+              <a:lnSpc>
+                <a:spcPct val="100000"/>
+              </a:lnSpc>
+              <a:spcBef>
+                <a:spcPts val="0"/>
+              </a:spcBef>
+              <a:spcAft>
+                <a:spcPts val="0"/>
+              </a:spcAft>
+              <a:buClrTx/>
+              <a:buSzTx/>
+              <a:buFontTx/>
+              <a:buNone/>
+              <a:tabLst/>
+              <a:defRPr/>
+            </a:pPr>
+            <a:fld id="{6D22F896-40B5-4ADD-8801-0D06FADFA095}" type="slidenum">
+              <a:rPr kumimoji="0" lang="en-US" sz="900" b="0" i="0" u="none" strike="noStrike" kern="1200" cap="none" spc="0" normalizeH="0" baseline="0" noProof="0" smtClean="0">
+                <a:ln>
+                  <a:noFill/>
+                </a:ln>
+                <a:solidFill>
+                  <a:srgbClr val="90C226"/>
+                </a:solidFill>
+                <a:effectLst/>
+                <a:uLnTx/>
+                <a:uFillTx/>
+                <a:latin typeface="Trebuchet MS" panose="020B0603020202020204"/>
+                <a:ea typeface="+mn-ea"/>
+                <a:cs typeface="+mn-cs"/>
+              </a:rPr>
+              <a:pPr marL="0" marR="0" lvl="0" indent="0" algn="r" defTabSz="457200" rtl="0" eaLnBrk="1" fontAlgn="auto" latinLnBrk="0" hangingPunct="1">
+                <a:lnSpc>
+                  <a:spcPct val="100000"/>
+                </a:lnSpc>
+                <a:spcBef>
+                  <a:spcPts val="0"/>
+                </a:spcBef>
+                <a:spcAft>
+                  <a:spcPts val="0"/>
+                </a:spcAft>
+                <a:buClrTx/>
+                <a:buSzTx/>
+                <a:buFontTx/>
+                <a:buNone/>
+                <a:tabLst/>
+                <a:defRPr/>
+              </a:pPr>
+              <a:t>14</a:t>
+            </a:fld>
+            <a:endParaRPr kumimoji="0" lang="en-US" sz="900" b="0" i="0" u="none" strike="noStrike" kern="1200" cap="none" spc="0" normalizeH="0" baseline="0" noProof="0" dirty="0">
+              <a:ln>
+                <a:noFill/>
+              </a:ln>
+              <a:solidFill>
+                <a:srgbClr val="90C226"/>
+              </a:solidFill>
+              <a:effectLst/>
+              <a:uLnTx/>
+              <a:uFillTx/>
+              <a:latin typeface="Trebuchet MS" panose="020B0603020202020204"/>
+              <a:ea typeface="+mn-ea"/>
+              <a:cs typeface="+mn-cs"/>
+            </a:endParaRPr>
+          </a:p>
+        </p:txBody>
+      </p:sp>
+    </p:spTree>
+    <p:extLst>
+      <p:ext uri="{BB962C8B-B14F-4D97-AF65-F5344CB8AC3E}">
         <p14:creationId xmlns:p14="http://schemas.microsoft.com/office/powerpoint/2010/main" val="3743731078"/>
       </p:ext>
     </p:extLst>
@@ -9820,14 +12838,19 @@
             <p:ph type="dt" sz="half" idx="10"/>
           </p:nvPr>
         </p:nvSpPr>
-        <p:spPr/>
+        <p:spPr>
+          <a:xfrm>
+            <a:off x="7205133" y="6041362"/>
+            <a:ext cx="911939" cy="365125"/>
+          </a:xfrm>
+        </p:spPr>
         <p:txBody>
           <a:bodyPr/>
           <a:lstStyle/>
           <a:p>
             <a:fld id="{A7119916-CD40-456D-ABE3-55F8822671F7}" type="datetime1">
               <a:rPr lang="en-US" smtClean="0"/>
-              <a:t>2/26/2022</a:t>
+              <a:t>7/3/2022</a:t>
             </a:fld>
             <a:endParaRPr lang="en-US" dirty="0"/>
           </a:p>
@@ -9849,7 +12872,12 @@
             <p:ph type="ftr" sz="quarter" idx="11"/>
           </p:nvPr>
         </p:nvSpPr>
-        <p:spPr/>
+        <p:spPr>
+          <a:xfrm>
+            <a:off x="677334" y="6041362"/>
+            <a:ext cx="6297612" cy="365125"/>
+          </a:xfrm>
+        </p:spPr>
         <p:txBody>
           <a:bodyPr/>
           <a:lstStyle/>
@@ -9878,7 +12906,12 @@
             <p:ph type="sldNum" sz="quarter" idx="12"/>
           </p:nvPr>
         </p:nvSpPr>
-        <p:spPr/>
+        <p:spPr>
+          <a:xfrm>
+            <a:off x="8590663" y="6041362"/>
+            <a:ext cx="683339" cy="365125"/>
+          </a:xfrm>
+        </p:spPr>
         <p:txBody>
           <a:bodyPr/>
           <a:lstStyle/>
@@ -10087,7 +13120,12 @@
             <p:ph type="dt" sz="half" idx="10"/>
           </p:nvPr>
         </p:nvSpPr>
-        <p:spPr/>
+        <p:spPr>
+          <a:xfrm>
+            <a:off x="7205133" y="6041362"/>
+            <a:ext cx="911939" cy="365125"/>
+          </a:xfrm>
+        </p:spPr>
         <p:txBody>
           <a:bodyPr/>
           <a:lstStyle/>
@@ -10143,7 +13181,7 @@
                 <a:tabLst/>
                 <a:defRPr/>
               </a:pPr>
-              <a:t>2/26/2022</a:t>
+              <a:t>7/3/2022</a:t>
             </a:fld>
             <a:endParaRPr kumimoji="0" lang="en-US" sz="900" b="0" i="0" u="none" strike="noStrike" kern="1200" cap="none" spc="0" normalizeH="0" baseline="0" noProof="0" dirty="0">
               <a:ln>
@@ -10180,7 +13218,12 @@
             <p:ph type="ftr" sz="quarter" idx="11"/>
           </p:nvPr>
         </p:nvSpPr>
-        <p:spPr/>
+        <p:spPr>
+          <a:xfrm>
+            <a:off x="677334" y="6041362"/>
+            <a:ext cx="6297612" cy="365125"/>
+          </a:xfrm>
+        </p:spPr>
         <p:txBody>
           <a:bodyPr/>
           <a:lstStyle/>
@@ -10240,7 +13283,12 @@
             <p:ph type="sldNum" sz="quarter" idx="12"/>
           </p:nvPr>
         </p:nvSpPr>
-        <p:spPr/>
+        <p:spPr>
+          <a:xfrm>
+            <a:off x="8590663" y="6041362"/>
+            <a:ext cx="683339" cy="365125"/>
+          </a:xfrm>
+        </p:spPr>
         <p:txBody>
           <a:bodyPr/>
           <a:lstStyle/>
@@ -10609,7 +13657,12 @@
             <p:ph type="dt" sz="half" idx="10"/>
           </p:nvPr>
         </p:nvSpPr>
-        <p:spPr/>
+        <p:spPr>
+          <a:xfrm>
+            <a:off x="7205133" y="6041362"/>
+            <a:ext cx="911939" cy="365125"/>
+          </a:xfrm>
+        </p:spPr>
         <p:txBody>
           <a:bodyPr/>
           <a:lstStyle/>
@@ -10665,7 +13718,7 @@
                 <a:tabLst/>
                 <a:defRPr/>
               </a:pPr>
-              <a:t>2/26/2022</a:t>
+              <a:t>7/3/2022</a:t>
             </a:fld>
             <a:endParaRPr kumimoji="0" lang="en-US" sz="900" b="0" i="0" u="none" strike="noStrike" kern="1200" cap="none" spc="0" normalizeH="0" baseline="0" noProof="0" dirty="0">
               <a:ln>
@@ -10702,7 +13755,12 @@
             <p:ph type="ftr" sz="quarter" idx="11"/>
           </p:nvPr>
         </p:nvSpPr>
-        <p:spPr/>
+        <p:spPr>
+          <a:xfrm>
+            <a:off x="677334" y="6041362"/>
+            <a:ext cx="6297612" cy="365125"/>
+          </a:xfrm>
+        </p:spPr>
         <p:txBody>
           <a:bodyPr/>
           <a:lstStyle/>
@@ -10762,7 +13820,12 @@
             <p:ph type="sldNum" sz="quarter" idx="12"/>
           </p:nvPr>
         </p:nvSpPr>
-        <p:spPr/>
+        <p:spPr>
+          <a:xfrm>
+            <a:off x="8590663" y="6041362"/>
+            <a:ext cx="683339" cy="365125"/>
+          </a:xfrm>
+        </p:spPr>
         <p:txBody>
           <a:bodyPr/>
           <a:lstStyle/>
@@ -10902,10 +13965,10 @@
           <a:p>
             <a:r>
               <a:rPr lang="en-US" dirty="0"/>
-              <a:t>Functions </a:t>
-            </a:r>
-            <a:r>
-              <a:rPr kumimoji="0" lang="en-US" sz="2400" b="0" i="0" u="none" strike="noStrike" kern="1200" cap="none" spc="0" normalizeH="0" baseline="0" noProof="0" dirty="0">
+              <a:t>Functions - </a:t>
+            </a:r>
+            <a:r>
+              <a:rPr kumimoji="0" lang="en-US" sz="3200" b="0" i="0" u="none" strike="noStrike" kern="1200" cap="none" spc="0" normalizeH="0" baseline="0" noProof="0" dirty="0">
                 <a:ln>
                   <a:noFill/>
                 </a:ln>
@@ -10919,26 +13982,9 @@
                 <a:ea typeface="+mj-ea"/>
                 <a:cs typeface="+mj-cs"/>
               </a:rPr>
-              <a:t>(as well as other stuff)</a:t>
-            </a:r>
-            <a:r>
-              <a:rPr kumimoji="0" lang="en-US" b="0" i="0" u="none" strike="noStrike" kern="1200" cap="none" spc="0" normalizeH="0" baseline="0" noProof="0" dirty="0">
-                <a:ln>
-                  <a:noFill/>
-                </a:ln>
-                <a:solidFill>
-                  <a:srgbClr val="90C226"/>
-                </a:solidFill>
-                <a:effectLst/>
-                <a:uLnTx/>
-                <a:uFillTx/>
-                <a:latin typeface="Trebuchet MS" panose="020B0603020202020204"/>
-                <a:ea typeface="+mj-ea"/>
-                <a:cs typeface="+mj-cs"/>
-              </a:rPr>
-              <a:t> Help / Info</a:t>
-            </a:r>
-            <a:endParaRPr lang="en-US" dirty="0"/>
+              <a:t>a Simple path illustrating use</a:t>
+            </a:r>
+            <a:endParaRPr lang="en-US" sz="3200" dirty="0"/>
           </a:p>
         </p:txBody>
       </p:sp>
@@ -10961,100 +14007,74 @@
         <p:spPr/>
         <p:txBody>
           <a:bodyPr>
-            <a:normAutofit fontScale="92500" lnSpcReduction="20000"/>
+            <a:normAutofit/>
           </a:bodyPr>
           <a:lstStyle/>
           <a:p>
-            <a:pPr marL="800100" lvl="2" indent="0">
-              <a:buNone/>
-            </a:pPr>
+            <a:pPr marL="1257300" lvl="2" indent="-457200"/>
             <a:r>
               <a:rPr lang="en-US" sz="3000" dirty="0">
+                <a:solidFill>
+                  <a:schemeClr val="accent1"/>
+                </a:solidFill>
                 <a:latin typeface="+mj-lt"/>
                 <a:cs typeface="Courier New" panose="02070309020205020404" pitchFamily="49" charset="0"/>
               </a:rPr>
-              <a:t>IDLE-&gt;Help-&gt;Python Docs(F1)</a:t>
-            </a:r>
-          </a:p>
-          <a:p>
-            <a:pPr marL="1714500" lvl="3" indent="-457200"/>
-            <a:r>
-              <a:rPr lang="en-US" sz="2800" dirty="0">
+              <a:t>Friends (names) – provide list with tools</a:t>
+            </a:r>
+          </a:p>
+          <a:p>
+            <a:pPr marL="1257300" lvl="2" indent="-457200"/>
+            <a:r>
+              <a:rPr lang="en-US" sz="3000" dirty="0">
+                <a:solidFill>
+                  <a:schemeClr val="accent1"/>
+                </a:solidFill>
                 <a:latin typeface="+mj-lt"/>
                 <a:cs typeface="Courier New" panose="02070309020205020404" pitchFamily="49" charset="0"/>
               </a:rPr>
-              <a:t>       Python Tutorial:</a:t>
-            </a:r>
-          </a:p>
-          <a:p>
-            <a:pPr marL="1714500" lvl="4" indent="0">
-              <a:buNone/>
-            </a:pPr>
-            <a:r>
-              <a:rPr lang="en-US" sz="2800" dirty="0">
+              <a:t>What tools?</a:t>
+            </a:r>
+          </a:p>
+          <a:p>
+            <a:pPr marL="1257300" lvl="2" indent="-457200"/>
+            <a:r>
+              <a:rPr lang="en-US" sz="3000" dirty="0">
+                <a:solidFill>
+                  <a:schemeClr val="accent1"/>
+                </a:solidFill>
                 <a:latin typeface="+mj-lt"/>
                 <a:cs typeface="Courier New" panose="02070309020205020404" pitchFamily="49" charset="0"/>
               </a:rPr>
-              <a:t>           4.6. Defining Functions</a:t>
-            </a:r>
-          </a:p>
-          <a:p>
-            <a:pPr marL="1714500" lvl="4" indent="0">
+              <a:t>Storage - what's available?</a:t>
+            </a:r>
+          </a:p>
+          <a:p>
+            <a:pPr marL="800100" lvl="2" indent="0">
               <a:buNone/>
             </a:pPr>
-            <a:r>
-              <a:rPr lang="en-US" sz="2800" dirty="0">
-                <a:latin typeface="+mj-lt"/>
-                <a:cs typeface="Courier New" panose="02070309020205020404" pitchFamily="49" charset="0"/>
-              </a:rPr>
-              <a:t>           4.7. More on Defining Functions</a:t>
-            </a:r>
-          </a:p>
-          <a:p>
-            <a:pPr marL="1714500" lvl="4" indent="0">
-              <a:buNone/>
-            </a:pPr>
-            <a:r>
-              <a:rPr lang="en-US" sz="2800" dirty="0">
-                <a:latin typeface="+mj-lt"/>
-                <a:cs typeface="Courier New" panose="02070309020205020404" pitchFamily="49" charset="0"/>
-              </a:rPr>
-              <a:t>           4.7.2. Keyword Arguments</a:t>
-            </a:r>
-          </a:p>
-          <a:p>
-            <a:pPr marL="1714500" lvl="3" indent="-457200"/>
-            <a:r>
-              <a:rPr lang="en-US" sz="2800" dirty="0">
-                <a:latin typeface="+mj-lt"/>
-                <a:cs typeface="Courier New" panose="02070309020205020404" pitchFamily="49" charset="0"/>
-              </a:rPr>
-              <a:t>       The Python Language Reference</a:t>
-            </a:r>
-          </a:p>
-          <a:p>
-            <a:pPr marL="1257300" lvl="2" indent="-457200"/>
             <a:endParaRPr lang="en-US" sz="3000" dirty="0">
+              <a:solidFill>
+                <a:schemeClr val="accent1"/>
+              </a:solidFill>
               <a:latin typeface="+mj-lt"/>
               <a:cs typeface="Courier New" panose="02070309020205020404" pitchFamily="49" charset="0"/>
             </a:endParaRPr>
           </a:p>
           <a:p>
-            <a:pPr marL="1257300" lvl="2" indent="-457200"/>
+            <a:pPr marL="800100" lvl="2" indent="0">
+              <a:buNone/>
+            </a:pPr>
             <a:r>
               <a:rPr lang="en-US" sz="3000" dirty="0">
+                <a:solidFill>
+                  <a:schemeClr val="accent1"/>
+                </a:solidFill>
                 <a:latin typeface="+mj-lt"/>
                 <a:cs typeface="Courier New" panose="02070309020205020404" pitchFamily="49" charset="0"/>
               </a:rPr>
-              <a:t>  https://www.w3schools.com/python</a:t>
-            </a:r>
-          </a:p>
-          <a:p>
-            <a:pPr marL="1714500" lvl="3" indent="-457200"/>
-            <a:endParaRPr lang="en-US" sz="2800" dirty="0">
-              <a:latin typeface="+mj-lt"/>
-              <a:cs typeface="Courier New" panose="02070309020205020404" pitchFamily="49" charset="0"/>
-            </a:endParaRPr>
+              <a:t>Files available in IntroductionTo…\exercises\functions\friends_family\simple\</a:t>
+            </a:r>
           </a:p>
         </p:txBody>
       </p:sp>
@@ -11074,7 +14094,12 @@
             <p:ph type="dt" sz="half" idx="10"/>
           </p:nvPr>
         </p:nvSpPr>
-        <p:spPr/>
+        <p:spPr>
+          <a:xfrm>
+            <a:off x="7205133" y="6041362"/>
+            <a:ext cx="911939" cy="365125"/>
+          </a:xfrm>
+        </p:spPr>
         <p:txBody>
           <a:bodyPr/>
           <a:lstStyle/>
@@ -11130,7 +14155,7 @@
                 <a:tabLst/>
                 <a:defRPr/>
               </a:pPr>
-              <a:t>2/26/2022</a:t>
+              <a:t>7/3/2022</a:t>
             </a:fld>
             <a:endParaRPr kumimoji="0" lang="en-US" sz="900" b="0" i="0" u="none" strike="noStrike" kern="1200" cap="none" spc="0" normalizeH="0" baseline="0" noProof="0" dirty="0">
               <a:ln>
@@ -11167,7 +14192,12 @@
             <p:ph type="ftr" sz="quarter" idx="11"/>
           </p:nvPr>
         </p:nvSpPr>
-        <p:spPr/>
+        <p:spPr>
+          <a:xfrm>
+            <a:off x="677334" y="6041362"/>
+            <a:ext cx="6297612" cy="365125"/>
+          </a:xfrm>
+        </p:spPr>
         <p:txBody>
           <a:bodyPr/>
           <a:lstStyle/>
@@ -11227,7 +14257,12 @@
             <p:ph type="sldNum" sz="quarter" idx="12"/>
           </p:nvPr>
         </p:nvSpPr>
-        <p:spPr/>
+        <p:spPr>
+          <a:xfrm>
+            <a:off x="8590663" y="6041362"/>
+            <a:ext cx="683339" cy="365125"/>
+          </a:xfrm>
+        </p:spPr>
         <p:txBody>
           <a:bodyPr/>
           <a:lstStyle/>
@@ -11360,13 +14395,33 @@
         </p:nvSpPr>
         <p:spPr/>
         <p:txBody>
-          <a:bodyPr/>
+          <a:bodyPr>
+            <a:normAutofit/>
+          </a:bodyPr>
           <a:lstStyle/>
           <a:p>
             <a:r>
               <a:rPr lang="en-US" dirty="0"/>
-              <a:t>Strings - Like a lists of characters - ALMOST</a:t>
-            </a:r>
+              <a:t>Functions - </a:t>
+            </a:r>
+            <a:r>
+              <a:rPr kumimoji="0" lang="en-US" sz="3200" b="0" i="0" u="none" strike="noStrike" kern="1200" cap="none" spc="0" normalizeH="0" baseline="0" noProof="0" dirty="0">
+                <a:ln>
+                  <a:noFill/>
+                </a:ln>
+                <a:solidFill>
+                  <a:srgbClr val="90C226"/>
+                </a:solidFill>
+                <a:effectLst/>
+                <a:uLnTx/>
+                <a:uFillTx/>
+                <a:latin typeface="Trebuchet MS" panose="020B0603020202020204"/>
+                <a:ea typeface="+mj-ea"/>
+                <a:cs typeface="+mj-cs"/>
+              </a:rPr>
+              <a:t>a Simple path to modules</a:t>
+            </a:r>
+            <a:endParaRPr lang="en-US" sz="3200" dirty="0"/>
           </a:p>
         </p:txBody>
       </p:sp>
@@ -11389,80 +14444,128 @@
         <p:spPr/>
         <p:txBody>
           <a:bodyPr>
-            <a:noAutofit/>
+            <a:normAutofit lnSpcReduction="10000"/>
           </a:bodyPr>
           <a:lstStyle/>
           <a:p>
-            <a:pPr marL="1257300" lvl="2" indent="-457200"/>
-            <a:r>
-              <a:rPr lang="en-US" sz="3600" dirty="0"/>
-              <a:t>Assigned as a group, not via index</a:t>
-            </a:r>
-          </a:p>
-          <a:p>
-            <a:pPr marL="1257300" lvl="3" indent="0">
-              <a:buNone/>
+            <a:pPr marL="1314450" lvl="2" indent="-514350">
+              <a:buFont typeface="+mj-lt"/>
+              <a:buAutoNum type="alphaLcPeriod"/>
             </a:pPr>
             <a:r>
-              <a:rPr lang="en-US" sz="3200" dirty="0">
-                <a:latin typeface="Courier New" panose="02070309020205020404" pitchFamily="49" charset="0"/>
+              <a:rPr lang="en-US" sz="3000" dirty="0">
+                <a:solidFill>
+                  <a:schemeClr val="accent1"/>
+                </a:solidFill>
+                <a:latin typeface="+mj-lt"/>
                 <a:cs typeface="Courier New" panose="02070309020205020404" pitchFamily="49" charset="0"/>
               </a:rPr>
-              <a:t>str_name = "abcdef"</a:t>
-            </a:r>
-          </a:p>
-          <a:p>
-            <a:pPr marL="1257300" lvl="3" indent="0">
-              <a:buNone/>
+              <a:t>Name storage – just a list</a:t>
+            </a:r>
+          </a:p>
+          <a:p>
+            <a:pPr marL="1314450" lvl="2" indent="-514350">
+              <a:buFont typeface="+mj-lt"/>
+              <a:buAutoNum type="alphaLcPeriod"/>
             </a:pPr>
             <a:r>
-              <a:rPr lang="en-US" sz="3200" b="1" dirty="0">
-                <a:solidFill>
-                  <a:srgbClr val="C00000"/>
-                </a:solidFill>
-                <a:latin typeface="Courier New" panose="02070309020205020404" pitchFamily="49" charset="0"/>
+              <a:rPr lang="en-US" sz="3000" dirty="0">
+                <a:solidFill>
+                  <a:schemeClr val="accent1"/>
+                </a:solidFill>
+                <a:latin typeface="+mj-lt"/>
                 <a:cs typeface="Courier New" panose="02070309020205020404" pitchFamily="49" charset="0"/>
               </a:rPr>
-              <a:t>NOT</a:t>
-            </a:r>
-            <a:r>
-              <a:rPr lang="en-US" sz="3200" dirty="0">
-                <a:latin typeface="Courier New" panose="02070309020205020404" pitchFamily="49" charset="0"/>
+              <a:t>Simple access –adding, listing</a:t>
+            </a:r>
+          </a:p>
+          <a:p>
+            <a:pPr marL="1314450" lvl="2" indent="-514350">
+              <a:buFont typeface="+mj-lt"/>
+              <a:buAutoNum type="alphaLcPeriod"/>
+            </a:pPr>
+            <a:r>
+              <a:rPr lang="en-US" sz="3000" dirty="0">
+                <a:solidFill>
+                  <a:schemeClr val="accent1"/>
+                </a:solidFill>
+                <a:latin typeface="+mj-lt"/>
                 <a:cs typeface="Courier New" panose="02070309020205020404" pitchFamily="49" charset="0"/>
               </a:rPr>
-              <a:t> str_name[0] = "a"</a:t>
-            </a:r>
-          </a:p>
-          <a:p>
-            <a:pPr marL="1257300" lvl="2" indent="-457200"/>
-            <a:r>
-              <a:rPr lang="en-US" sz="3600" dirty="0"/>
-              <a:t>Can be Accessed by index</a:t>
-            </a:r>
-          </a:p>
-          <a:p>
-            <a:pPr marL="1257300" lvl="3" indent="0">
-              <a:buNone/>
+              <a:t>A simple listing function</a:t>
+            </a:r>
+          </a:p>
+          <a:p>
+            <a:pPr marL="1314450" lvl="2" indent="-514350">
+              <a:buFont typeface="+mj-lt"/>
+              <a:buAutoNum type="alphaLcPeriod"/>
             </a:pPr>
             <a:r>
-              <a:rPr lang="en-US" sz="3200" dirty="0">
-                <a:latin typeface="Courier New" panose="02070309020205020404" pitchFamily="49" charset="0"/>
+              <a:rPr lang="en-US" sz="3000" dirty="0">
+                <a:solidFill>
+                  <a:schemeClr val="accent1"/>
+                </a:solidFill>
+                <a:latin typeface="+mj-lt"/>
                 <a:cs typeface="Courier New" panose="02070309020205020404" pitchFamily="49" charset="0"/>
               </a:rPr>
-              <a:t>if str_name[1] == "b":</a:t>
-            </a:r>
-          </a:p>
-          <a:p>
-            <a:pPr marL="1257300" lvl="3" indent="0">
-              <a:buNone/>
+              <a:t>A place/file/module to hold the friends function(s)</a:t>
+            </a:r>
+          </a:p>
+          <a:p>
+            <a:pPr marL="1314450" lvl="2" indent="-514350">
+              <a:buFont typeface="+mj-lt"/>
+              <a:buAutoNum type="alphaLcPeriod"/>
             </a:pPr>
             <a:r>
-              <a:rPr lang="en-US" sz="3200" dirty="0">
-                <a:latin typeface="Courier New" panose="02070309020205020404" pitchFamily="49" charset="0"/>
+              <a:rPr lang="en-US" sz="3000" dirty="0">
+                <a:solidFill>
+                  <a:schemeClr val="accent1"/>
+                </a:solidFill>
+                <a:latin typeface="+mj-lt"/>
                 <a:cs typeface="Courier New" panose="02070309020205020404" pitchFamily="49" charset="0"/>
               </a:rPr>
-              <a:t>		print("Yep it’s the second character")</a:t>
-            </a:r>
+              <a:t>Testing the module</a:t>
+            </a:r>
+          </a:p>
+          <a:p>
+            <a:pPr marL="800100" lvl="2" indent="0">
+              <a:buNone/>
+            </a:pPr>
+            <a:r>
+              <a:rPr lang="en-US" sz="3000" dirty="0">
+                <a:solidFill>
+                  <a:schemeClr val="accent1"/>
+                </a:solidFill>
+                <a:latin typeface="+mj-lt"/>
+                <a:cs typeface="Courier New" panose="02070309020205020404" pitchFamily="49" charset="0"/>
+              </a:rPr>
+              <a:t>Testing the module – with a shortened name</a:t>
+            </a:r>
+          </a:p>
+          <a:p>
+            <a:pPr marL="800100" lvl="2" indent="0">
+              <a:buNone/>
+            </a:pPr>
+            <a:endParaRPr lang="en-US" sz="3000" dirty="0">
+              <a:solidFill>
+                <a:schemeClr val="accent1"/>
+              </a:solidFill>
+              <a:latin typeface="+mj-lt"/>
+              <a:cs typeface="Courier New" panose="02070309020205020404" pitchFamily="49" charset="0"/>
+            </a:endParaRPr>
+          </a:p>
+          <a:p>
+            <a:pPr marL="1314450" lvl="2" indent="-514350">
+              <a:buFont typeface="+mj-lt"/>
+              <a:buAutoNum type="alphaLcPeriod"/>
+            </a:pPr>
+            <a:endParaRPr lang="en-US" sz="3000" dirty="0">
+              <a:solidFill>
+                <a:schemeClr val="accent1"/>
+              </a:solidFill>
+              <a:latin typeface="+mj-lt"/>
+              <a:cs typeface="Courier New" panose="02070309020205020404" pitchFamily="49" charset="0"/>
+            </a:endParaRPr>
           </a:p>
         </p:txBody>
       </p:sp>
@@ -11482,7 +14585,12 @@
             <p:ph type="dt" sz="half" idx="10"/>
           </p:nvPr>
         </p:nvSpPr>
-        <p:spPr/>
+        <p:spPr>
+          <a:xfrm>
+            <a:off x="7205133" y="6041362"/>
+            <a:ext cx="911939" cy="365125"/>
+          </a:xfrm>
+        </p:spPr>
         <p:txBody>
           <a:bodyPr/>
           <a:lstStyle/>
@@ -11538,7 +14646,7 @@
                 <a:tabLst/>
                 <a:defRPr/>
               </a:pPr>
-              <a:t>2/26/2022</a:t>
+              <a:t>7/3/2022</a:t>
             </a:fld>
             <a:endParaRPr kumimoji="0" lang="en-US" sz="900" b="0" i="0" u="none" strike="noStrike" kern="1200" cap="none" spc="0" normalizeH="0" baseline="0" noProof="0" dirty="0">
               <a:ln>
@@ -11575,7 +14683,12 @@
             <p:ph type="ftr" sz="quarter" idx="11"/>
           </p:nvPr>
         </p:nvSpPr>
-        <p:spPr/>
+        <p:spPr>
+          <a:xfrm>
+            <a:off x="677334" y="6041362"/>
+            <a:ext cx="6297612" cy="365125"/>
+          </a:xfrm>
+        </p:spPr>
         <p:txBody>
           <a:bodyPr/>
           <a:lstStyle/>
@@ -11635,7 +14748,12 @@
             <p:ph type="sldNum" sz="quarter" idx="12"/>
           </p:nvPr>
         </p:nvSpPr>
-        <p:spPr/>
+        <p:spPr>
+          <a:xfrm>
+            <a:off x="8590663" y="6041362"/>
+            <a:ext cx="683339" cy="365125"/>
+          </a:xfrm>
+        </p:spPr>
         <p:txBody>
           <a:bodyPr/>
           <a:lstStyle/>
@@ -11711,20 +14829,20 @@
     </p:spTree>
     <p:extLst>
       <p:ext uri="{BB962C8B-B14F-4D97-AF65-F5344CB8AC3E}">
-        <p14:creationId xmlns:p14="http://schemas.microsoft.com/office/powerpoint/2010/main" val="554796067"/>
+        <p14:creationId xmlns:p14="http://schemas.microsoft.com/office/powerpoint/2010/main" val="3620955622"/>
       </p:ext>
     </p:extLst>
   </p:cSld>
   <p:clrMapOvr>
     <a:masterClrMapping/>
   </p:clrMapOvr>
-  <mc:AlternateContent xmlns:mc="http://schemas.openxmlformats.org/markup-compatibility/2006" xmlns:p14="http://schemas.microsoft.com/office/powerpoint/2010/main">
-    <mc:Choice Requires="p14">
+  <mc:AlternateContent xmlns:mc="http://schemas.openxmlformats.org/markup-compatibility/2006">
+    <mc:Choice xmlns:p14="http://schemas.microsoft.com/office/powerpoint/2010/main" Requires="p14">
       <p:transition spd="med" p14:dur="700">
         <p:fade/>
       </p:transition>
     </mc:Choice>
-    <mc:Fallback xmlns="">
+    <mc:Fallback>
       <p:transition spd="med">
         <p:fade/>
       </p:transition>
@@ -11768,13 +14886,33 @@
         </p:nvSpPr>
         <p:spPr/>
         <p:txBody>
-          <a:bodyPr/>
+          <a:bodyPr>
+            <a:normAutofit/>
+          </a:bodyPr>
           <a:lstStyle/>
           <a:p>
             <a:r>
               <a:rPr lang="en-US" dirty="0"/>
-              <a:t>Strings - continued</a:t>
-            </a:r>
+              <a:t>Functions – </a:t>
+            </a:r>
+            <a:r>
+              <a:rPr kumimoji="0" lang="en-US" sz="3200" b="0" i="0" u="none" strike="noStrike" kern="1200" cap="none" spc="0" normalizeH="0" baseline="0" noProof="0" dirty="0">
+                <a:ln>
+                  <a:noFill/>
+                </a:ln>
+                <a:solidFill>
+                  <a:srgbClr val="90C226"/>
+                </a:solidFill>
+                <a:effectLst/>
+                <a:uLnTx/>
+                <a:uFillTx/>
+                <a:latin typeface="Trebuchet MS" panose="020B0603020202020204"/>
+                <a:ea typeface="+mj-ea"/>
+                <a:cs typeface="+mj-cs"/>
+              </a:rPr>
+              <a:t>continued path to modules</a:t>
+            </a:r>
+            <a:endParaRPr lang="en-US" sz="3200" dirty="0"/>
           </a:p>
         </p:txBody>
       </p:sp>
@@ -11797,267 +14935,104 @@
         <p:spPr/>
         <p:txBody>
           <a:bodyPr>
-            <a:noAutofit/>
+            <a:normAutofit/>
           </a:bodyPr>
           <a:lstStyle/>
           <a:p>
-            <a:pPr marL="1257300" lvl="2" indent="-457200"/>
-            <a:r>
-              <a:rPr lang="en-US" sz="3600" dirty="0">
+            <a:pPr marL="800100" lvl="2" indent="0">
+              <a:buNone/>
+            </a:pPr>
+            <a:r>
+              <a:rPr lang="en-US" sz="3000" dirty="0">
+                <a:solidFill>
+                  <a:schemeClr val="accent1"/>
+                </a:solidFill>
+                <a:latin typeface="+mj-lt"/>
                 <a:cs typeface="Courier New" panose="02070309020205020404" pitchFamily="49" charset="0"/>
               </a:rPr>
-              <a:t>Strings </a:t>
-            </a:r>
-            <a:r>
-              <a:rPr lang="en-US" sz="3600" b="1" dirty="0">
-                <a:solidFill>
-                  <a:srgbClr val="C00000"/>
-                </a:solidFill>
+              <a:t>f. Expand friends module</a:t>
+            </a:r>
+          </a:p>
+          <a:p>
+            <a:pPr marL="1771650" lvl="3" indent="-514350">
+              <a:buFont typeface="Wingdings" panose="05000000000000000000" pitchFamily="2" charset="2"/>
+              <a:buChar char="§"/>
+            </a:pPr>
+            <a:r>
+              <a:rPr lang="en-US" sz="2800" dirty="0">
+                <a:solidFill>
+                  <a:schemeClr val="accent1"/>
+                </a:solidFill>
+                <a:latin typeface="+mj-lt"/>
                 <a:cs typeface="Courier New" panose="02070309020205020404" pitchFamily="49" charset="0"/>
               </a:rPr>
-              <a:t>can't</a:t>
-            </a:r>
-            <a:r>
-              <a:rPr lang="en-US" sz="3600" dirty="0">
+              <a:t>hide  direct external access to storage</a:t>
+            </a:r>
+          </a:p>
+          <a:p>
+            <a:pPr marL="800100" lvl="2" indent="0">
+              <a:buNone/>
+            </a:pPr>
+            <a:r>
+              <a:rPr lang="en-US" sz="3000" dirty="0">
+                <a:solidFill>
+                  <a:schemeClr val="accent1"/>
+                </a:solidFill>
+                <a:latin typeface="+mj-lt"/>
                 <a:cs typeface="Courier New" panose="02070309020205020404" pitchFamily="49" charset="0"/>
               </a:rPr>
-              <a:t> be changed in place (immutable)</a:t>
-            </a:r>
-          </a:p>
-          <a:p>
-            <a:pPr marL="1257300" lvl="2" indent="-457200"/>
-            <a:r>
-              <a:rPr lang="en-US" sz="3600" dirty="0">
-                <a:cs typeface="Courier New" panose="02070309020205020404" pitchFamily="49" charset="0"/>
-              </a:rPr>
-              <a:t>But </a:t>
-            </a:r>
-            <a:r>
-              <a:rPr lang="en-US" sz="3600" b="1" dirty="0">
-                <a:cs typeface="Courier New" panose="02070309020205020404" pitchFamily="49" charset="0"/>
-              </a:rPr>
-              <a:t>+=</a:t>
-            </a:r>
-            <a:r>
-              <a:rPr lang="en-US" sz="3600" dirty="0">
-                <a:cs typeface="Courier New" panose="02070309020205020404" pitchFamily="49" charset="0"/>
-              </a:rPr>
-              <a:t> works</a:t>
-            </a:r>
-          </a:p>
-          <a:p>
-            <a:pPr marL="1257300" lvl="3" indent="0">
-              <a:buNone/>
+              <a:t>g. Use expanded friends  module</a:t>
+            </a:r>
+          </a:p>
+          <a:p>
+            <a:pPr marL="1314450" lvl="2" indent="-514350">
+              <a:buFont typeface="Wingdings" panose="05000000000000000000" pitchFamily="2" charset="2"/>
+              <a:buChar char="§"/>
             </a:pPr>
-            <a:r>
-              <a:rPr lang="en-US" sz="3400" dirty="0">
-                <a:latin typeface="Courier New" panose="02070309020205020404" pitchFamily="49" charset="0"/>
-                <a:cs typeface="Courier New" panose="02070309020205020404" pitchFamily="49" charset="0"/>
-              </a:rPr>
-              <a:t>name </a:t>
-            </a:r>
-            <a:r>
-              <a:rPr lang="en-US" sz="3400" b="1" dirty="0">
-                <a:latin typeface="Courier New" panose="02070309020205020404" pitchFamily="49" charset="0"/>
-                <a:cs typeface="Courier New" panose="02070309020205020404" pitchFamily="49" charset="0"/>
-              </a:rPr>
-              <a:t>+=</a:t>
-            </a:r>
-            <a:r>
-              <a:rPr lang="en-US" sz="3400" dirty="0">
-                <a:latin typeface="Courier New" panose="02070309020205020404" pitchFamily="49" charset="0"/>
-                <a:cs typeface="Courier New" panose="02070309020205020404" pitchFamily="49" charset="0"/>
-              </a:rPr>
-              <a:t> last_name</a:t>
-            </a:r>
-          </a:p>
-          <a:p>
-            <a:pPr marL="800100" lvl="2" indent="0">
-              <a:buNone/>
-            </a:pPr>
-            <a:r>
-              <a:rPr lang="en-US" sz="3600" dirty="0">
-                <a:solidFill>
-                  <a:schemeClr val="tx1"/>
-                </a:solidFill>
-                <a:cs typeface="Courier New" panose="02070309020205020404" pitchFamily="49" charset="0"/>
-              </a:rPr>
-              <a:t>Because x </a:t>
-            </a:r>
-            <a:r>
-              <a:rPr lang="en-US" sz="3600" b="1" dirty="0">
-                <a:solidFill>
-                  <a:schemeClr val="tx1"/>
-                </a:solidFill>
-                <a:cs typeface="Courier New" panose="02070309020205020404" pitchFamily="49" charset="0"/>
-              </a:rPr>
-              <a:t>+= </a:t>
-            </a:r>
-            <a:r>
-              <a:rPr lang="en-US" sz="3600" i="1" dirty="0">
-                <a:solidFill>
-                  <a:schemeClr val="tx1"/>
-                </a:solidFill>
-                <a:cs typeface="Courier New" panose="02070309020205020404" pitchFamily="49" charset="0"/>
-              </a:rPr>
-              <a:t>y</a:t>
-            </a:r>
-            <a:r>
-              <a:rPr lang="en-US" sz="3600" dirty="0">
-                <a:solidFill>
-                  <a:schemeClr val="tx1"/>
-                </a:solidFill>
-                <a:cs typeface="Courier New" panose="02070309020205020404" pitchFamily="49" charset="0"/>
-              </a:rPr>
-              <a:t> defined</a:t>
-            </a:r>
-            <a:r>
-              <a:rPr lang="en-US" sz="3600" b="1" dirty="0">
-                <a:solidFill>
-                  <a:schemeClr val="accent2"/>
-                </a:solidFill>
-                <a:cs typeface="Courier New" panose="02070309020205020404" pitchFamily="49" charset="0"/>
-              </a:rPr>
-              <a:t> </a:t>
-            </a:r>
-            <a:r>
-              <a:rPr lang="en-US" sz="3600" dirty="0">
-                <a:solidFill>
-                  <a:schemeClr val="tx1"/>
-                </a:solidFill>
-                <a:cs typeface="Courier New" panose="02070309020205020404" pitchFamily="49" charset="0"/>
-              </a:rPr>
-              <a:t>as </a:t>
-            </a:r>
-            <a:r>
-              <a:rPr lang="en-US" sz="3600" i="1" dirty="0">
-                <a:solidFill>
-                  <a:schemeClr val="tx1"/>
-                </a:solidFill>
-                <a:cs typeface="Courier New" panose="02070309020205020404" pitchFamily="49" charset="0"/>
-              </a:rPr>
-              <a:t>x</a:t>
-            </a:r>
-            <a:r>
-              <a:rPr lang="en-US" sz="3600" dirty="0">
-                <a:solidFill>
-                  <a:schemeClr val="tx1"/>
-                </a:solidFill>
-                <a:cs typeface="Courier New" panose="02070309020205020404" pitchFamily="49" charset="0"/>
-              </a:rPr>
-              <a:t> </a:t>
-            </a:r>
-            <a:r>
-              <a:rPr lang="en-US" sz="3600" b="1" dirty="0">
-                <a:solidFill>
-                  <a:schemeClr val="tx1"/>
-                </a:solidFill>
-                <a:cs typeface="Courier New" panose="02070309020205020404" pitchFamily="49" charset="0"/>
-              </a:rPr>
-              <a:t>=</a:t>
-            </a:r>
-            <a:r>
-              <a:rPr lang="en-US" sz="3600" dirty="0">
-                <a:solidFill>
-                  <a:schemeClr val="tx1"/>
-                </a:solidFill>
-                <a:cs typeface="Courier New" panose="02070309020205020404" pitchFamily="49" charset="0"/>
-              </a:rPr>
-              <a:t> </a:t>
-            </a:r>
-            <a:r>
-              <a:rPr lang="en-US" sz="3600" i="1" dirty="0">
-                <a:solidFill>
-                  <a:schemeClr val="tx1"/>
-                </a:solidFill>
-                <a:cs typeface="Courier New" panose="02070309020205020404" pitchFamily="49" charset="0"/>
-              </a:rPr>
-              <a:t>x</a:t>
-            </a:r>
-            <a:r>
-              <a:rPr lang="en-US" sz="3600" dirty="0">
-                <a:solidFill>
-                  <a:schemeClr val="tx1"/>
-                </a:solidFill>
-                <a:cs typeface="Courier New" panose="02070309020205020404" pitchFamily="49" charset="0"/>
-              </a:rPr>
-              <a:t> </a:t>
-            </a:r>
-            <a:r>
-              <a:rPr lang="en-US" sz="3600" b="1" dirty="0">
-                <a:solidFill>
-                  <a:schemeClr val="tx1"/>
-                </a:solidFill>
-                <a:cs typeface="Courier New" panose="02070309020205020404" pitchFamily="49" charset="0"/>
-              </a:rPr>
-              <a:t>+</a:t>
-            </a:r>
-            <a:r>
-              <a:rPr lang="en-US" sz="3600" dirty="0">
-                <a:solidFill>
-                  <a:schemeClr val="tx1"/>
-                </a:solidFill>
-                <a:cs typeface="Courier New" panose="02070309020205020404" pitchFamily="49" charset="0"/>
-              </a:rPr>
-              <a:t> </a:t>
-            </a:r>
-            <a:r>
-              <a:rPr lang="en-US" sz="3600" i="1" dirty="0">
-                <a:solidFill>
-                  <a:schemeClr val="tx1"/>
-                </a:solidFill>
-                <a:cs typeface="Courier New" panose="02070309020205020404" pitchFamily="49" charset="0"/>
-              </a:rPr>
-              <a:t>y</a:t>
-            </a:r>
-            <a:endParaRPr lang="en-US" sz="3600" b="1" dirty="0">
+            <a:endParaRPr lang="en-US" sz="3000" dirty="0">
               <a:solidFill>
-                <a:schemeClr val="tx1"/>
+                <a:schemeClr val="accent1"/>
               </a:solidFill>
+              <a:latin typeface="+mj-lt"/>
               <a:cs typeface="Courier New" panose="02070309020205020404" pitchFamily="49" charset="0"/>
             </a:endParaRPr>
           </a:p>
           <a:p>
-            <a:pPr marL="1257300" lvl="3" indent="0">
-              <a:buNone/>
+            <a:pPr marL="1314450" lvl="2" indent="-514350">
+              <a:buFont typeface="Wingdings" panose="05000000000000000000" pitchFamily="2" charset="2"/>
+              <a:buChar char="§"/>
             </a:pPr>
-            <a:r>
-              <a:rPr lang="en-US" sz="3400" dirty="0">
-                <a:latin typeface="Courier New" panose="02070309020205020404" pitchFamily="49" charset="0"/>
-                <a:cs typeface="Courier New" panose="02070309020205020404" pitchFamily="49" charset="0"/>
-              </a:rPr>
-              <a:t>name </a:t>
-            </a:r>
-            <a:r>
-              <a:rPr lang="en-US" sz="3400" b="1" dirty="0">
-                <a:latin typeface="Courier New" panose="02070309020205020404" pitchFamily="49" charset="0"/>
-                <a:cs typeface="Courier New" panose="02070309020205020404" pitchFamily="49" charset="0"/>
-              </a:rPr>
-              <a:t>=</a:t>
-            </a:r>
-            <a:r>
-              <a:rPr lang="en-US" sz="3400" dirty="0">
-                <a:latin typeface="Courier New" panose="02070309020205020404" pitchFamily="49" charset="0"/>
-                <a:cs typeface="Courier New" panose="02070309020205020404" pitchFamily="49" charset="0"/>
-              </a:rPr>
-              <a:t> name </a:t>
-            </a:r>
-            <a:r>
-              <a:rPr lang="en-US" sz="3400" b="1" dirty="0">
-                <a:latin typeface="Courier New" panose="02070309020205020404" pitchFamily="49" charset="0"/>
-                <a:cs typeface="Courier New" panose="02070309020205020404" pitchFamily="49" charset="0"/>
-              </a:rPr>
-              <a:t>+</a:t>
-            </a:r>
-            <a:r>
-              <a:rPr lang="en-US" sz="3400" dirty="0">
-                <a:latin typeface="Courier New" panose="02070309020205020404" pitchFamily="49" charset="0"/>
-                <a:cs typeface="Courier New" panose="02070309020205020404" pitchFamily="49" charset="0"/>
-              </a:rPr>
-              <a:t> last_name</a:t>
-            </a:r>
             <a:endParaRPr lang="en-US" sz="3000" dirty="0">
-              <a:latin typeface="Courier New" panose="02070309020205020404" pitchFamily="49" charset="0"/>
+              <a:solidFill>
+                <a:schemeClr val="accent1"/>
+              </a:solidFill>
+              <a:latin typeface="+mj-lt"/>
+              <a:cs typeface="Courier New" panose="02070309020205020404" pitchFamily="49" charset="0"/>
+            </a:endParaRPr>
+          </a:p>
+          <a:p>
+            <a:pPr marL="1314450" lvl="2" indent="-514350">
+              <a:buFont typeface="+mj-lt"/>
+              <a:buAutoNum type="alphaLcPeriod"/>
+            </a:pPr>
+            <a:endParaRPr lang="en-US" sz="3000" dirty="0">
+              <a:solidFill>
+                <a:schemeClr val="accent1"/>
+              </a:solidFill>
+              <a:latin typeface="+mj-lt"/>
+              <a:cs typeface="Courier New" panose="02070309020205020404" pitchFamily="49" charset="0"/>
+            </a:endParaRPr>
+          </a:p>
+          <a:p>
+            <a:pPr marL="1314450" lvl="2" indent="-514350">
+              <a:buFont typeface="+mj-lt"/>
+              <a:buAutoNum type="alphaLcPeriod"/>
+            </a:pPr>
+            <a:endParaRPr lang="en-US" sz="3000" dirty="0">
+              <a:solidFill>
+                <a:schemeClr val="accent1"/>
+              </a:solidFill>
+              <a:latin typeface="+mj-lt"/>
               <a:cs typeface="Courier New" panose="02070309020205020404" pitchFamily="49" charset="0"/>
             </a:endParaRPr>
           </a:p>
@@ -12079,7 +15054,12 @@
             <p:ph type="dt" sz="half" idx="10"/>
           </p:nvPr>
         </p:nvSpPr>
-        <p:spPr/>
+        <p:spPr>
+          <a:xfrm>
+            <a:off x="7205133" y="6041362"/>
+            <a:ext cx="911939" cy="365125"/>
+          </a:xfrm>
+        </p:spPr>
         <p:txBody>
           <a:bodyPr/>
           <a:lstStyle/>
@@ -12135,7 +15115,7 @@
                 <a:tabLst/>
                 <a:defRPr/>
               </a:pPr>
-              <a:t>2/26/2022</a:t>
+              <a:t>7/3/2022</a:t>
             </a:fld>
             <a:endParaRPr kumimoji="0" lang="en-US" sz="900" b="0" i="0" u="none" strike="noStrike" kern="1200" cap="none" spc="0" normalizeH="0" baseline="0" noProof="0" dirty="0">
               <a:ln>
@@ -12172,7 +15152,12 @@
             <p:ph type="ftr" sz="quarter" idx="11"/>
           </p:nvPr>
         </p:nvSpPr>
-        <p:spPr/>
+        <p:spPr>
+          <a:xfrm>
+            <a:off x="677334" y="6041362"/>
+            <a:ext cx="6297612" cy="365125"/>
+          </a:xfrm>
+        </p:spPr>
         <p:txBody>
           <a:bodyPr/>
           <a:lstStyle/>
@@ -12232,7 +15217,12 @@
             <p:ph type="sldNum" sz="quarter" idx="12"/>
           </p:nvPr>
         </p:nvSpPr>
-        <p:spPr/>
+        <p:spPr>
+          <a:xfrm>
+            <a:off x="8590663" y="6041362"/>
+            <a:ext cx="683339" cy="365125"/>
+          </a:xfrm>
+        </p:spPr>
         <p:txBody>
           <a:bodyPr/>
           <a:lstStyle/>
@@ -12308,20 +15298,20 @@
     </p:spTree>
     <p:extLst>
       <p:ext uri="{BB962C8B-B14F-4D97-AF65-F5344CB8AC3E}">
-        <p14:creationId xmlns:p14="http://schemas.microsoft.com/office/powerpoint/2010/main" val="1255382415"/>
+        <p14:creationId xmlns:p14="http://schemas.microsoft.com/office/powerpoint/2010/main" val="322652561"/>
       </p:ext>
     </p:extLst>
   </p:cSld>
   <p:clrMapOvr>
     <a:masterClrMapping/>
   </p:clrMapOvr>
-  <mc:AlternateContent xmlns:mc="http://schemas.openxmlformats.org/markup-compatibility/2006" xmlns:p14="http://schemas.microsoft.com/office/powerpoint/2010/main">
-    <mc:Choice Requires="p14">
+  <mc:AlternateContent xmlns:mc="http://schemas.openxmlformats.org/markup-compatibility/2006">
+    <mc:Choice xmlns:p14="http://schemas.microsoft.com/office/powerpoint/2010/main" Requires="p14">
       <p:transition spd="med" p14:dur="700">
         <p:fade/>
       </p:transition>
     </mc:Choice>
-    <mc:Fallback xmlns="">
+    <mc:Fallback>
       <p:transition spd="med">
         <p:fade/>
       </p:transition>
@@ -12365,13 +15355,50 @@
         </p:nvSpPr>
         <p:spPr/>
         <p:txBody>
-          <a:bodyPr/>
+          <a:bodyPr>
+            <a:normAutofit/>
+          </a:bodyPr>
           <a:lstStyle/>
           <a:p>
             <a:r>
               <a:rPr lang="en-US" dirty="0"/>
-              <a:t>Strings – continued - immutable</a:t>
-            </a:r>
+              <a:t>Functions </a:t>
+            </a:r>
+            <a:r>
+              <a:rPr kumimoji="0" lang="en-US" sz="2400" b="0" i="0" u="none" strike="noStrike" kern="1200" cap="none" spc="0" normalizeH="0" baseline="0" noProof="0" dirty="0">
+                <a:ln>
+                  <a:noFill/>
+                </a:ln>
+                <a:solidFill>
+                  <a:srgbClr val="90C226"/>
+                </a:solidFill>
+                <a:effectLst/>
+                <a:uLnTx/>
+                <a:uFillTx/>
+                <a:latin typeface="Trebuchet MS" panose="020B0603020202020204"/>
+                <a:ea typeface="+mj-ea"/>
+                <a:cs typeface="+mj-cs"/>
+              </a:rPr>
+              <a:t>(as well as other stuff)</a:t>
+            </a:r>
+            <a:r>
+              <a:rPr kumimoji="0" lang="en-US" b="0" i="0" u="none" strike="noStrike" kern="1200" cap="none" spc="0" normalizeH="0" baseline="0" noProof="0" dirty="0">
+                <a:ln>
+                  <a:noFill/>
+                </a:ln>
+                <a:solidFill>
+                  <a:srgbClr val="90C226"/>
+                </a:solidFill>
+                <a:effectLst/>
+                <a:uLnTx/>
+                <a:uFillTx/>
+                <a:latin typeface="Trebuchet MS" panose="020B0603020202020204"/>
+                <a:ea typeface="+mj-ea"/>
+                <a:cs typeface="+mj-cs"/>
+              </a:rPr>
+              <a:t> Help / Info</a:t>
+            </a:r>
+            <a:endParaRPr lang="en-US" dirty="0"/>
           </a:p>
         </p:txBody>
       </p:sp>
@@ -12394,43 +15421,98 @@
         <p:spPr/>
         <p:txBody>
           <a:bodyPr>
-            <a:noAutofit/>
+            <a:normAutofit fontScale="92500" lnSpcReduction="20000"/>
           </a:bodyPr>
           <a:lstStyle/>
           <a:p>
-            <a:pPr marL="1257300" lvl="2" indent="-457200"/>
-            <a:r>
-              <a:rPr lang="en-US" sz="3600" dirty="0">
+            <a:pPr marL="800100" lvl="2" indent="0">
+              <a:buNone/>
+            </a:pPr>
+            <a:r>
+              <a:rPr lang="en-US" sz="3000" dirty="0">
+                <a:latin typeface="+mj-lt"/>
                 <a:cs typeface="Courier New" panose="02070309020205020404" pitchFamily="49" charset="0"/>
               </a:rPr>
-              <a:t>Not modifiable == immutable</a:t>
-            </a:r>
-          </a:p>
-          <a:p>
-            <a:pPr marL="1257300" lvl="2" indent="-457200"/>
-            <a:r>
-              <a:rPr lang="en-US" sz="3600" dirty="0">
+              <a:t>IDLE-&gt;Help-&gt;Python Docs(F1)</a:t>
+            </a:r>
+          </a:p>
+          <a:p>
+            <a:pPr marL="1714500" lvl="3" indent="-457200"/>
+            <a:r>
+              <a:rPr lang="en-US" sz="2800" dirty="0">
+                <a:latin typeface="+mj-lt"/>
                 <a:cs typeface="Courier New" panose="02070309020205020404" pitchFamily="49" charset="0"/>
               </a:rPr>
-              <a:t>Don't change – replace</a:t>
-            </a:r>
-          </a:p>
-          <a:p>
-            <a:pPr marL="800100" lvl="2" indent="0">
+              <a:t>       Python Tutorial:</a:t>
+            </a:r>
+          </a:p>
+          <a:p>
+            <a:pPr marL="1714500" lvl="4" indent="0">
               <a:buNone/>
             </a:pPr>
             <a:r>
-              <a:rPr lang="en-US" sz="3200" dirty="0">
-                <a:latin typeface="Courier New" panose="02070309020205020404" pitchFamily="49" charset="0"/>
+              <a:rPr lang="en-US" sz="2800" dirty="0">
+                <a:latin typeface="+mj-lt"/>
                 <a:cs typeface="Courier New" panose="02070309020205020404" pitchFamily="49" charset="0"/>
               </a:rPr>
-              <a:t>str_name = "a" + str_name[1:]</a:t>
+              <a:t>           4.6. Defining Functions</a:t>
+            </a:r>
+          </a:p>
+          <a:p>
+            <a:pPr marL="1714500" lvl="4" indent="0">
+              <a:buNone/>
+            </a:pPr>
+            <a:r>
+              <a:rPr lang="en-US" sz="2800" dirty="0">
+                <a:latin typeface="+mj-lt"/>
+                <a:cs typeface="Courier New" panose="02070309020205020404" pitchFamily="49" charset="0"/>
+              </a:rPr>
+              <a:t>           4.7. More on Defining Functions</a:t>
+            </a:r>
+          </a:p>
+          <a:p>
+            <a:pPr marL="1714500" lvl="4" indent="0">
+              <a:buNone/>
+            </a:pPr>
+            <a:r>
+              <a:rPr lang="en-US" sz="2800" dirty="0">
+                <a:latin typeface="+mj-lt"/>
+                <a:cs typeface="Courier New" panose="02070309020205020404" pitchFamily="49" charset="0"/>
+              </a:rPr>
+              <a:t>           4.7.2. Keyword Arguments</a:t>
+            </a:r>
+          </a:p>
+          <a:p>
+            <a:pPr marL="1714500" lvl="3" indent="-457200"/>
+            <a:r>
+              <a:rPr lang="en-US" sz="2800" dirty="0">
+                <a:latin typeface="+mj-lt"/>
+                <a:cs typeface="Courier New" panose="02070309020205020404" pitchFamily="49" charset="0"/>
+              </a:rPr>
+              <a:t>       The Python Language Reference</a:t>
             </a:r>
           </a:p>
           <a:p>
             <a:pPr marL="1257300" lvl="2" indent="-457200"/>
             <a:endParaRPr lang="en-US" sz="3000" dirty="0">
-              <a:latin typeface="Courier New" panose="02070309020205020404" pitchFamily="49" charset="0"/>
+              <a:latin typeface="+mj-lt"/>
+              <a:cs typeface="Courier New" panose="02070309020205020404" pitchFamily="49" charset="0"/>
+            </a:endParaRPr>
+          </a:p>
+          <a:p>
+            <a:pPr marL="1257300" lvl="2" indent="-457200"/>
+            <a:r>
+              <a:rPr lang="en-US" sz="3000" dirty="0">
+                <a:latin typeface="+mj-lt"/>
+                <a:cs typeface="Courier New" panose="02070309020205020404" pitchFamily="49" charset="0"/>
+              </a:rPr>
+              <a:t>  https://www.w3schools.com/python</a:t>
+            </a:r>
+          </a:p>
+          <a:p>
+            <a:pPr marL="1714500" lvl="3" indent="-457200"/>
+            <a:endParaRPr lang="en-US" sz="2800" dirty="0">
+              <a:latin typeface="+mj-lt"/>
               <a:cs typeface="Courier New" panose="02070309020205020404" pitchFamily="49" charset="0"/>
             </a:endParaRPr>
           </a:p>
@@ -12452,7 +15534,12 @@
             <p:ph type="dt" sz="half" idx="10"/>
           </p:nvPr>
         </p:nvSpPr>
-        <p:spPr/>
+        <p:spPr>
+          <a:xfrm>
+            <a:off x="7205133" y="6041362"/>
+            <a:ext cx="911939" cy="365125"/>
+          </a:xfrm>
+        </p:spPr>
         <p:txBody>
           <a:bodyPr/>
           <a:lstStyle/>
@@ -12508,7 +15595,7 @@
                 <a:tabLst/>
                 <a:defRPr/>
               </a:pPr>
-              <a:t>2/26/2022</a:t>
+              <a:t>7/3/2022</a:t>
             </a:fld>
             <a:endParaRPr kumimoji="0" lang="en-US" sz="900" b="0" i="0" u="none" strike="noStrike" kern="1200" cap="none" spc="0" normalizeH="0" baseline="0" noProof="0" dirty="0">
               <a:ln>
@@ -12545,7 +15632,12 @@
             <p:ph type="ftr" sz="quarter" idx="11"/>
           </p:nvPr>
         </p:nvSpPr>
-        <p:spPr/>
+        <p:spPr>
+          <a:xfrm>
+            <a:off x="677334" y="6041362"/>
+            <a:ext cx="6297612" cy="365125"/>
+          </a:xfrm>
+        </p:spPr>
         <p:txBody>
           <a:bodyPr/>
           <a:lstStyle/>
@@ -12605,7 +15697,12 @@
             <p:ph type="sldNum" sz="quarter" idx="12"/>
           </p:nvPr>
         </p:nvSpPr>
-        <p:spPr/>
+        <p:spPr>
+          <a:xfrm>
+            <a:off x="8590663" y="6041362"/>
+            <a:ext cx="683339" cy="365125"/>
+          </a:xfrm>
+        </p:spPr>
         <p:txBody>
           <a:bodyPr/>
           <a:lstStyle/>
@@ -12681,20 +15778,20 @@
     </p:spTree>
     <p:extLst>
       <p:ext uri="{BB962C8B-B14F-4D97-AF65-F5344CB8AC3E}">
-        <p14:creationId xmlns:p14="http://schemas.microsoft.com/office/powerpoint/2010/main" val="2101220268"/>
+        <p14:creationId xmlns:p14="http://schemas.microsoft.com/office/powerpoint/2010/main" val="119849553"/>
       </p:ext>
     </p:extLst>
   </p:cSld>
   <p:clrMapOvr>
     <a:masterClrMapping/>
   </p:clrMapOvr>
-  <mc:AlternateContent xmlns:mc="http://schemas.openxmlformats.org/markup-compatibility/2006" xmlns:p14="http://schemas.microsoft.com/office/powerpoint/2010/main">
-    <mc:Choice Requires="p14">
+  <mc:AlternateContent xmlns:mc="http://schemas.openxmlformats.org/markup-compatibility/2006">
+    <mc:Choice xmlns:p14="http://schemas.microsoft.com/office/powerpoint/2010/main" Requires="p14">
       <p:transition spd="med" p14:dur="700">
         <p:fade/>
       </p:transition>
     </mc:Choice>
-    <mc:Fallback xmlns="">
+    <mc:Fallback>
       <p:transition spd="med">
         <p:fade/>
       </p:transition>
@@ -12725,7 +15822,7 @@
           <p:cNvPr id="2" name="Title 1">
             <a:extLst>
               <a:ext uri="{FF2B5EF4-FFF2-40B4-BE49-F238E27FC236}">
-                <a16:creationId xmlns:a16="http://schemas.microsoft.com/office/drawing/2014/main" id="{C9BE3CBE-F16E-46E3-BF27-20430291F5BA}"/>
+                <a16:creationId xmlns:a16="http://schemas.microsoft.com/office/drawing/2014/main" id="{9E6A877F-A718-47D6-828D-F14357B0EE64}"/>
               </a:ext>
             </a:extLst>
           </p:cNvPr>
@@ -12743,7 +15840,7 @@
           <a:p>
             <a:r>
               <a:rPr lang="en-US" dirty="0"/>
-              <a:t>Get some bounce!</a:t>
+              <a:t>Strings - Like a lists of characters - ALMOST</a:t>
             </a:r>
           </a:p>
         </p:txBody>
@@ -12753,7 +15850,7 @@
           <p:cNvPr id="3" name="Content Placeholder 2">
             <a:extLst>
               <a:ext uri="{FF2B5EF4-FFF2-40B4-BE49-F238E27FC236}">
-                <a16:creationId xmlns:a16="http://schemas.microsoft.com/office/drawing/2014/main" id="{9FAB5FB4-61F9-4F01-8B8A-8777F59CE15E}"/>
+                <a16:creationId xmlns:a16="http://schemas.microsoft.com/office/drawing/2014/main" id="{64372DD4-6DBF-43CC-8728-9C2DC16B0267}"/>
               </a:ext>
             </a:extLst>
           </p:cNvPr>
@@ -12767,20 +15864,79 @@
         <p:spPr/>
         <p:txBody>
           <a:bodyPr>
-            <a:normAutofit/>
+            <a:noAutofit/>
           </a:bodyPr>
           <a:lstStyle/>
           <a:p>
+            <a:pPr marL="1257300" lvl="2" indent="-457200"/>
             <a:r>
               <a:rPr lang="en-US" sz="3600" dirty="0"/>
-              <a:t>Class_3_Functions_Why…/</a:t>
-            </a:r>
-          </a:p>
-          <a:p>
-            <a:pPr lvl="1"/>
-            <a:r>
-              <a:rPr lang="en-US" sz="3400" dirty="0"/>
-              <a:t>bouncing_balls.py</a:t>
+              <a:t>Assigned as a group, not via index</a:t>
+            </a:r>
+          </a:p>
+          <a:p>
+            <a:pPr marL="1257300" lvl="3" indent="0">
+              <a:buNone/>
+            </a:pPr>
+            <a:r>
+              <a:rPr lang="en-US" sz="3200" dirty="0">
+                <a:latin typeface="Courier New" panose="02070309020205020404" pitchFamily="49" charset="0"/>
+                <a:cs typeface="Courier New" panose="02070309020205020404" pitchFamily="49" charset="0"/>
+              </a:rPr>
+              <a:t>str_name = "abcdef"</a:t>
+            </a:r>
+          </a:p>
+          <a:p>
+            <a:pPr marL="1257300" lvl="3" indent="0">
+              <a:buNone/>
+            </a:pPr>
+            <a:r>
+              <a:rPr lang="en-US" sz="3200" b="1" dirty="0">
+                <a:solidFill>
+                  <a:srgbClr val="C00000"/>
+                </a:solidFill>
+                <a:latin typeface="Courier New" panose="02070309020205020404" pitchFamily="49" charset="0"/>
+                <a:cs typeface="Courier New" panose="02070309020205020404" pitchFamily="49" charset="0"/>
+              </a:rPr>
+              <a:t>NOT</a:t>
+            </a:r>
+            <a:r>
+              <a:rPr lang="en-US" sz="3200" dirty="0">
+                <a:latin typeface="Courier New" panose="02070309020205020404" pitchFamily="49" charset="0"/>
+                <a:cs typeface="Courier New" panose="02070309020205020404" pitchFamily="49" charset="0"/>
+              </a:rPr>
+              <a:t> str_name[0] = "a"</a:t>
+            </a:r>
+          </a:p>
+          <a:p>
+            <a:pPr marL="1257300" lvl="2" indent="-457200"/>
+            <a:r>
+              <a:rPr lang="en-US" sz="3600" dirty="0"/>
+              <a:t>Can be Accessed by index</a:t>
+            </a:r>
+          </a:p>
+          <a:p>
+            <a:pPr marL="1257300" lvl="3" indent="0">
+              <a:buNone/>
+            </a:pPr>
+            <a:r>
+              <a:rPr lang="en-US" sz="3200" dirty="0">
+                <a:latin typeface="Courier New" panose="02070309020205020404" pitchFamily="49" charset="0"/>
+                <a:cs typeface="Courier New" panose="02070309020205020404" pitchFamily="49" charset="0"/>
+              </a:rPr>
+              <a:t>if str_name[1] == "b":</a:t>
+            </a:r>
+          </a:p>
+          <a:p>
+            <a:pPr marL="1257300" lvl="3" indent="0">
+              <a:buNone/>
+            </a:pPr>
+            <a:r>
+              <a:rPr lang="en-US" sz="3200" dirty="0">
+                <a:latin typeface="Courier New" panose="02070309020205020404" pitchFamily="49" charset="0"/>
+                <a:cs typeface="Courier New" panose="02070309020205020404" pitchFamily="49" charset="0"/>
+              </a:rPr>
+              <a:t>		print("Yep it’s the second character")</a:t>
             </a:r>
           </a:p>
         </p:txBody>
@@ -12790,7 +15946,7 @@
           <p:cNvPr id="4" name="Date Placeholder 3">
             <a:extLst>
               <a:ext uri="{FF2B5EF4-FFF2-40B4-BE49-F238E27FC236}">
-                <a16:creationId xmlns:a16="http://schemas.microsoft.com/office/drawing/2014/main" id="{A867DFDD-F493-473E-839F-17C14FADADFC}"/>
+                <a16:creationId xmlns:a16="http://schemas.microsoft.com/office/drawing/2014/main" id="{7DBC778F-46A9-469B-AFCA-A7F523273D3A}"/>
               </a:ext>
             </a:extLst>
           </p:cNvPr>
@@ -12801,16 +15957,85 @@
             <p:ph type="dt" sz="half" idx="10"/>
           </p:nvPr>
         </p:nvSpPr>
-        <p:spPr/>
+        <p:spPr>
+          <a:xfrm>
+            <a:off x="7205133" y="6041362"/>
+            <a:ext cx="911939" cy="365125"/>
+          </a:xfrm>
+        </p:spPr>
         <p:txBody>
           <a:bodyPr/>
           <a:lstStyle/>
           <a:p>
+            <a:pPr marL="0" marR="0" lvl="0" indent="0" algn="r" defTabSz="457200" rtl="0" eaLnBrk="1" fontAlgn="auto" latinLnBrk="0" hangingPunct="1">
+              <a:lnSpc>
+                <a:spcPct val="100000"/>
+              </a:lnSpc>
+              <a:spcBef>
+                <a:spcPts val="0"/>
+              </a:spcBef>
+              <a:spcAft>
+                <a:spcPts val="0"/>
+              </a:spcAft>
+              <a:buClrTx/>
+              <a:buSzTx/>
+              <a:buFontTx/>
+              <a:buNone/>
+              <a:tabLst/>
+              <a:defRPr/>
+            </a:pPr>
             <a:fld id="{A7119916-CD40-456D-ABE3-55F8822671F7}" type="datetime1">
-              <a:rPr lang="en-US" smtClean="0"/>
-              <a:t>2/27/2022</a:t>
+              <a:rPr kumimoji="0" lang="en-US" sz="900" b="0" i="0" u="none" strike="noStrike" kern="1200" cap="none" spc="0" normalizeH="0" baseline="0" noProof="0" smtClean="0">
+                <a:ln>
+                  <a:noFill/>
+                </a:ln>
+                <a:solidFill>
+                  <a:prstClr val="black">
+                    <a:tint val="75000"/>
+                  </a:prstClr>
+                </a:solidFill>
+                <a:effectLst/>
+                <a:uLnTx/>
+                <a:uFillTx/>
+                <a:latin typeface="Trebuchet MS" panose="020B0603020202020204"/>
+                <a:ea typeface="+mn-ea"/>
+                <a:cs typeface="+mn-cs"/>
+              </a:rPr>
+              <a:pPr marL="0" marR="0" lvl="0" indent="0" algn="r" defTabSz="457200" rtl="0" eaLnBrk="1" fontAlgn="auto" latinLnBrk="0" hangingPunct="1">
+                <a:lnSpc>
+                  <a:spcPct val="100000"/>
+                </a:lnSpc>
+                <a:spcBef>
+                  <a:spcPts val="0"/>
+                </a:spcBef>
+                <a:spcAft>
+                  <a:spcPts val="0"/>
+                </a:spcAft>
+                <a:buClrTx/>
+                <a:buSzTx/>
+                <a:buFontTx/>
+                <a:buNone/>
+                <a:tabLst/>
+                <a:defRPr/>
+              </a:pPr>
+              <a:t>7/3/2022</a:t>
             </a:fld>
-            <a:endParaRPr lang="en-US" dirty="0"/>
+            <a:endParaRPr kumimoji="0" lang="en-US" sz="900" b="0" i="0" u="none" strike="noStrike" kern="1200" cap="none" spc="0" normalizeH="0" baseline="0" noProof="0" dirty="0">
+              <a:ln>
+                <a:noFill/>
+              </a:ln>
+              <a:solidFill>
+                <a:prstClr val="black">
+                  <a:tint val="75000"/>
+                </a:prstClr>
+              </a:solidFill>
+              <a:effectLst/>
+              <a:uLnTx/>
+              <a:uFillTx/>
+              <a:latin typeface="Trebuchet MS" panose="020B0603020202020204"/>
+              <a:ea typeface="+mn-ea"/>
+              <a:cs typeface="+mn-cs"/>
+            </a:endParaRPr>
           </a:p>
         </p:txBody>
       </p:sp>
@@ -12819,7 +16044,7 @@
           <p:cNvPr id="5" name="Footer Placeholder 4">
             <a:extLst>
               <a:ext uri="{FF2B5EF4-FFF2-40B4-BE49-F238E27FC236}">
-                <a16:creationId xmlns:a16="http://schemas.microsoft.com/office/drawing/2014/main" id="{9F900CB6-9471-472B-879F-F2E88B3EFBEC}"/>
+                <a16:creationId xmlns:a16="http://schemas.microsoft.com/office/drawing/2014/main" id="{4351A704-7B25-4E2E-AEDE-6CB83EBFD759}"/>
               </a:ext>
             </a:extLst>
           </p:cNvPr>
@@ -12830,16 +16055,52 @@
             <p:ph type="ftr" sz="quarter" idx="11"/>
           </p:nvPr>
         </p:nvSpPr>
-        <p:spPr/>
+        <p:spPr>
+          <a:xfrm>
+            <a:off x="677334" y="6041362"/>
+            <a:ext cx="6297612" cy="365125"/>
+          </a:xfrm>
+        </p:spPr>
         <p:txBody>
           <a:bodyPr/>
           <a:lstStyle/>
           <a:p>
-            <a:r>
-              <a:rPr lang="en-US"/>
+            <a:pPr marL="0" marR="0" lvl="0" indent="0" algn="l" defTabSz="457200" rtl="0" eaLnBrk="1" fontAlgn="auto" latinLnBrk="0" hangingPunct="1">
+              <a:lnSpc>
+                <a:spcPct val="100000"/>
+              </a:lnSpc>
+              <a:spcBef>
+                <a:spcPts val="0"/>
+              </a:spcBef>
+              <a:spcAft>
+                <a:spcPts val="0"/>
+              </a:spcAft>
+              <a:buClrTx/>
+              <a:buSzTx/>
+              <a:buFontTx/>
+              <a:buNone/>
+              <a:tabLst/>
+              <a:defRPr/>
+            </a:pPr>
+            <a:r>
+              <a:rPr kumimoji="0" lang="en-US" sz="900" b="0" i="0" u="none" strike="noStrike" kern="1200" cap="none" spc="0" normalizeH="0" baseline="0" noProof="0" dirty="0">
+                <a:ln>
+                  <a:noFill/>
+                </a:ln>
+                <a:solidFill>
+                  <a:prstClr val="black">
+                    <a:tint val="75000"/>
+                  </a:prstClr>
+                </a:solidFill>
+                <a:effectLst/>
+                <a:uLnTx/>
+                <a:uFillTx/>
+                <a:latin typeface="Trebuchet MS" panose="020B0603020202020204"/>
+                <a:ea typeface="+mn-ea"/>
+                <a:cs typeface="+mn-cs"/>
+              </a:rPr>
               <a:t>raysmith@alum.mit.edu</a:t>
             </a:r>
-            <a:endParaRPr lang="en-US" dirty="0"/>
           </a:p>
         </p:txBody>
       </p:sp>
@@ -12848,7 +16109,7 @@
           <p:cNvPr id="6" name="Slide Number Placeholder 5">
             <a:extLst>
               <a:ext uri="{FF2B5EF4-FFF2-40B4-BE49-F238E27FC236}">
-                <a16:creationId xmlns:a16="http://schemas.microsoft.com/office/drawing/2014/main" id="{7E0435E6-73A7-4954-8ED1-4940540EEF47}"/>
+                <a16:creationId xmlns:a16="http://schemas.microsoft.com/office/drawing/2014/main" id="{56C88A13-9CB2-48B8-A37E-911D446CDA3D}"/>
               </a:ext>
             </a:extLst>
           </p:cNvPr>
@@ -12859,29 +16120,106 @@
             <p:ph type="sldNum" sz="quarter" idx="12"/>
           </p:nvPr>
         </p:nvSpPr>
-        <p:spPr/>
+        <p:spPr>
+          <a:xfrm>
+            <a:off x="8590663" y="6041362"/>
+            <a:ext cx="683339" cy="365125"/>
+          </a:xfrm>
+        </p:spPr>
         <p:txBody>
           <a:bodyPr/>
           <a:lstStyle/>
           <a:p>
+            <a:pPr marL="0" marR="0" lvl="0" indent="0" algn="r" defTabSz="457200" rtl="0" eaLnBrk="1" fontAlgn="auto" latinLnBrk="0" hangingPunct="1">
+              <a:lnSpc>
+                <a:spcPct val="100000"/>
+              </a:lnSpc>
+              <a:spcBef>
+                <a:spcPts val="0"/>
+              </a:spcBef>
+              <a:spcAft>
+                <a:spcPts val="0"/>
+              </a:spcAft>
+              <a:buClrTx/>
+              <a:buSzTx/>
+              <a:buFontTx/>
+              <a:buNone/>
+              <a:tabLst/>
+              <a:defRPr/>
+            </a:pPr>
             <a:fld id="{6D22F896-40B5-4ADD-8801-0D06FADFA095}" type="slidenum">
-              <a:rPr lang="en-US" smtClean="0"/>
+              <a:rPr kumimoji="0" lang="en-US" sz="900" b="0" i="0" u="none" strike="noStrike" kern="1200" cap="none" spc="0" normalizeH="0" baseline="0" noProof="0" smtClean="0">
+                <a:ln>
+                  <a:noFill/>
+                </a:ln>
+                <a:solidFill>
+                  <a:srgbClr val="90C226"/>
+                </a:solidFill>
+                <a:effectLst/>
+                <a:uLnTx/>
+                <a:uFillTx/>
+                <a:latin typeface="Trebuchet MS" panose="020B0603020202020204"/>
+                <a:ea typeface="+mn-ea"/>
+                <a:cs typeface="+mn-cs"/>
+              </a:rPr>
+              <a:pPr marL="0" marR="0" lvl="0" indent="0" algn="r" defTabSz="457200" rtl="0" eaLnBrk="1" fontAlgn="auto" latinLnBrk="0" hangingPunct="1">
+                <a:lnSpc>
+                  <a:spcPct val="100000"/>
+                </a:lnSpc>
+                <a:spcBef>
+                  <a:spcPts val="0"/>
+                </a:spcBef>
+                <a:spcAft>
+                  <a:spcPts val="0"/>
+                </a:spcAft>
+                <a:buClrTx/>
+                <a:buSzTx/>
+                <a:buFontTx/>
+                <a:buNone/>
+                <a:tabLst/>
+                <a:defRPr/>
+              </a:pPr>
               <a:t>9</a:t>
             </a:fld>
-            <a:endParaRPr lang="en-US" dirty="0"/>
+            <a:endParaRPr kumimoji="0" lang="en-US" sz="900" b="0" i="0" u="none" strike="noStrike" kern="1200" cap="none" spc="0" normalizeH="0" baseline="0" noProof="0" dirty="0">
+              <a:ln>
+                <a:noFill/>
+              </a:ln>
+              <a:solidFill>
+                <a:srgbClr val="90C226"/>
+              </a:solidFill>
+              <a:effectLst/>
+              <a:uLnTx/>
+              <a:uFillTx/>
+              <a:latin typeface="Trebuchet MS" panose="020B0603020202020204"/>
+              <a:ea typeface="+mn-ea"/>
+              <a:cs typeface="+mn-cs"/>
+            </a:endParaRPr>
           </a:p>
         </p:txBody>
       </p:sp>
     </p:spTree>
     <p:extLst>
       <p:ext uri="{BB962C8B-B14F-4D97-AF65-F5344CB8AC3E}">
-        <p14:creationId xmlns:p14="http://schemas.microsoft.com/office/powerpoint/2010/main" val="2291581392"/>
+        <p14:creationId xmlns:p14="http://schemas.microsoft.com/office/powerpoint/2010/main" val="554796067"/>
       </p:ext>
     </p:extLst>
   </p:cSld>
   <p:clrMapOvr>
     <a:masterClrMapping/>
   </p:clrMapOvr>
+  <mc:AlternateContent xmlns:mc="http://schemas.openxmlformats.org/markup-compatibility/2006" xmlns:p14="http://schemas.microsoft.com/office/powerpoint/2010/main">
+    <mc:Choice Requires="p14">
+      <p:transition spd="med" p14:dur="700">
+        <p:fade/>
+      </p:transition>
+    </mc:Choice>
+    <mc:Fallback xmlns="">
+      <p:transition spd="med">
+        <p:fade/>
+      </p:transition>
+    </mc:Fallback>
+  </mc:AlternateContent>
 </p:sld>
 </file>
 
@@ -13435,4 +16773,299 @@
     </a:ext>
   </a:extLst>
 </a:theme>
+</file>
+
+<file path=ppt/theme/theme3.xml><?xml version="1.0" encoding="utf-8"?>
+<a:theme xmlns:a="http://schemas.openxmlformats.org/drawingml/2006/main" name="Office Theme">
+  <a:themeElements>
+    <a:clrScheme name="Office">
+      <a:dk1>
+        <a:sysClr val="windowText" lastClr="000000"/>
+      </a:dk1>
+      <a:lt1>
+        <a:sysClr val="window" lastClr="FFFFFF"/>
+      </a:lt1>
+      <a:dk2>
+        <a:srgbClr val="44546A"/>
+      </a:dk2>
+      <a:lt2>
+        <a:srgbClr val="E7E6E6"/>
+      </a:lt2>
+      <a:accent1>
+        <a:srgbClr val="4472C4"/>
+      </a:accent1>
+      <a:accent2>
+        <a:srgbClr val="ED7D31"/>
+      </a:accent2>
+      <a:accent3>
+        <a:srgbClr val="A5A5A5"/>
+      </a:accent3>
+      <a:accent4>
+        <a:srgbClr val="FFC000"/>
+      </a:accent4>
+      <a:accent5>
+        <a:srgbClr val="5B9BD5"/>
+      </a:accent5>
+      <a:accent6>
+        <a:srgbClr val="70AD47"/>
+      </a:accent6>
+      <a:hlink>
+        <a:srgbClr val="0563C1"/>
+      </a:hlink>
+      <a:folHlink>
+        <a:srgbClr val="954F72"/>
+      </a:folHlink>
+    </a:clrScheme>
+    <a:fontScheme name="Office">
+      <a:majorFont>
+        <a:latin typeface="Calibri Light" panose="020F0302020204030204"/>
+        <a:ea typeface=""/>
+        <a:cs typeface=""/>
+        <a:font script="Jpan" typeface="游ゴシック Light"/>
+        <a:font script="Hang" typeface="맑은 고딕"/>
+        <a:font script="Hans" typeface="等线 Light"/>
+        <a:font script="Hant" typeface="新細明體"/>
+        <a:font script="Arab" typeface="Times New Roman"/>
+        <a:font script="Hebr" typeface="Times New Roman"/>
+        <a:font script="Thai" typeface="Angsana New"/>
+        <a:font script="Ethi" typeface="Nyala"/>
+        <a:font script="Beng" typeface="Vrinda"/>
+        <a:font script="Gujr" typeface="Shruti"/>
+        <a:font script="Khmr" typeface="MoolBoran"/>
+        <a:font script="Knda" typeface="Tunga"/>
+        <a:font script="Guru" typeface="Raavi"/>
+        <a:font script="Cans" typeface="Euphemia"/>
+        <a:font script="Cher" typeface="Plantagenet Cherokee"/>
+        <a:font script="Yiii" typeface="Microsoft Yi Baiti"/>
+        <a:font script="Tibt" typeface="Microsoft Himalaya"/>
+        <a:font script="Thaa" typeface="MV Boli"/>
+        <a:font script="Deva" typeface="Mangal"/>
+        <a:font script="Telu" typeface="Gautami"/>
+        <a:font script="Taml" typeface="Latha"/>
+        <a:font script="Syrc" typeface="Estrangelo Edessa"/>
+        <a:font script="Orya" typeface="Kalinga"/>
+        <a:font script="Mlym" typeface="Kartika"/>
+        <a:font script="Laoo" typeface="DokChampa"/>
+        <a:font script="Sinh" typeface="Iskoola Pota"/>
+        <a:font script="Mong" typeface="Mongolian Baiti"/>
+        <a:font script="Viet" typeface="Times New Roman"/>
+        <a:font script="Uigh" typeface="Microsoft Uighur"/>
+        <a:font script="Geor" typeface="Sylfaen"/>
+        <a:font script="Armn" typeface="Arial"/>
+        <a:font script="Bugi" typeface="Leelawadee UI"/>
+        <a:font script="Bopo" typeface="Microsoft JhengHei"/>
+        <a:font script="Java" typeface="Javanese Text"/>
+        <a:font script="Lisu" typeface="Segoe UI"/>
+        <a:font script="Mymr" typeface="Myanmar Text"/>
+        <a:font script="Nkoo" typeface="Ebrima"/>
+        <a:font script="Olck" typeface="Nirmala UI"/>
+        <a:font script="Osma" typeface="Ebrima"/>
+        <a:font script="Phag" typeface="Phagspa"/>
+        <a:font script="Syrn" typeface="Estrangelo Edessa"/>
+        <a:font script="Syrj" typeface="Estrangelo Edessa"/>
+        <a:font script="Syre" typeface="Estrangelo Edessa"/>
+        <a:font script="Sora" typeface="Nirmala UI"/>
+        <a:font script="Tale" typeface="Microsoft Tai Le"/>
+        <a:font script="Talu" typeface="Microsoft New Tai Lue"/>
+        <a:font script="Tfng" typeface="Ebrima"/>
+      </a:majorFont>
+      <a:minorFont>
+        <a:latin typeface="Calibri" panose="020F0502020204030204"/>
+        <a:ea typeface=""/>
+        <a:cs typeface=""/>
+        <a:font script="Jpan" typeface="游ゴシック"/>
+        <a:font script="Hang" typeface="맑은 고딕"/>
+        <a:font script="Hans" typeface="等线"/>
+        <a:font script="Hant" typeface="新細明體"/>
+        <a:font script="Arab" typeface="Arial"/>
+        <a:font script="Hebr" typeface="Arial"/>
+        <a:font script="Thai" typeface="Cordia New"/>
+        <a:font script="Ethi" typeface="Nyala"/>
+        <a:font script="Beng" typeface="Vrinda"/>
+        <a:font script="Gujr" typeface="Shruti"/>
+        <a:font script="Khmr" typeface="DaunPenh"/>
+        <a:font script="Knda" typeface="Tunga"/>
+        <a:font script="Guru" typeface="Raavi"/>
+        <a:font script="Cans" typeface="Euphemia"/>
+        <a:font script="Cher" typeface="Plantagenet Cherokee"/>
+        <a:font script="Yiii" typeface="Microsoft Yi Baiti"/>
+        <a:font script="Tibt" typeface="Microsoft Himalaya"/>
+        <a:font script="Thaa" typeface="MV Boli"/>
+        <a:font script="Deva" typeface="Mangal"/>
+        <a:font script="Telu" typeface="Gautami"/>
+        <a:font script="Taml" typeface="Latha"/>
+        <a:font script="Syrc" typeface="Estrangelo Edessa"/>
+        <a:font script="Orya" typeface="Kalinga"/>
+        <a:font script="Mlym" typeface="Kartika"/>
+        <a:font script="Laoo" typeface="DokChampa"/>
+        <a:font script="Sinh" typeface="Iskoola Pota"/>
+        <a:font script="Mong" typeface="Mongolian Baiti"/>
+        <a:font script="Viet" typeface="Arial"/>
+        <a:font script="Uigh" typeface="Microsoft Uighur"/>
+        <a:font script="Geor" typeface="Sylfaen"/>
+        <a:font script="Armn" typeface="Arial"/>
+        <a:font script="Bugi" typeface="Leelawadee UI"/>
+        <a:font script="Bopo" typeface="Microsoft JhengHei"/>
+        <a:font script="Java" typeface="Javanese Text"/>
+        <a:font script="Lisu" typeface="Segoe UI"/>
+        <a:font script="Mymr" typeface="Myanmar Text"/>
+        <a:font script="Nkoo" typeface="Ebrima"/>
+        <a:font script="Olck" typeface="Nirmala UI"/>
+        <a:font script="Osma" typeface="Ebrima"/>
+        <a:font script="Phag" typeface="Phagspa"/>
+        <a:font script="Syrn" typeface="Estrangelo Edessa"/>
+        <a:font script="Syrj" typeface="Estrangelo Edessa"/>
+        <a:font script="Syre" typeface="Estrangelo Edessa"/>
+        <a:font script="Sora" typeface="Nirmala UI"/>
+        <a:font script="Tale" typeface="Microsoft Tai Le"/>
+        <a:font script="Talu" typeface="Microsoft New Tai Lue"/>
+        <a:font script="Tfng" typeface="Ebrima"/>
+      </a:minorFont>
+    </a:fontScheme>
+    <a:fmtScheme name="Office">
+      <a:fillStyleLst>
+        <a:solidFill>
+          <a:schemeClr val="phClr"/>
+        </a:solidFill>
+        <a:gradFill rotWithShape="1">
+          <a:gsLst>
+            <a:gs pos="0">
+              <a:schemeClr val="phClr">
+                <a:lumMod val="110000"/>
+                <a:satMod val="105000"/>
+                <a:tint val="67000"/>
+              </a:schemeClr>
+            </a:gs>
+            <a:gs pos="50000">
+              <a:schemeClr val="phClr">
+                <a:lumMod val="105000"/>
+                <a:satMod val="103000"/>
+                <a:tint val="73000"/>
+              </a:schemeClr>
+            </a:gs>
+            <a:gs pos="100000">
+              <a:schemeClr val="phClr">
+                <a:lumMod val="105000"/>
+                <a:satMod val="109000"/>
+                <a:tint val="81000"/>
+              </a:schemeClr>
+            </a:gs>
+          </a:gsLst>
+          <a:lin ang="5400000" scaled="0"/>
+        </a:gradFill>
+        <a:gradFill rotWithShape="1">
+          <a:gsLst>
+            <a:gs pos="0">
+              <a:schemeClr val="phClr">
+                <a:satMod val="103000"/>
+                <a:lumMod val="102000"/>
+                <a:tint val="94000"/>
+              </a:schemeClr>
+            </a:gs>
+            <a:gs pos="50000">
+              <a:schemeClr val="phClr">
+                <a:satMod val="110000"/>
+                <a:lumMod val="100000"/>
+                <a:shade val="100000"/>
+              </a:schemeClr>
+            </a:gs>
+            <a:gs pos="100000">
+              <a:schemeClr val="phClr">
+                <a:lumMod val="99000"/>
+                <a:satMod val="120000"/>
+                <a:shade val="78000"/>
+              </a:schemeClr>
+            </a:gs>
+          </a:gsLst>
+          <a:lin ang="5400000" scaled="0"/>
+        </a:gradFill>
+      </a:fillStyleLst>
+      <a:lnStyleLst>
+        <a:ln w="6350" cap="flat" cmpd="sng" algn="ctr">
+          <a:solidFill>
+            <a:schemeClr val="phClr"/>
+          </a:solidFill>
+          <a:prstDash val="solid"/>
+          <a:miter lim="800000"/>
+        </a:ln>
+        <a:ln w="12700" cap="flat" cmpd="sng" algn="ctr">
+          <a:solidFill>
+            <a:schemeClr val="phClr"/>
+          </a:solidFill>
+          <a:prstDash val="solid"/>
+          <a:miter lim="800000"/>
+        </a:ln>
+        <a:ln w="19050" cap="flat" cmpd="sng" algn="ctr">
+          <a:solidFill>
+            <a:schemeClr val="phClr"/>
+          </a:solidFill>
+          <a:prstDash val="solid"/>
+          <a:miter lim="800000"/>
+        </a:ln>
+      </a:lnStyleLst>
+      <a:effectStyleLst>
+        <a:effectStyle>
+          <a:effectLst/>
+        </a:effectStyle>
+        <a:effectStyle>
+          <a:effectLst/>
+        </a:effectStyle>
+        <a:effectStyle>
+          <a:effectLst>
+            <a:outerShdw blurRad="57150" dist="19050" dir="5400000" algn="ctr" rotWithShape="0">
+              <a:srgbClr val="000000">
+                <a:alpha val="63000"/>
+              </a:srgbClr>
+            </a:outerShdw>
+          </a:effectLst>
+        </a:effectStyle>
+      </a:effectStyleLst>
+      <a:bgFillStyleLst>
+        <a:solidFill>
+          <a:schemeClr val="phClr"/>
+        </a:solidFill>
+        <a:solidFill>
+          <a:schemeClr val="phClr">
+            <a:tint val="95000"/>
+            <a:satMod val="170000"/>
+          </a:schemeClr>
+        </a:solidFill>
+        <a:gradFill rotWithShape="1">
+          <a:gsLst>
+            <a:gs pos="0">
+              <a:schemeClr val="phClr">
+                <a:tint val="93000"/>
+                <a:satMod val="150000"/>
+                <a:shade val="98000"/>
+                <a:lumMod val="102000"/>
+              </a:schemeClr>
+            </a:gs>
+            <a:gs pos="50000">
+              <a:schemeClr val="phClr">
+                <a:tint val="98000"/>
+                <a:satMod val="130000"/>
+                <a:shade val="90000"/>
+                <a:lumMod val="103000"/>
+              </a:schemeClr>
+            </a:gs>
+            <a:gs pos="100000">
+              <a:schemeClr val="phClr">
+                <a:shade val="63000"/>
+                <a:satMod val="120000"/>
+              </a:schemeClr>
+            </a:gs>
+          </a:gsLst>
+          <a:lin ang="5400000" scaled="0"/>
+        </a:gradFill>
+      </a:bgFillStyleLst>
+    </a:fmtScheme>
+  </a:themeElements>
+  <a:objectDefaults/>
+  <a:extraClrSchemeLst/>
+  <a:extLst>
+    <a:ext uri="{05A4C25C-085E-4340-85A3-A5531E510DB2}">
+      <thm15:themeFamily xmlns:thm15="http://schemas.microsoft.com/office/thememl/2012/main" name="Office Theme" id="{62F939B6-93AF-4DB8-9C6B-D6C7DFDC589F}" vid="{4A3C46E8-61CC-4603-A589-7422A47A8E4A}"/>
+    </a:ext>
+  </a:extLst>
+</a:theme>
 </file>
--- a/presentation/Class_3_Functions_Why_and_How/Class_3_Functions_Why_and_How.pptx
+++ b/presentation/Class_3_Functions_Why_and_How/Class_3_Functions_Why_and_How.pptx
@@ -127,6 +127,9 @@
     <p:ext uri="{EFAFB233-063F-42B5-8137-9DF3F51BA10A}">
       <p15:sldGuideLst xmlns:p15="http://schemas.microsoft.com/office/powerpoint/2012/main"/>
     </p:ext>
+    <p:ext uri="{2D200454-40CA-4A62-9FC3-DE9A4176ACB9}">
+      <p15:notesGuideLst xmlns:p15="http://schemas.microsoft.com/office/powerpoint/2012/main"/>
+    </p:ext>
   </p:extLst>
 </p:presentation>
 </file>
@@ -225,7 +228,7 @@
           <a:p>
             <a:fld id="{2F2D3CE1-F05B-4C3D-9D5C-72AEEB268A38}" type="datetimeFigureOut">
               <a:rPr lang="en-US" smtClean="0"/>
-              <a:t>7/3/2022</a:t>
+              <a:t>7/13/2022</a:t>
             </a:fld>
             <a:endParaRPr lang="en-US"/>
           </a:p>
@@ -402,7 +405,7 @@
           <a:p>
             <a:fld id="{13370B23-86E2-4053-8EEB-332AC694C455}" type="datetimeFigureOut">
               <a:rPr lang="en-US" smtClean="0"/>
-              <a:t>7/3/2022</a:t>
+              <a:t>7/13/2022</a:t>
             </a:fld>
             <a:endParaRPr lang="en-US"/>
           </a:p>
@@ -833,7 +836,7 @@
                 <a:tabLst/>
                 <a:defRPr/>
               </a:pPr>
-              <a:t>7/3/2022</a:t>
+              <a:t>7/13/2022</a:t>
             </a:fld>
             <a:endParaRPr kumimoji="0" lang="en-US" sz="1200" b="0" i="0" u="none" strike="noStrike" kern="1200" cap="none" spc="0" normalizeH="0" baseline="0" noProof="0" dirty="0">
               <a:ln>
@@ -1189,7 +1192,7 @@
                 <a:tabLst/>
                 <a:defRPr/>
               </a:pPr>
-              <a:t>7/3/2022</a:t>
+              <a:t>7/13/2022</a:t>
             </a:fld>
             <a:endParaRPr kumimoji="0" lang="en-US" sz="1200" b="0" i="0" u="none" strike="noStrike" kern="1200" cap="none" spc="0" normalizeH="0" baseline="0" noProof="0" dirty="0">
               <a:ln>
@@ -1538,7 +1541,7 @@
                 <a:tabLst/>
                 <a:defRPr/>
               </a:pPr>
-              <a:t>7/3/2022</a:t>
+              <a:t>7/13/2022</a:t>
             </a:fld>
             <a:endParaRPr kumimoji="0" lang="en-US" sz="1200" b="0" i="0" u="none" strike="noStrike" kern="1200" cap="none" spc="0" normalizeH="0" baseline="0" noProof="0" dirty="0">
               <a:ln>
@@ -1884,7 +1887,7 @@
                 <a:tabLst/>
                 <a:defRPr/>
               </a:pPr>
-              <a:t>7/3/2022</a:t>
+              <a:t>7/13/2022</a:t>
             </a:fld>
             <a:endParaRPr kumimoji="0" lang="en-US" sz="1200" b="0" i="0" u="none" strike="noStrike" kern="1200" cap="none" spc="0" normalizeH="0" baseline="0" noProof="0" dirty="0">
               <a:ln>
@@ -2215,7 +2218,7 @@
                 <a:tabLst/>
                 <a:defRPr/>
               </a:pPr>
-              <a:t>7/3/2022</a:t>
+              <a:t>7/13/2022</a:t>
             </a:fld>
             <a:endParaRPr kumimoji="0" lang="en-US" sz="1200" b="0" i="0" u="none" strike="noStrike" kern="1200" cap="none" spc="0" normalizeH="0" baseline="0" noProof="0" dirty="0">
               <a:ln>
@@ -2555,7 +2558,7 @@
                 <a:tabLst/>
                 <a:defRPr/>
               </a:pPr>
-              <a:t>7/3/2022</a:t>
+              <a:t>7/13/2022</a:t>
             </a:fld>
             <a:endParaRPr kumimoji="0" lang="en-US" sz="1200" b="0" i="0" u="none" strike="noStrike" kern="1200" cap="none" spc="0" normalizeH="0" baseline="0" noProof="0" dirty="0">
               <a:ln>
@@ -2895,7 +2898,7 @@
                 <a:tabLst/>
                 <a:defRPr/>
               </a:pPr>
-              <a:t>7/3/2022</a:t>
+              <a:t>7/13/2022</a:t>
             </a:fld>
             <a:endParaRPr kumimoji="0" lang="en-US" sz="1200" b="0" i="0" u="none" strike="noStrike" kern="1200" cap="none" spc="0" normalizeH="0" baseline="0" noProof="0" dirty="0">
               <a:ln>
@@ -3235,7 +3238,7 @@
                 <a:tabLst/>
                 <a:defRPr/>
               </a:pPr>
-              <a:t>7/3/2022</a:t>
+              <a:t>7/13/2022</a:t>
             </a:fld>
             <a:endParaRPr kumimoji="0" lang="en-US" sz="1200" b="0" i="0" u="none" strike="noStrike" kern="1200" cap="none" spc="0" normalizeH="0" baseline="0" noProof="0" dirty="0">
               <a:ln>
@@ -3575,7 +3578,7 @@
                 <a:tabLst/>
                 <a:defRPr/>
               </a:pPr>
-              <a:t>7/3/2022</a:t>
+              <a:t>7/13/2022</a:t>
             </a:fld>
             <a:endParaRPr kumimoji="0" lang="en-US" sz="1200" b="0" i="0" u="none" strike="noStrike" kern="1200" cap="none" spc="0" normalizeH="0" baseline="0" noProof="0" dirty="0">
               <a:ln>
@@ -3909,7 +3912,7 @@
                 <a:tabLst/>
                 <a:defRPr/>
               </a:pPr>
-              <a:t>7/3/2022</a:t>
+              <a:t>7/13/2022</a:t>
             </a:fld>
             <a:endParaRPr kumimoji="0" lang="en-US" sz="1200" b="0" i="0" u="none" strike="noStrike" kern="1200" cap="none" spc="0" normalizeH="0" baseline="0" noProof="0" dirty="0">
               <a:ln>
@@ -4265,7 +4268,7 @@
                 <a:tabLst/>
                 <a:defRPr/>
               </a:pPr>
-              <a:t>7/3/2022</a:t>
+              <a:t>7/13/2022</a:t>
             </a:fld>
             <a:endParaRPr kumimoji="0" lang="en-US" sz="1200" b="0" i="0" u="none" strike="noStrike" kern="1200" cap="none" spc="0" normalizeH="0" baseline="0" noProof="0" dirty="0">
               <a:ln>
@@ -5154,7 +5157,7 @@
           <a:p>
             <a:fld id="{B1DF5501-EE91-4443-9D3B-24E6F28D34E2}" type="datetime1">
               <a:rPr lang="en-US" smtClean="0"/>
-              <a:t>7/3/2022</a:t>
+              <a:t>7/13/2022</a:t>
             </a:fld>
             <a:endParaRPr lang="en-US" dirty="0"/>
           </a:p>
@@ -5428,7 +5431,7 @@
           <a:p>
             <a:fld id="{E954E1E9-8456-43AD-BA28-861520D256B9}" type="datetime1">
               <a:rPr lang="en-US" smtClean="0"/>
-              <a:t>7/3/2022</a:t>
+              <a:t>7/13/2022</a:t>
             </a:fld>
             <a:endParaRPr lang="en-US" dirty="0"/>
           </a:p>
@@ -5754,7 +5757,7 @@
           <a:p>
             <a:fld id="{FAF31E0C-AAFD-4E63-B3AE-16CD757951F4}" type="datetime1">
               <a:rPr lang="en-US" smtClean="0"/>
-              <a:t>7/3/2022</a:t>
+              <a:t>7/13/2022</a:t>
             </a:fld>
             <a:endParaRPr lang="en-US" dirty="0"/>
           </a:p>
@@ -6107,7 +6110,7 @@
           <a:p>
             <a:fld id="{000084FF-4715-4B6E-BD22-453621E5873F}" type="datetime1">
               <a:rPr lang="en-US" smtClean="0"/>
-              <a:t>7/3/2022</a:t>
+              <a:t>7/13/2022</a:t>
             </a:fld>
             <a:endParaRPr lang="en-US" dirty="0"/>
           </a:p>
@@ -6433,7 +6436,7 @@
           <a:p>
             <a:fld id="{6AC37F8D-4DF5-4AB6-A766-5A84B3D74A3B}" type="datetime1">
               <a:rPr lang="en-US" smtClean="0"/>
-              <a:t>7/3/2022</a:t>
+              <a:t>7/13/2022</a:t>
             </a:fld>
             <a:endParaRPr lang="en-US" dirty="0"/>
           </a:p>
@@ -6838,7 +6841,7 @@
           <a:p>
             <a:fld id="{1BF3CD1A-162D-40B2-9B22-9056F77C27F2}" type="datetime1">
               <a:rPr lang="en-US" smtClean="0"/>
-              <a:t>7/3/2022</a:t>
+              <a:t>7/13/2022</a:t>
             </a:fld>
             <a:endParaRPr lang="en-US" dirty="0"/>
           </a:p>
@@ -7020,7 +7023,7 @@
           <a:p>
             <a:fld id="{D42E4200-B1E5-4E39-8279-05DD69810A37}" type="datetime1">
               <a:rPr lang="en-US" smtClean="0"/>
-              <a:t>7/3/2022</a:t>
+              <a:t>7/13/2022</a:t>
             </a:fld>
             <a:endParaRPr lang="en-US" dirty="0"/>
           </a:p>
@@ -7211,7 +7214,7 @@
           <a:p>
             <a:fld id="{47CF7895-00AC-42E5-9790-7B0E3CE09DF2}" type="datetime1">
               <a:rPr lang="en-US" smtClean="0"/>
-              <a:t>7/3/2022</a:t>
+              <a:t>7/13/2022</a:t>
             </a:fld>
             <a:endParaRPr lang="en-US" dirty="0"/>
           </a:p>
@@ -7402,7 +7405,7 @@
           <a:p>
             <a:fld id="{059A67F1-3EA0-4026-BE6A-31EE4E1B1DB5}" type="datetime1">
               <a:rPr lang="en-US" smtClean="0"/>
-              <a:t>7/3/2022</a:t>
+              <a:t>7/13/2022</a:t>
             </a:fld>
             <a:endParaRPr lang="en-US" dirty="0"/>
           </a:p>
@@ -7686,7 +7689,7 @@
           <a:p>
             <a:fld id="{3F9A13D6-B8C2-463B-B3F7-C62E098B328E}" type="datetime1">
               <a:rPr lang="en-US" smtClean="0"/>
-              <a:t>7/3/2022</a:t>
+              <a:t>7/13/2022</a:t>
             </a:fld>
             <a:endParaRPr lang="en-US" dirty="0"/>
           </a:p>
@@ -7929,7 +7932,7 @@
           <a:p>
             <a:fld id="{D2B63420-31EE-4E4B-911C-2601B14D9FDD}" type="datetime1">
               <a:rPr lang="en-US" smtClean="0"/>
-              <a:t>7/3/2022</a:t>
+              <a:t>7/13/2022</a:t>
             </a:fld>
             <a:endParaRPr lang="en-US" dirty="0"/>
           </a:p>
@@ -8314,7 +8317,7 @@
           <a:p>
             <a:fld id="{2DD8986D-86F8-41E6-8CFF-8C91AEF92622}" type="datetime1">
               <a:rPr lang="en-US" smtClean="0"/>
-              <a:t>7/3/2022</a:t>
+              <a:t>7/13/2022</a:t>
             </a:fld>
             <a:endParaRPr lang="en-US" dirty="0"/>
           </a:p>
@@ -8448,7 +8451,7 @@
           <a:p>
             <a:fld id="{BA885161-032E-4C6A-8EDA-39D168DF18E4}" type="datetime1">
               <a:rPr lang="en-US" smtClean="0"/>
-              <a:t>7/3/2022</a:t>
+              <a:t>7/13/2022</a:t>
             </a:fld>
             <a:endParaRPr lang="en-US" dirty="0"/>
           </a:p>
@@ -8554,7 +8557,7 @@
           <a:p>
             <a:fld id="{958E6740-E523-48D9-9C4E-6F218E87BAF3}" type="datetime1">
               <a:rPr lang="en-US" smtClean="0"/>
-              <a:t>7/3/2022</a:t>
+              <a:t>7/13/2022</a:t>
             </a:fld>
             <a:endParaRPr lang="en-US" dirty="0"/>
           </a:p>
@@ -8820,7 +8823,7 @@
           <a:p>
             <a:fld id="{6121D4CA-FF09-4CB8-8D51-2613D19A0F2E}" type="datetime1">
               <a:rPr lang="en-US" smtClean="0"/>
-              <a:t>7/3/2022</a:t>
+              <a:t>7/13/2022</a:t>
             </a:fld>
             <a:endParaRPr lang="en-US" dirty="0"/>
           </a:p>
@@ -9093,7 +9096,7 @@
           <a:p>
             <a:fld id="{8C4779EA-AEA7-43B3-9B65-A77E9A890421}" type="datetime1">
               <a:rPr lang="en-US" smtClean="0"/>
-              <a:t>7/3/2022</a:t>
+              <a:t>7/13/2022</a:t>
             </a:fld>
             <a:endParaRPr lang="en-US" dirty="0"/>
           </a:p>
@@ -9846,7 +9849,7 @@
           <a:p>
             <a:fld id="{059A67F1-3EA0-4026-BE6A-31EE4E1B1DB5}" type="datetime1">
               <a:rPr lang="en-US" smtClean="0"/>
-              <a:t>7/3/2022</a:t>
+              <a:t>7/13/2022</a:t>
             </a:fld>
             <a:endParaRPr lang="en-US" dirty="0"/>
           </a:p>
@@ -10623,7 +10626,7 @@
                 <a:tabLst/>
                 <a:defRPr/>
               </a:pPr>
-              <a:t>7/3/2022</a:t>
+              <a:t>7/13/2022</a:t>
             </a:fld>
             <a:endParaRPr kumimoji="0" lang="en-US" sz="900" b="0" i="0" u="none" strike="noStrike" kern="1200" cap="none" spc="0" normalizeH="0" baseline="0" noProof="0" dirty="0">
               <a:ln>
@@ -11267,7 +11270,7 @@
                 <a:tabLst/>
                 <a:defRPr/>
               </a:pPr>
-              <a:t>7/3/2022</a:t>
+              <a:t>7/13/2022</a:t>
             </a:fld>
             <a:endParaRPr kumimoji="0" lang="en-US" sz="900" b="0" i="0" u="none" strike="noStrike" kern="1200" cap="none" spc="0" normalizeH="0" baseline="0" noProof="0" dirty="0">
               <a:ln>
@@ -11655,7 +11658,7 @@
                 <a:tabLst/>
                 <a:defRPr/>
               </a:pPr>
-              <a:t>7/3/2022</a:t>
+              <a:t>7/13/2022</a:t>
             </a:fld>
             <a:endParaRPr kumimoji="0" lang="en-US" sz="900" b="0" i="0" u="none" strike="noStrike" kern="1200" cap="none" spc="0" normalizeH="0" baseline="0" noProof="0" dirty="0">
               <a:ln>
@@ -11900,7 +11903,7 @@
           <a:p>
             <a:r>
               <a:rPr lang="en-US" dirty="0"/>
-              <a:t>Get some bounce!</a:t>
+              <a:t>Get some bounce – a closer look</a:t>
             </a:r>
           </a:p>
         </p:txBody>
@@ -11970,7 +11973,7 @@
           <a:p>
             <a:fld id="{A7119916-CD40-456D-ABE3-55F8822671F7}" type="datetime1">
               <a:rPr lang="en-US" smtClean="0"/>
-              <a:t>7/3/2022</a:t>
+              <a:t>7/13/2022</a:t>
             </a:fld>
             <a:endParaRPr lang="en-US" dirty="0"/>
           </a:p>
@@ -12097,7 +12100,7 @@
           <a:p>
             <a:r>
               <a:rPr lang="en-US" dirty="0"/>
-              <a:t>Bouncing Plan</a:t>
+              <a:t>Bouncing Ball Plan</a:t>
             </a:r>
           </a:p>
         </p:txBody>
@@ -12322,7 +12325,7 @@
           <a:p>
             <a:fld id="{A7119916-CD40-456D-ABE3-55F8822671F7}" type="datetime1">
               <a:rPr lang="en-US" smtClean="0"/>
-              <a:t>7/3/2022</a:t>
+              <a:t>7/13/2022</a:t>
             </a:fld>
             <a:endParaRPr lang="en-US" dirty="0"/>
           </a:p>
@@ -12538,7 +12541,7 @@
                 <a:tabLst/>
                 <a:defRPr/>
               </a:pPr>
-              <a:t>7/3/2022</a:t>
+              <a:t>7/13/2022</a:t>
             </a:fld>
             <a:endParaRPr kumimoji="0" lang="en-US" sz="900" b="0" i="0" u="none" strike="noStrike" kern="1200" cap="none" spc="0" normalizeH="0" baseline="0" noProof="0" dirty="0">
               <a:ln>
@@ -12771,7 +12774,7 @@
           <a:p>
             <a:r>
               <a:rPr lang="en-US" dirty="0"/>
-              <a:t>Functions Samples</a:t>
+              <a:t>Overall View Samples</a:t>
             </a:r>
           </a:p>
         </p:txBody>
@@ -12794,31 +12797,31 @@
         </p:nvSpPr>
         <p:spPr/>
         <p:txBody>
-          <a:bodyPr/>
-          <a:lstStyle/>
-          <a:p>
-            <a:r>
-              <a:rPr lang="en-US" sz="2800" dirty="0"/>
-              <a:t>samples/</a:t>
-            </a:r>
-          </a:p>
-          <a:p>
-            <a:pPr lvl="1"/>
-            <a:r>
-              <a:rPr lang="en-US" sz="2600" dirty="0"/>
-              <a:t>shapes.py – function - points to lines to letters</a:t>
-            </a:r>
-          </a:p>
-          <a:p>
-            <a:pPr lvl="1"/>
-            <a:r>
-              <a:rPr lang="en-US" sz="2600" dirty="0"/>
-              <a:t>shapes_around_text.py – adding text to drawing</a:t>
-            </a:r>
-          </a:p>
-          <a:p>
-            <a:pPr lvl="1"/>
-            <a:endParaRPr lang="en-US" dirty="0"/>
+          <a:bodyPr>
+            <a:normAutofit/>
+          </a:bodyPr>
+          <a:lstStyle/>
+          <a:p>
+            <a:pPr marL="457200" lvl="1" indent="0">
+              <a:buNone/>
+            </a:pPr>
+            <a:r>
+              <a:rPr lang="en-US" sz="3600" dirty="0">
+                <a:solidFill>
+                  <a:schemeClr val="accent1"/>
+                </a:solidFill>
+              </a:rPr>
+              <a:t>Animation / control</a:t>
+            </a:r>
+          </a:p>
+          <a:p>
+            <a:pPr marL="457200" lvl="1" indent="0" algn="ctr">
+              <a:buNone/>
+            </a:pPr>
+            <a:r>
+              <a:rPr lang="en-US" sz="3600" dirty="0"/>
+              <a:t>bouncing_balls.py</a:t>
+            </a:r>
           </a:p>
         </p:txBody>
       </p:sp>
@@ -12850,7 +12853,7 @@
           <a:p>
             <a:fld id="{A7119916-CD40-456D-ABE3-55F8822671F7}" type="datetime1">
               <a:rPr lang="en-US" smtClean="0"/>
-              <a:t>7/3/2022</a:t>
+              <a:t>7/13/2022</a:t>
             </a:fld>
             <a:endParaRPr lang="en-US" dirty="0"/>
           </a:p>
@@ -13181,7 +13184,7 @@
                 <a:tabLst/>
                 <a:defRPr/>
               </a:pPr>
-              <a:t>7/3/2022</a:t>
+              <a:t>7/13/2022</a:t>
             </a:fld>
             <a:endParaRPr kumimoji="0" lang="en-US" sz="900" b="0" i="0" u="none" strike="noStrike" kern="1200" cap="none" spc="0" normalizeH="0" baseline="0" noProof="0" dirty="0">
               <a:ln>
@@ -13718,7 +13721,7 @@
                 <a:tabLst/>
                 <a:defRPr/>
               </a:pPr>
-              <a:t>7/3/2022</a:t>
+              <a:t>7/13/2022</a:t>
             </a:fld>
             <a:endParaRPr kumimoji="0" lang="en-US" sz="900" b="0" i="0" u="none" strike="noStrike" kern="1200" cap="none" spc="0" normalizeH="0" baseline="0" noProof="0" dirty="0">
               <a:ln>
@@ -14155,7 +14158,7 @@
                 <a:tabLst/>
                 <a:defRPr/>
               </a:pPr>
-              <a:t>7/3/2022</a:t>
+              <a:t>7/13/2022</a:t>
             </a:fld>
             <a:endParaRPr kumimoji="0" lang="en-US" sz="900" b="0" i="0" u="none" strike="noStrike" kern="1200" cap="none" spc="0" normalizeH="0" baseline="0" noProof="0" dirty="0">
               <a:ln>
@@ -14400,6 +14403,7 @@
           </a:bodyPr>
           <a:lstStyle/>
           <a:p>
+            <a:pPr algn="ctr"/>
             <a:r>
               <a:rPr lang="en-US" dirty="0"/>
               <a:t>Functions - </a:t>
@@ -14421,6 +14425,22 @@
               </a:rPr>
               <a:t>a Simple path to modules</a:t>
             </a:r>
+            <a:br>
+              <a:rPr kumimoji="0" lang="en-US" sz="3200" b="0" i="0" u="none" strike="noStrike" kern="1200" cap="none" spc="0" normalizeH="0" baseline="0" noProof="0" dirty="0">
+                <a:ln>
+                  <a:noFill/>
+                </a:ln>
+                <a:solidFill>
+                  <a:srgbClr val="90C226"/>
+                </a:solidFill>
+                <a:effectLst/>
+                <a:uLnTx/>
+                <a:uFillTx/>
+                <a:latin typeface="Trebuchet MS" panose="020B0603020202020204"/>
+                <a:ea typeface="+mj-ea"/>
+                <a:cs typeface="+mj-cs"/>
+              </a:rPr>
+            </a:br>
             <a:endParaRPr lang="en-US" sz="3200" dirty="0"/>
           </a:p>
         </p:txBody>
@@ -14646,7 +14666,7 @@
                 <a:tabLst/>
                 <a:defRPr/>
               </a:pPr>
-              <a:t>7/3/2022</a:t>
+              <a:t>7/13/2022</a:t>
             </a:fld>
             <a:endParaRPr kumimoji="0" lang="en-US" sz="900" b="0" i="0" u="none" strike="noStrike" kern="1200" cap="none" spc="0" normalizeH="0" baseline="0" noProof="0" dirty="0">
               <a:ln>
@@ -14836,13 +14856,13 @@
   <p:clrMapOvr>
     <a:masterClrMapping/>
   </p:clrMapOvr>
-  <mc:AlternateContent xmlns:mc="http://schemas.openxmlformats.org/markup-compatibility/2006">
-    <mc:Choice xmlns:p14="http://schemas.microsoft.com/office/powerpoint/2010/main" Requires="p14">
+  <mc:AlternateContent xmlns:mc="http://schemas.openxmlformats.org/markup-compatibility/2006" xmlns:p14="http://schemas.microsoft.com/office/powerpoint/2010/main">
+    <mc:Choice Requires="p14">
       <p:transition spd="med" p14:dur="700">
         <p:fade/>
       </p:transition>
     </mc:Choice>
-    <mc:Fallback>
+    <mc:Fallback xmlns="">
       <p:transition spd="med">
         <p:fade/>
       </p:transition>
@@ -14950,7 +14970,60 @@
                 <a:latin typeface="+mj-lt"/>
                 <a:cs typeface="Courier New" panose="02070309020205020404" pitchFamily="49" charset="0"/>
               </a:rPr>
-              <a:t>f. Expand friends module</a:t>
+              <a:t>f. Expand friends module: friends_mod.py</a:t>
+            </a:r>
+          </a:p>
+          <a:p>
+            <a:pPr marL="1714500" lvl="3" indent="-457200"/>
+            <a:r>
+              <a:rPr lang="en-US" sz="2800" dirty="0">
+                <a:solidFill>
+                  <a:schemeClr val="accent1"/>
+                </a:solidFill>
+                <a:latin typeface="+mj-lt"/>
+                <a:cs typeface="Courier New" panose="02070309020205020404" pitchFamily="49" charset="0"/>
+              </a:rPr>
+              <a:t>Add </a:t>
+            </a:r>
+            <a:r>
+              <a:rPr lang="en-US" sz="2800" dirty="0" err="1">
+                <a:solidFill>
+                  <a:schemeClr val="accent1"/>
+                </a:solidFill>
+                <a:latin typeface="+mj-lt"/>
+                <a:cs typeface="Courier New" panose="02070309020205020404" pitchFamily="49" charset="0"/>
+              </a:rPr>
+              <a:t>set_friends</a:t>
+            </a:r>
+            <a:r>
+              <a:rPr lang="en-US" sz="2800" dirty="0">
+                <a:solidFill>
+                  <a:schemeClr val="accent1"/>
+                </a:solidFill>
+                <a:latin typeface="+mj-lt"/>
+                <a:cs typeface="Courier New" panose="02070309020205020404" pitchFamily="49" charset="0"/>
+              </a:rPr>
+              <a:t>(), </a:t>
+            </a:r>
+            <a:r>
+              <a:rPr lang="en-US" sz="2800" dirty="0" err="1">
+                <a:solidFill>
+                  <a:schemeClr val="accent1"/>
+                </a:solidFill>
+                <a:latin typeface="+mj-lt"/>
+                <a:cs typeface="Courier New" panose="02070309020205020404" pitchFamily="49" charset="0"/>
+              </a:rPr>
+              <a:t>add_friend</a:t>
+            </a:r>
+            <a:r>
+              <a:rPr lang="en-US" sz="2800" dirty="0">
+                <a:solidFill>
+                  <a:schemeClr val="accent1"/>
+                </a:solidFill>
+                <a:latin typeface="+mj-lt"/>
+                <a:cs typeface="Courier New" panose="02070309020205020404" pitchFamily="49" charset="0"/>
+              </a:rPr>
+              <a:t>()</a:t>
             </a:r>
           </a:p>
           <a:p>
@@ -14982,6 +15055,21 @@
                 <a:cs typeface="Courier New" panose="02070309020205020404" pitchFamily="49" charset="0"/>
               </a:rPr>
               <a:t>g. Use expanded friends  module</a:t>
+            </a:r>
+          </a:p>
+          <a:p>
+            <a:pPr marL="1257300" lvl="3" indent="0">
+              <a:buNone/>
+            </a:pPr>
+            <a:r>
+              <a:rPr lang="en-US" sz="2800" dirty="0">
+                <a:solidFill>
+                  <a:schemeClr val="accent1"/>
+                </a:solidFill>
+                <a:latin typeface="+mj-lt"/>
+                <a:cs typeface="Courier New" panose="02070309020205020404" pitchFamily="49" charset="0"/>
+              </a:rPr>
+              <a:t>friends_mod_use.py</a:t>
             </a:r>
           </a:p>
           <a:p>
@@ -15115,7 +15203,7 @@
                 <a:tabLst/>
                 <a:defRPr/>
               </a:pPr>
-              <a:t>7/3/2022</a:t>
+              <a:t>7/13/2022</a:t>
             </a:fld>
             <a:endParaRPr kumimoji="0" lang="en-US" sz="900" b="0" i="0" u="none" strike="noStrike" kern="1200" cap="none" spc="0" normalizeH="0" baseline="0" noProof="0" dirty="0">
               <a:ln>
@@ -15305,13 +15393,13 @@
   <p:clrMapOvr>
     <a:masterClrMapping/>
   </p:clrMapOvr>
-  <mc:AlternateContent xmlns:mc="http://schemas.openxmlformats.org/markup-compatibility/2006">
-    <mc:Choice xmlns:p14="http://schemas.microsoft.com/office/powerpoint/2010/main" Requires="p14">
+  <mc:AlternateContent xmlns:mc="http://schemas.openxmlformats.org/markup-compatibility/2006" xmlns:p14="http://schemas.microsoft.com/office/powerpoint/2010/main">
+    <mc:Choice Requires="p14">
       <p:transition spd="med" p14:dur="700">
         <p:fade/>
       </p:transition>
     </mc:Choice>
-    <mc:Fallback>
+    <mc:Fallback xmlns="">
       <p:transition spd="med">
         <p:fade/>
       </p:transition>
@@ -15361,11 +15449,7 @@
           <a:lstStyle/>
           <a:p>
             <a:r>
-              <a:rPr lang="en-US" dirty="0"/>
-              <a:t>Functions </a:t>
-            </a:r>
-            <a:r>
-              <a:rPr kumimoji="0" lang="en-US" sz="2400" b="0" i="0" u="none" strike="noStrike" kern="1200" cap="none" spc="0" normalizeH="0" baseline="0" noProof="0" dirty="0">
+              <a:rPr kumimoji="0" lang="en-US" b="0" i="0" u="none" strike="noStrike" kern="1200" cap="none" spc="0" normalizeH="0" baseline="0" noProof="0" dirty="0">
                 <a:ln>
                   <a:noFill/>
                 </a:ln>
@@ -15379,9 +15463,9 @@
                 <a:ea typeface="+mj-ea"/>
                 <a:cs typeface="+mj-cs"/>
               </a:rPr>
-              <a:t>(as well as other stuff)</a:t>
-            </a:r>
-            <a:r>
+              <a:t>Help / Info</a:t>
+            </a:r>
+            <a:br>
               <a:rPr kumimoji="0" lang="en-US" b="0" i="0" u="none" strike="noStrike" kern="1200" cap="none" spc="0" normalizeH="0" baseline="0" noProof="0" dirty="0">
                 <a:ln>
                   <a:noFill/>
@@ -15396,9 +15480,25 @@
                 <a:ea typeface="+mj-ea"/>
                 <a:cs typeface="+mj-cs"/>
               </a:rPr>
-              <a:t> Help / Info</a:t>
-            </a:r>
-            <a:endParaRPr lang="en-US" dirty="0"/>
+            </a:br>
+            <a:r>
+              <a:rPr kumimoji="0" lang="en-US" sz="3200" b="0" i="0" u="none" strike="noStrike" kern="1200" cap="none" spc="0" normalizeH="0" baseline="0" noProof="0" dirty="0">
+                <a:ln>
+                  <a:noFill/>
+                </a:ln>
+                <a:solidFill>
+                  <a:srgbClr val="90C226"/>
+                </a:solidFill>
+                <a:effectLst/>
+                <a:uLnTx/>
+                <a:uFillTx/>
+                <a:latin typeface="Trebuchet MS" panose="020B0603020202020204"/>
+                <a:ea typeface="+mj-ea"/>
+                <a:cs typeface="+mj-cs"/>
+              </a:rPr>
+              <a:t>on Functions plus Other Stuff</a:t>
+            </a:r>
+            <a:endParaRPr lang="en-US" sz="3200" dirty="0"/>
           </a:p>
         </p:txBody>
       </p:sp>
@@ -15421,13 +15521,11 @@
         <p:spPr/>
         <p:txBody>
           <a:bodyPr>
-            <a:normAutofit fontScale="92500" lnSpcReduction="20000"/>
+            <a:normAutofit fontScale="85000" lnSpcReduction="10000"/>
           </a:bodyPr>
           <a:lstStyle/>
           <a:p>
-            <a:pPr marL="800100" lvl="2" indent="0">
-              <a:buNone/>
-            </a:pPr>
+            <a:pPr marL="1257300" lvl="2" indent="-457200"/>
             <a:r>
               <a:rPr lang="en-US" sz="3000" dirty="0">
                 <a:latin typeface="+mj-lt"/>
@@ -15437,17 +15535,29 @@
             </a:r>
           </a:p>
           <a:p>
-            <a:pPr marL="1714500" lvl="3" indent="-457200"/>
+            <a:pPr marL="1257300" lvl="2" indent="-457200"/>
+            <a:r>
+              <a:rPr lang="en-US" sz="3000" dirty="0">
+                <a:latin typeface="+mj-lt"/>
+                <a:cs typeface="Courier New" panose="02070309020205020404" pitchFamily="49" charset="0"/>
+              </a:rPr>
+              <a:t>       Python Tutorial:</a:t>
+            </a:r>
+          </a:p>
+          <a:p>
+            <a:pPr marL="1257300" lvl="3" indent="0">
+              <a:buNone/>
+            </a:pPr>
             <a:r>
               <a:rPr lang="en-US" sz="2800" dirty="0">
                 <a:latin typeface="+mj-lt"/>
                 <a:cs typeface="Courier New" panose="02070309020205020404" pitchFamily="49" charset="0"/>
               </a:rPr>
-              <a:t>       Python Tutorial:</a:t>
-            </a:r>
-          </a:p>
-          <a:p>
-            <a:pPr marL="1714500" lvl="4" indent="0">
+              <a:t>           4.6. Defining Functions</a:t>
+            </a:r>
+          </a:p>
+          <a:p>
+            <a:pPr marL="1257300" lvl="3" indent="0">
               <a:buNone/>
             </a:pPr>
             <a:r>
@@ -15455,11 +15565,11 @@
                 <a:latin typeface="+mj-lt"/>
                 <a:cs typeface="Courier New" panose="02070309020205020404" pitchFamily="49" charset="0"/>
               </a:rPr>
-              <a:t>           4.6. Defining Functions</a:t>
-            </a:r>
-          </a:p>
-          <a:p>
-            <a:pPr marL="1714500" lvl="4" indent="0">
+              <a:t>           4.7. More on Defining Functions</a:t>
+            </a:r>
+          </a:p>
+          <a:p>
+            <a:pPr marL="1257300" lvl="3" indent="0">
               <a:buNone/>
             </a:pPr>
             <a:r>
@@ -15467,46 +15577,34 @@
                 <a:latin typeface="+mj-lt"/>
                 <a:cs typeface="Courier New" panose="02070309020205020404" pitchFamily="49" charset="0"/>
               </a:rPr>
-              <a:t>           4.7. More on Defining Functions</a:t>
-            </a:r>
-          </a:p>
-          <a:p>
-            <a:pPr marL="1714500" lvl="4" indent="0">
-              <a:buNone/>
-            </a:pPr>
-            <a:r>
-              <a:rPr lang="en-US" sz="2800" dirty="0">
+              <a:t>           4.7.2. Keyword Arguments</a:t>
+            </a:r>
+          </a:p>
+          <a:p>
+            <a:pPr marL="1257300" lvl="2" indent="-457200"/>
+            <a:r>
+              <a:rPr lang="en-US" sz="3000" dirty="0">
                 <a:latin typeface="+mj-lt"/>
                 <a:cs typeface="Courier New" panose="02070309020205020404" pitchFamily="49" charset="0"/>
               </a:rPr>
-              <a:t>           4.7.2. Keyword Arguments</a:t>
-            </a:r>
-          </a:p>
-          <a:p>
-            <a:pPr marL="1714500" lvl="3" indent="-457200"/>
-            <a:r>
-              <a:rPr lang="en-US" sz="2800" dirty="0">
-                <a:latin typeface="+mj-lt"/>
-                <a:cs typeface="Courier New" panose="02070309020205020404" pitchFamily="49" charset="0"/>
-              </a:rPr>
               <a:t>       The Python Language Reference</a:t>
             </a:r>
           </a:p>
           <a:p>
-            <a:pPr marL="1257300" lvl="2" indent="-457200"/>
-            <a:endParaRPr lang="en-US" sz="3000" dirty="0">
+            <a:pPr marL="857250" lvl="1" indent="-457200"/>
+            <a:endParaRPr lang="en-US" sz="3200" dirty="0">
               <a:latin typeface="+mj-lt"/>
               <a:cs typeface="Courier New" panose="02070309020205020404" pitchFamily="49" charset="0"/>
             </a:endParaRPr>
           </a:p>
           <a:p>
-            <a:pPr marL="1257300" lvl="2" indent="-457200"/>
-            <a:r>
-              <a:rPr lang="en-US" sz="3000" dirty="0">
+            <a:pPr marL="857250" lvl="1" indent="-457200"/>
+            <a:r>
+              <a:rPr lang="en-US" sz="3200" dirty="0">
                 <a:latin typeface="+mj-lt"/>
                 <a:cs typeface="Courier New" panose="02070309020205020404" pitchFamily="49" charset="0"/>
               </a:rPr>
-              <a:t>  https://www.w3schools.com/python</a:t>
+              <a:t>  Online - https://www.w3schools.com/python</a:t>
             </a:r>
           </a:p>
           <a:p>
@@ -15595,7 +15693,7 @@
                 <a:tabLst/>
                 <a:defRPr/>
               </a:pPr>
-              <a:t>7/3/2022</a:t>
+              <a:t>7/13/2022</a:t>
             </a:fld>
             <a:endParaRPr kumimoji="0" lang="en-US" sz="900" b="0" i="0" u="none" strike="noStrike" kern="1200" cap="none" spc="0" normalizeH="0" baseline="0" noProof="0" dirty="0">
               <a:ln>
@@ -15785,13 +15883,13 @@
   <p:clrMapOvr>
     <a:masterClrMapping/>
   </p:clrMapOvr>
-  <mc:AlternateContent xmlns:mc="http://schemas.openxmlformats.org/markup-compatibility/2006">
-    <mc:Choice xmlns:p14="http://schemas.microsoft.com/office/powerpoint/2010/main" Requires="p14">
+  <mc:AlternateContent xmlns:mc="http://schemas.openxmlformats.org/markup-compatibility/2006" xmlns:p14="http://schemas.microsoft.com/office/powerpoint/2010/main">
+    <mc:Choice Requires="p14">
       <p:transition spd="med" p14:dur="700">
         <p:fade/>
       </p:transition>
     </mc:Choice>
-    <mc:Fallback>
+    <mc:Fallback xmlns="">
       <p:transition spd="med">
         <p:fade/>
       </p:transition>
@@ -16018,7 +16116,7 @@
                 <a:tabLst/>
                 <a:defRPr/>
               </a:pPr>
-              <a:t>7/3/2022</a:t>
+              <a:t>7/13/2022</a:t>
             </a:fld>
             <a:endParaRPr kumimoji="0" lang="en-US" sz="900" b="0" i="0" u="none" strike="noStrike" kern="1200" cap="none" spc="0" normalizeH="0" baseline="0" noProof="0" dirty="0">
               <a:ln>

--- a/presentation/Class_3_Functions_Why_and_How/Class_3_Functions_Why_and_How.pptx
+++ b/presentation/Class_3_Functions_Why_and_How/Class_3_Functions_Why_and_How.pptx
@@ -228,7 +228,7 @@
           <a:p>
             <a:fld id="{2F2D3CE1-F05B-4C3D-9D5C-72AEEB268A38}" type="datetimeFigureOut">
               <a:rPr lang="en-US" smtClean="0"/>
-              <a:t>7/13/2022</a:t>
+              <a:t>8/9/2022</a:t>
             </a:fld>
             <a:endParaRPr lang="en-US"/>
           </a:p>
@@ -405,7 +405,7 @@
           <a:p>
             <a:fld id="{13370B23-86E2-4053-8EEB-332AC694C455}" type="datetimeFigureOut">
               <a:rPr lang="en-US" smtClean="0"/>
-              <a:t>7/13/2022</a:t>
+              <a:t>8/9/2022</a:t>
             </a:fld>
             <a:endParaRPr lang="en-US"/>
           </a:p>
@@ -836,7 +836,7 @@
                 <a:tabLst/>
                 <a:defRPr/>
               </a:pPr>
-              <a:t>7/13/2022</a:t>
+              <a:t>8/9/2022</a:t>
             </a:fld>
             <a:endParaRPr kumimoji="0" lang="en-US" sz="1200" b="0" i="0" u="none" strike="noStrike" kern="1200" cap="none" spc="0" normalizeH="0" baseline="0" noProof="0" dirty="0">
               <a:ln>
@@ -1192,7 +1192,7 @@
                 <a:tabLst/>
                 <a:defRPr/>
               </a:pPr>
-              <a:t>7/13/2022</a:t>
+              <a:t>8/9/2022</a:t>
             </a:fld>
             <a:endParaRPr kumimoji="0" lang="en-US" sz="1200" b="0" i="0" u="none" strike="noStrike" kern="1200" cap="none" spc="0" normalizeH="0" baseline="0" noProof="0" dirty="0">
               <a:ln>
@@ -1541,7 +1541,7 @@
                 <a:tabLst/>
                 <a:defRPr/>
               </a:pPr>
-              <a:t>7/13/2022</a:t>
+              <a:t>8/9/2022</a:t>
             </a:fld>
             <a:endParaRPr kumimoji="0" lang="en-US" sz="1200" b="0" i="0" u="none" strike="noStrike" kern="1200" cap="none" spc="0" normalizeH="0" baseline="0" noProof="0" dirty="0">
               <a:ln>
@@ -1887,7 +1887,7 @@
                 <a:tabLst/>
                 <a:defRPr/>
               </a:pPr>
-              <a:t>7/13/2022</a:t>
+              <a:t>8/9/2022</a:t>
             </a:fld>
             <a:endParaRPr kumimoji="0" lang="en-US" sz="1200" b="0" i="0" u="none" strike="noStrike" kern="1200" cap="none" spc="0" normalizeH="0" baseline="0" noProof="0" dirty="0">
               <a:ln>
@@ -2218,7 +2218,7 @@
                 <a:tabLst/>
                 <a:defRPr/>
               </a:pPr>
-              <a:t>7/13/2022</a:t>
+              <a:t>8/9/2022</a:t>
             </a:fld>
             <a:endParaRPr kumimoji="0" lang="en-US" sz="1200" b="0" i="0" u="none" strike="noStrike" kern="1200" cap="none" spc="0" normalizeH="0" baseline="0" noProof="0" dirty="0">
               <a:ln>
@@ -2558,7 +2558,7 @@
                 <a:tabLst/>
                 <a:defRPr/>
               </a:pPr>
-              <a:t>7/13/2022</a:t>
+              <a:t>8/9/2022</a:t>
             </a:fld>
             <a:endParaRPr kumimoji="0" lang="en-US" sz="1200" b="0" i="0" u="none" strike="noStrike" kern="1200" cap="none" spc="0" normalizeH="0" baseline="0" noProof="0" dirty="0">
               <a:ln>
@@ -2898,7 +2898,7 @@
                 <a:tabLst/>
                 <a:defRPr/>
               </a:pPr>
-              <a:t>7/13/2022</a:t>
+              <a:t>8/9/2022</a:t>
             </a:fld>
             <a:endParaRPr kumimoji="0" lang="en-US" sz="1200" b="0" i="0" u="none" strike="noStrike" kern="1200" cap="none" spc="0" normalizeH="0" baseline="0" noProof="0" dirty="0">
               <a:ln>
@@ -3238,7 +3238,7 @@
                 <a:tabLst/>
                 <a:defRPr/>
               </a:pPr>
-              <a:t>7/13/2022</a:t>
+              <a:t>8/9/2022</a:t>
             </a:fld>
             <a:endParaRPr kumimoji="0" lang="en-US" sz="1200" b="0" i="0" u="none" strike="noStrike" kern="1200" cap="none" spc="0" normalizeH="0" baseline="0" noProof="0" dirty="0">
               <a:ln>
@@ -3578,7 +3578,7 @@
                 <a:tabLst/>
                 <a:defRPr/>
               </a:pPr>
-              <a:t>7/13/2022</a:t>
+              <a:t>8/9/2022</a:t>
             </a:fld>
             <a:endParaRPr kumimoji="0" lang="en-US" sz="1200" b="0" i="0" u="none" strike="noStrike" kern="1200" cap="none" spc="0" normalizeH="0" baseline="0" noProof="0" dirty="0">
               <a:ln>
@@ -3912,7 +3912,7 @@
                 <a:tabLst/>
                 <a:defRPr/>
               </a:pPr>
-              <a:t>7/13/2022</a:t>
+              <a:t>8/9/2022</a:t>
             </a:fld>
             <a:endParaRPr kumimoji="0" lang="en-US" sz="1200" b="0" i="0" u="none" strike="noStrike" kern="1200" cap="none" spc="0" normalizeH="0" baseline="0" noProof="0" dirty="0">
               <a:ln>
@@ -4268,7 +4268,7 @@
                 <a:tabLst/>
                 <a:defRPr/>
               </a:pPr>
-              <a:t>7/13/2022</a:t>
+              <a:t>8/9/2022</a:t>
             </a:fld>
             <a:endParaRPr kumimoji="0" lang="en-US" sz="1200" b="0" i="0" u="none" strike="noStrike" kern="1200" cap="none" spc="0" normalizeH="0" baseline="0" noProof="0" dirty="0">
               <a:ln>
@@ -5157,7 +5157,7 @@
           <a:p>
             <a:fld id="{B1DF5501-EE91-4443-9D3B-24E6F28D34E2}" type="datetime1">
               <a:rPr lang="en-US" smtClean="0"/>
-              <a:t>7/13/2022</a:t>
+              <a:t>8/9/2022</a:t>
             </a:fld>
             <a:endParaRPr lang="en-US" dirty="0"/>
           </a:p>
@@ -5431,7 +5431,7 @@
           <a:p>
             <a:fld id="{E954E1E9-8456-43AD-BA28-861520D256B9}" type="datetime1">
               <a:rPr lang="en-US" smtClean="0"/>
-              <a:t>7/13/2022</a:t>
+              <a:t>8/9/2022</a:t>
             </a:fld>
             <a:endParaRPr lang="en-US" dirty="0"/>
           </a:p>
@@ -5757,7 +5757,7 @@
           <a:p>
             <a:fld id="{FAF31E0C-AAFD-4E63-B3AE-16CD757951F4}" type="datetime1">
               <a:rPr lang="en-US" smtClean="0"/>
-              <a:t>7/13/2022</a:t>
+              <a:t>8/9/2022</a:t>
             </a:fld>
             <a:endParaRPr lang="en-US" dirty="0"/>
           </a:p>
@@ -6110,7 +6110,7 @@
           <a:p>
             <a:fld id="{000084FF-4715-4B6E-BD22-453621E5873F}" type="datetime1">
               <a:rPr lang="en-US" smtClean="0"/>
-              <a:t>7/13/2022</a:t>
+              <a:t>8/9/2022</a:t>
             </a:fld>
             <a:endParaRPr lang="en-US" dirty="0"/>
           </a:p>
@@ -6436,7 +6436,7 @@
           <a:p>
             <a:fld id="{6AC37F8D-4DF5-4AB6-A766-5A84B3D74A3B}" type="datetime1">
               <a:rPr lang="en-US" smtClean="0"/>
-              <a:t>7/13/2022</a:t>
+              <a:t>8/9/2022</a:t>
             </a:fld>
             <a:endParaRPr lang="en-US" dirty="0"/>
           </a:p>
@@ -6841,7 +6841,7 @@
           <a:p>
             <a:fld id="{1BF3CD1A-162D-40B2-9B22-9056F77C27F2}" type="datetime1">
               <a:rPr lang="en-US" smtClean="0"/>
-              <a:t>7/13/2022</a:t>
+              <a:t>8/9/2022</a:t>
             </a:fld>
             <a:endParaRPr lang="en-US" dirty="0"/>
           </a:p>
@@ -7023,7 +7023,7 @@
           <a:p>
             <a:fld id="{D42E4200-B1E5-4E39-8279-05DD69810A37}" type="datetime1">
               <a:rPr lang="en-US" smtClean="0"/>
-              <a:t>7/13/2022</a:t>
+              <a:t>8/9/2022</a:t>
             </a:fld>
             <a:endParaRPr lang="en-US" dirty="0"/>
           </a:p>
@@ -7214,7 +7214,7 @@
           <a:p>
             <a:fld id="{47CF7895-00AC-42E5-9790-7B0E3CE09DF2}" type="datetime1">
               <a:rPr lang="en-US" smtClean="0"/>
-              <a:t>7/13/2022</a:t>
+              <a:t>8/9/2022</a:t>
             </a:fld>
             <a:endParaRPr lang="en-US" dirty="0"/>
           </a:p>
@@ -7405,7 +7405,7 @@
           <a:p>
             <a:fld id="{059A67F1-3EA0-4026-BE6A-31EE4E1B1DB5}" type="datetime1">
               <a:rPr lang="en-US" smtClean="0"/>
-              <a:t>7/13/2022</a:t>
+              <a:t>8/9/2022</a:t>
             </a:fld>
             <a:endParaRPr lang="en-US" dirty="0"/>
           </a:p>
@@ -7689,7 +7689,7 @@
           <a:p>
             <a:fld id="{3F9A13D6-B8C2-463B-B3F7-C62E098B328E}" type="datetime1">
               <a:rPr lang="en-US" smtClean="0"/>
-              <a:t>7/13/2022</a:t>
+              <a:t>8/9/2022</a:t>
             </a:fld>
             <a:endParaRPr lang="en-US" dirty="0"/>
           </a:p>
@@ -7932,7 +7932,7 @@
           <a:p>
             <a:fld id="{D2B63420-31EE-4E4B-911C-2601B14D9FDD}" type="datetime1">
               <a:rPr lang="en-US" smtClean="0"/>
-              <a:t>7/13/2022</a:t>
+              <a:t>8/9/2022</a:t>
             </a:fld>
             <a:endParaRPr lang="en-US" dirty="0"/>
           </a:p>
@@ -8317,7 +8317,7 @@
           <a:p>
             <a:fld id="{2DD8986D-86F8-41E6-8CFF-8C91AEF92622}" type="datetime1">
               <a:rPr lang="en-US" smtClean="0"/>
-              <a:t>7/13/2022</a:t>
+              <a:t>8/9/2022</a:t>
             </a:fld>
             <a:endParaRPr lang="en-US" dirty="0"/>
           </a:p>
@@ -8451,7 +8451,7 @@
           <a:p>
             <a:fld id="{BA885161-032E-4C6A-8EDA-39D168DF18E4}" type="datetime1">
               <a:rPr lang="en-US" smtClean="0"/>
-              <a:t>7/13/2022</a:t>
+              <a:t>8/9/2022</a:t>
             </a:fld>
             <a:endParaRPr lang="en-US" dirty="0"/>
           </a:p>
@@ -8557,7 +8557,7 @@
           <a:p>
             <a:fld id="{958E6740-E523-48D9-9C4E-6F218E87BAF3}" type="datetime1">
               <a:rPr lang="en-US" smtClean="0"/>
-              <a:t>7/13/2022</a:t>
+              <a:t>8/9/2022</a:t>
             </a:fld>
             <a:endParaRPr lang="en-US" dirty="0"/>
           </a:p>
@@ -8823,7 +8823,7 @@
           <a:p>
             <a:fld id="{6121D4CA-FF09-4CB8-8D51-2613D19A0F2E}" type="datetime1">
               <a:rPr lang="en-US" smtClean="0"/>
-              <a:t>7/13/2022</a:t>
+              <a:t>8/9/2022</a:t>
             </a:fld>
             <a:endParaRPr lang="en-US" dirty="0"/>
           </a:p>
@@ -9096,7 +9096,7 @@
           <a:p>
             <a:fld id="{8C4779EA-AEA7-43B3-9B65-A77E9A890421}" type="datetime1">
               <a:rPr lang="en-US" smtClean="0"/>
-              <a:t>7/13/2022</a:t>
+              <a:t>8/9/2022</a:t>
             </a:fld>
             <a:endParaRPr lang="en-US" dirty="0"/>
           </a:p>
@@ -9849,7 +9849,7 @@
           <a:p>
             <a:fld id="{059A67F1-3EA0-4026-BE6A-31EE4E1B1DB5}" type="datetime1">
               <a:rPr lang="en-US" smtClean="0"/>
-              <a:t>7/13/2022</a:t>
+              <a:t>8/9/2022</a:t>
             </a:fld>
             <a:endParaRPr lang="en-US" dirty="0"/>
           </a:p>
@@ -10626,7 +10626,7 @@
                 <a:tabLst/>
                 <a:defRPr/>
               </a:pPr>
-              <a:t>7/13/2022</a:t>
+              <a:t>8/9/2022</a:t>
             </a:fld>
             <a:endParaRPr kumimoji="0" lang="en-US" sz="900" b="0" i="0" u="none" strike="noStrike" kern="1200" cap="none" spc="0" normalizeH="0" baseline="0" noProof="0" dirty="0">
               <a:ln>
@@ -11270,7 +11270,7 @@
                 <a:tabLst/>
                 <a:defRPr/>
               </a:pPr>
-              <a:t>7/13/2022</a:t>
+              <a:t>8/9/2022</a:t>
             </a:fld>
             <a:endParaRPr kumimoji="0" lang="en-US" sz="900" b="0" i="0" u="none" strike="noStrike" kern="1200" cap="none" spc="0" normalizeH="0" baseline="0" noProof="0" dirty="0">
               <a:ln>
@@ -11658,7 +11658,7 @@
                 <a:tabLst/>
                 <a:defRPr/>
               </a:pPr>
-              <a:t>7/13/2022</a:t>
+              <a:t>8/9/2022</a:t>
             </a:fld>
             <a:endParaRPr kumimoji="0" lang="en-US" sz="900" b="0" i="0" u="none" strike="noStrike" kern="1200" cap="none" spc="0" normalizeH="0" baseline="0" noProof="0" dirty="0">
               <a:ln>
@@ -11931,16 +11931,20 @@
           </a:bodyPr>
           <a:lstStyle/>
           <a:p>
-            <a:r>
-              <a:rPr lang="en-US" sz="3600" dirty="0"/>
+            <a:pPr marL="0" indent="0">
+              <a:buNone/>
+            </a:pPr>
+            <a:r>
+              <a:rPr lang="en-US" sz="3200" dirty="0"/>
               <a:t>Class_3_Functions_Why…/</a:t>
             </a:r>
-          </a:p>
-          <a:p>
-            <a:pPr lvl="1"/>
-            <a:r>
-              <a:rPr lang="en-US" sz="3400" dirty="0"/>
-              <a:t>bouncing_balls.py</a:t>
+            <a:r>
+              <a:rPr lang="en-US" sz="3200" dirty="0">
+                <a:solidFill>
+                  <a:schemeClr val="tx1"/>
+                </a:solidFill>
+              </a:rPr>
+              <a:t>bouncing_ball.py</a:t>
             </a:r>
           </a:p>
         </p:txBody>
@@ -11973,7 +11977,7 @@
           <a:p>
             <a:fld id="{A7119916-CD40-456D-ABE3-55F8822671F7}" type="datetime1">
               <a:rPr lang="en-US" smtClean="0"/>
-              <a:t>7/13/2022</a:t>
+              <a:t>8/9/2022</a:t>
             </a:fld>
             <a:endParaRPr lang="en-US" dirty="0"/>
           </a:p>
@@ -12325,7 +12329,7 @@
           <a:p>
             <a:fld id="{A7119916-CD40-456D-ABE3-55F8822671F7}" type="datetime1">
               <a:rPr lang="en-US" smtClean="0"/>
-              <a:t>7/13/2022</a:t>
+              <a:t>8/9/2022</a:t>
             </a:fld>
             <a:endParaRPr lang="en-US" dirty="0"/>
           </a:p>
@@ -12541,7 +12545,7 @@
                 <a:tabLst/>
                 <a:defRPr/>
               </a:pPr>
-              <a:t>7/13/2022</a:t>
+              <a:t>8/9/2022</a:t>
             </a:fld>
             <a:endParaRPr kumimoji="0" lang="en-US" sz="900" b="0" i="0" u="none" strike="noStrike" kern="1200" cap="none" spc="0" normalizeH="0" baseline="0" noProof="0" dirty="0">
               <a:ln>
@@ -12774,7 +12778,7 @@
           <a:p>
             <a:r>
               <a:rPr lang="en-US" dirty="0"/>
-              <a:t>Overall View Samples</a:t>
+              <a:t>Overall Preview Samples</a:t>
             </a:r>
           </a:p>
         </p:txBody>
@@ -12811,7 +12815,7 @@
                   <a:schemeClr val="accent1"/>
                 </a:solidFill>
               </a:rPr>
-              <a:t>Animation / control</a:t>
+              <a:t>presentation/Class_3…/</a:t>
             </a:r>
           </a:p>
           <a:p>
@@ -12853,7 +12857,7 @@
           <a:p>
             <a:fld id="{A7119916-CD40-456D-ABE3-55F8822671F7}" type="datetime1">
               <a:rPr lang="en-US" smtClean="0"/>
-              <a:t>7/13/2022</a:t>
+              <a:t>8/9/2022</a:t>
             </a:fld>
             <a:endParaRPr lang="en-US" dirty="0"/>
           </a:p>
@@ -13184,7 +13188,7 @@
                 <a:tabLst/>
                 <a:defRPr/>
               </a:pPr>
-              <a:t>7/13/2022</a:t>
+              <a:t>8/9/2022</a:t>
             </a:fld>
             <a:endParaRPr kumimoji="0" lang="en-US" sz="900" b="0" i="0" u="none" strike="noStrike" kern="1200" cap="none" spc="0" normalizeH="0" baseline="0" noProof="0" dirty="0">
               <a:ln>
@@ -13721,7 +13725,7 @@
                 <a:tabLst/>
                 <a:defRPr/>
               </a:pPr>
-              <a:t>7/13/2022</a:t>
+              <a:t>8/9/2022</a:t>
             </a:fld>
             <a:endParaRPr kumimoji="0" lang="en-US" sz="900" b="0" i="0" u="none" strike="noStrike" kern="1200" cap="none" spc="0" normalizeH="0" baseline="0" noProof="0" dirty="0">
               <a:ln>
@@ -14036,7 +14040,7 @@
                 <a:latin typeface="+mj-lt"/>
                 <a:cs typeface="Courier New" panose="02070309020205020404" pitchFamily="49" charset="0"/>
               </a:rPr>
-              <a:t>What tools?</a:t>
+              <a:t>What functions?</a:t>
             </a:r>
           </a:p>
           <a:p>
@@ -14076,7 +14080,17 @@
                 <a:latin typeface="+mj-lt"/>
                 <a:cs typeface="Courier New" panose="02070309020205020404" pitchFamily="49" charset="0"/>
               </a:rPr>
-              <a:t>Files available in IntroductionTo…\exercises\functions\friends_family\simple\</a:t>
+              <a:t>Files available in </a:t>
+            </a:r>
+            <a:r>
+              <a:rPr lang="en-US" sz="2800" dirty="0">
+                <a:solidFill>
+                  <a:schemeClr val="tx1"/>
+                </a:solidFill>
+                <a:latin typeface="+mj-lt"/>
+                <a:cs typeface="Courier New" panose="02070309020205020404" pitchFamily="49" charset="0"/>
+              </a:rPr>
+              <a:t>intro_prog\exercises\functions\friends_family\simple\</a:t>
             </a:r>
           </a:p>
         </p:txBody>
@@ -14158,7 +14172,7 @@
                 <a:tabLst/>
                 <a:defRPr/>
               </a:pPr>
-              <a:t>7/13/2022</a:t>
+              <a:t>8/9/2022</a:t>
             </a:fld>
             <a:endParaRPr kumimoji="0" lang="en-US" sz="900" b="0" i="0" u="none" strike="noStrike" kern="1200" cap="none" spc="0" normalizeH="0" baseline="0" noProof="0" dirty="0">
               <a:ln>
@@ -14666,7 +14680,7 @@
                 <a:tabLst/>
                 <a:defRPr/>
               </a:pPr>
-              <a:t>7/13/2022</a:t>
+              <a:t>8/9/2022</a:t>
             </a:fld>
             <a:endParaRPr kumimoji="0" lang="en-US" sz="900" b="0" i="0" u="none" strike="noStrike" kern="1200" cap="none" spc="0" normalizeH="0" baseline="0" noProof="0" dirty="0">
               <a:ln>
@@ -15203,7 +15217,7 @@
                 <a:tabLst/>
                 <a:defRPr/>
               </a:pPr>
-              <a:t>7/13/2022</a:t>
+              <a:t>8/9/2022</a:t>
             </a:fld>
             <a:endParaRPr kumimoji="0" lang="en-US" sz="900" b="0" i="0" u="none" strike="noStrike" kern="1200" cap="none" spc="0" normalizeH="0" baseline="0" noProof="0" dirty="0">
               <a:ln>
@@ -15553,19 +15567,21 @@
                 <a:latin typeface="+mj-lt"/>
                 <a:cs typeface="Courier New" panose="02070309020205020404" pitchFamily="49" charset="0"/>
               </a:rPr>
-              <a:t>           4.6. Defining Functions</a:t>
-            </a:r>
-          </a:p>
-          <a:p>
-            <a:pPr marL="1257300" lvl="3" indent="0">
-              <a:buNone/>
-            </a:pPr>
+              <a:t>           4.7. Defining Functions (</a:t>
+            </a:r>
+            <a:r>
+              <a:rPr lang="en-US" sz="2800" dirty="0" err="1">
+                <a:latin typeface="+mj-lt"/>
+                <a:cs typeface="Courier New" panose="02070309020205020404" pitchFamily="49" charset="0"/>
+              </a:rPr>
+              <a:t>Approx</a:t>
+            </a:r>
             <a:r>
               <a:rPr lang="en-US" sz="2800" dirty="0">
                 <a:latin typeface="+mj-lt"/>
                 <a:cs typeface="Courier New" panose="02070309020205020404" pitchFamily="49" charset="0"/>
               </a:rPr>
-              <a:t>           4.7. More on Defining Functions</a:t>
+              <a:t> #)</a:t>
             </a:r>
           </a:p>
           <a:p>
@@ -15577,7 +15593,19 @@
                 <a:latin typeface="+mj-lt"/>
                 <a:cs typeface="Courier New" panose="02070309020205020404" pitchFamily="49" charset="0"/>
               </a:rPr>
-              <a:t>           4.7.2. Keyword Arguments</a:t>
+              <a:t>           4.8. More on Defining Functions</a:t>
+            </a:r>
+          </a:p>
+          <a:p>
+            <a:pPr marL="1257300" lvl="3" indent="0">
+              <a:buNone/>
+            </a:pPr>
+            <a:r>
+              <a:rPr lang="en-US" sz="2800" dirty="0">
+                <a:latin typeface="+mj-lt"/>
+                <a:cs typeface="Courier New" panose="02070309020205020404" pitchFamily="49" charset="0"/>
+              </a:rPr>
+              <a:t>           4.8.2. Keyword Arguments</a:t>
             </a:r>
           </a:p>
           <a:p>
@@ -15693,7 +15721,7 @@
                 <a:tabLst/>
                 <a:defRPr/>
               </a:pPr>
-              <a:t>7/13/2022</a:t>
+              <a:t>8/9/2022</a:t>
             </a:fld>
             <a:endParaRPr kumimoji="0" lang="en-US" sz="900" b="0" i="0" u="none" strike="noStrike" kern="1200" cap="none" spc="0" normalizeH="0" baseline="0" noProof="0" dirty="0">
               <a:ln>
@@ -16116,7 +16144,7 @@
                 <a:tabLst/>
                 <a:defRPr/>
               </a:pPr>
-              <a:t>7/13/2022</a:t>
+              <a:t>8/9/2022</a:t>
             </a:fld>
             <a:endParaRPr kumimoji="0" lang="en-US" sz="900" b="0" i="0" u="none" strike="noStrike" kern="1200" cap="none" spc="0" normalizeH="0" baseline="0" noProof="0" dirty="0">
               <a:ln>

--- a/presentation/Class_3_Functions_Why_and_How/Class_3_Functions_Why_and_How.pptx
+++ b/presentation/Class_3_Functions_Why_and_How/Class_3_Functions_Why_and_How.pptx
@@ -228,7 +228,7 @@
           <a:p>
             <a:fld id="{2F2D3CE1-F05B-4C3D-9D5C-72AEEB268A38}" type="datetimeFigureOut">
               <a:rPr lang="en-US" smtClean="0"/>
-              <a:t>8/9/2022</a:t>
+              <a:t>9/21/2022</a:t>
             </a:fld>
             <a:endParaRPr lang="en-US"/>
           </a:p>
@@ -405,7 +405,7 @@
           <a:p>
             <a:fld id="{13370B23-86E2-4053-8EEB-332AC694C455}" type="datetimeFigureOut">
               <a:rPr lang="en-US" smtClean="0"/>
-              <a:t>8/9/2022</a:t>
+              <a:t>9/21/2022</a:t>
             </a:fld>
             <a:endParaRPr lang="en-US"/>
           </a:p>
@@ -836,7 +836,7 @@
                 <a:tabLst/>
                 <a:defRPr/>
               </a:pPr>
-              <a:t>8/9/2022</a:t>
+              <a:t>9/21/2022</a:t>
             </a:fld>
             <a:endParaRPr kumimoji="0" lang="en-US" sz="1200" b="0" i="0" u="none" strike="noStrike" kern="1200" cap="none" spc="0" normalizeH="0" baseline="0" noProof="0" dirty="0">
               <a:ln>
@@ -1192,7 +1192,7 @@
                 <a:tabLst/>
                 <a:defRPr/>
               </a:pPr>
-              <a:t>8/9/2022</a:t>
+              <a:t>9/21/2022</a:t>
             </a:fld>
             <a:endParaRPr kumimoji="0" lang="en-US" sz="1200" b="0" i="0" u="none" strike="noStrike" kern="1200" cap="none" spc="0" normalizeH="0" baseline="0" noProof="0" dirty="0">
               <a:ln>
@@ -1541,7 +1541,7 @@
                 <a:tabLst/>
                 <a:defRPr/>
               </a:pPr>
-              <a:t>8/9/2022</a:t>
+              <a:t>9/21/2022</a:t>
             </a:fld>
             <a:endParaRPr kumimoji="0" lang="en-US" sz="1200" b="0" i="0" u="none" strike="noStrike" kern="1200" cap="none" spc="0" normalizeH="0" baseline="0" noProof="0" dirty="0">
               <a:ln>
@@ -1887,7 +1887,7 @@
                 <a:tabLst/>
                 <a:defRPr/>
               </a:pPr>
-              <a:t>8/9/2022</a:t>
+              <a:t>9/21/2022</a:t>
             </a:fld>
             <a:endParaRPr kumimoji="0" lang="en-US" sz="1200" b="0" i="0" u="none" strike="noStrike" kern="1200" cap="none" spc="0" normalizeH="0" baseline="0" noProof="0" dirty="0">
               <a:ln>
@@ -2218,7 +2218,7 @@
                 <a:tabLst/>
                 <a:defRPr/>
               </a:pPr>
-              <a:t>8/9/2022</a:t>
+              <a:t>9/21/2022</a:t>
             </a:fld>
             <a:endParaRPr kumimoji="0" lang="en-US" sz="1200" b="0" i="0" u="none" strike="noStrike" kern="1200" cap="none" spc="0" normalizeH="0" baseline="0" noProof="0" dirty="0">
               <a:ln>
@@ -2558,7 +2558,7 @@
                 <a:tabLst/>
                 <a:defRPr/>
               </a:pPr>
-              <a:t>8/9/2022</a:t>
+              <a:t>9/21/2022</a:t>
             </a:fld>
             <a:endParaRPr kumimoji="0" lang="en-US" sz="1200" b="0" i="0" u="none" strike="noStrike" kern="1200" cap="none" spc="0" normalizeH="0" baseline="0" noProof="0" dirty="0">
               <a:ln>
@@ -2898,7 +2898,7 @@
                 <a:tabLst/>
                 <a:defRPr/>
               </a:pPr>
-              <a:t>8/9/2022</a:t>
+              <a:t>9/21/2022</a:t>
             </a:fld>
             <a:endParaRPr kumimoji="0" lang="en-US" sz="1200" b="0" i="0" u="none" strike="noStrike" kern="1200" cap="none" spc="0" normalizeH="0" baseline="0" noProof="0" dirty="0">
               <a:ln>
@@ -3238,7 +3238,7 @@
                 <a:tabLst/>
                 <a:defRPr/>
               </a:pPr>
-              <a:t>8/9/2022</a:t>
+              <a:t>9/21/2022</a:t>
             </a:fld>
             <a:endParaRPr kumimoji="0" lang="en-US" sz="1200" b="0" i="0" u="none" strike="noStrike" kern="1200" cap="none" spc="0" normalizeH="0" baseline="0" noProof="0" dirty="0">
               <a:ln>
@@ -3578,7 +3578,7 @@
                 <a:tabLst/>
                 <a:defRPr/>
               </a:pPr>
-              <a:t>8/9/2022</a:t>
+              <a:t>9/21/2022</a:t>
             </a:fld>
             <a:endParaRPr kumimoji="0" lang="en-US" sz="1200" b="0" i="0" u="none" strike="noStrike" kern="1200" cap="none" spc="0" normalizeH="0" baseline="0" noProof="0" dirty="0">
               <a:ln>
@@ -3912,7 +3912,7 @@
                 <a:tabLst/>
                 <a:defRPr/>
               </a:pPr>
-              <a:t>8/9/2022</a:t>
+              <a:t>9/21/2022</a:t>
             </a:fld>
             <a:endParaRPr kumimoji="0" lang="en-US" sz="1200" b="0" i="0" u="none" strike="noStrike" kern="1200" cap="none" spc="0" normalizeH="0" baseline="0" noProof="0" dirty="0">
               <a:ln>
@@ -4268,7 +4268,7 @@
                 <a:tabLst/>
                 <a:defRPr/>
               </a:pPr>
-              <a:t>8/9/2022</a:t>
+              <a:t>9/21/2022</a:t>
             </a:fld>
             <a:endParaRPr kumimoji="0" lang="en-US" sz="1200" b="0" i="0" u="none" strike="noStrike" kern="1200" cap="none" spc="0" normalizeH="0" baseline="0" noProof="0" dirty="0">
               <a:ln>
@@ -5157,7 +5157,7 @@
           <a:p>
             <a:fld id="{B1DF5501-EE91-4443-9D3B-24E6F28D34E2}" type="datetime1">
               <a:rPr lang="en-US" smtClean="0"/>
-              <a:t>8/9/2022</a:t>
+              <a:t>9/21/2022</a:t>
             </a:fld>
             <a:endParaRPr lang="en-US" dirty="0"/>
           </a:p>
@@ -5431,7 +5431,7 @@
           <a:p>
             <a:fld id="{E954E1E9-8456-43AD-BA28-861520D256B9}" type="datetime1">
               <a:rPr lang="en-US" smtClean="0"/>
-              <a:t>8/9/2022</a:t>
+              <a:t>9/21/2022</a:t>
             </a:fld>
             <a:endParaRPr lang="en-US" dirty="0"/>
           </a:p>
@@ -5757,7 +5757,7 @@
           <a:p>
             <a:fld id="{FAF31E0C-AAFD-4E63-B3AE-16CD757951F4}" type="datetime1">
               <a:rPr lang="en-US" smtClean="0"/>
-              <a:t>8/9/2022</a:t>
+              <a:t>9/21/2022</a:t>
             </a:fld>
             <a:endParaRPr lang="en-US" dirty="0"/>
           </a:p>
@@ -6110,7 +6110,7 @@
           <a:p>
             <a:fld id="{000084FF-4715-4B6E-BD22-453621E5873F}" type="datetime1">
               <a:rPr lang="en-US" smtClean="0"/>
-              <a:t>8/9/2022</a:t>
+              <a:t>9/21/2022</a:t>
             </a:fld>
             <a:endParaRPr lang="en-US" dirty="0"/>
           </a:p>
@@ -6436,7 +6436,7 @@
           <a:p>
             <a:fld id="{6AC37F8D-4DF5-4AB6-A766-5A84B3D74A3B}" type="datetime1">
               <a:rPr lang="en-US" smtClean="0"/>
-              <a:t>8/9/2022</a:t>
+              <a:t>9/21/2022</a:t>
             </a:fld>
             <a:endParaRPr lang="en-US" dirty="0"/>
           </a:p>
@@ -6841,7 +6841,7 @@
           <a:p>
             <a:fld id="{1BF3CD1A-162D-40B2-9B22-9056F77C27F2}" type="datetime1">
               <a:rPr lang="en-US" smtClean="0"/>
-              <a:t>8/9/2022</a:t>
+              <a:t>9/21/2022</a:t>
             </a:fld>
             <a:endParaRPr lang="en-US" dirty="0"/>
           </a:p>
@@ -7023,7 +7023,7 @@
           <a:p>
             <a:fld id="{D42E4200-B1E5-4E39-8279-05DD69810A37}" type="datetime1">
               <a:rPr lang="en-US" smtClean="0"/>
-              <a:t>8/9/2022</a:t>
+              <a:t>9/21/2022</a:t>
             </a:fld>
             <a:endParaRPr lang="en-US" dirty="0"/>
           </a:p>
@@ -7214,7 +7214,7 @@
           <a:p>
             <a:fld id="{47CF7895-00AC-42E5-9790-7B0E3CE09DF2}" type="datetime1">
               <a:rPr lang="en-US" smtClean="0"/>
-              <a:t>8/9/2022</a:t>
+              <a:t>9/21/2022</a:t>
             </a:fld>
             <a:endParaRPr lang="en-US" dirty="0"/>
           </a:p>
@@ -7405,7 +7405,7 @@
           <a:p>
             <a:fld id="{059A67F1-3EA0-4026-BE6A-31EE4E1B1DB5}" type="datetime1">
               <a:rPr lang="en-US" smtClean="0"/>
-              <a:t>8/9/2022</a:t>
+              <a:t>9/21/2022</a:t>
             </a:fld>
             <a:endParaRPr lang="en-US" dirty="0"/>
           </a:p>
@@ -7689,7 +7689,7 @@
           <a:p>
             <a:fld id="{3F9A13D6-B8C2-463B-B3F7-C62E098B328E}" type="datetime1">
               <a:rPr lang="en-US" smtClean="0"/>
-              <a:t>8/9/2022</a:t>
+              <a:t>9/21/2022</a:t>
             </a:fld>
             <a:endParaRPr lang="en-US" dirty="0"/>
           </a:p>
@@ -7932,7 +7932,7 @@
           <a:p>
             <a:fld id="{D2B63420-31EE-4E4B-911C-2601B14D9FDD}" type="datetime1">
               <a:rPr lang="en-US" smtClean="0"/>
-              <a:t>8/9/2022</a:t>
+              <a:t>9/21/2022</a:t>
             </a:fld>
             <a:endParaRPr lang="en-US" dirty="0"/>
           </a:p>
@@ -8317,7 +8317,7 @@
           <a:p>
             <a:fld id="{2DD8986D-86F8-41E6-8CFF-8C91AEF92622}" type="datetime1">
               <a:rPr lang="en-US" smtClean="0"/>
-              <a:t>8/9/2022</a:t>
+              <a:t>9/21/2022</a:t>
             </a:fld>
             <a:endParaRPr lang="en-US" dirty="0"/>
           </a:p>
@@ -8451,7 +8451,7 @@
           <a:p>
             <a:fld id="{BA885161-032E-4C6A-8EDA-39D168DF18E4}" type="datetime1">
               <a:rPr lang="en-US" smtClean="0"/>
-              <a:t>8/9/2022</a:t>
+              <a:t>9/21/2022</a:t>
             </a:fld>
             <a:endParaRPr lang="en-US" dirty="0"/>
           </a:p>
@@ -8557,7 +8557,7 @@
           <a:p>
             <a:fld id="{958E6740-E523-48D9-9C4E-6F218E87BAF3}" type="datetime1">
               <a:rPr lang="en-US" smtClean="0"/>
-              <a:t>8/9/2022</a:t>
+              <a:t>9/21/2022</a:t>
             </a:fld>
             <a:endParaRPr lang="en-US" dirty="0"/>
           </a:p>
@@ -8823,7 +8823,7 @@
           <a:p>
             <a:fld id="{6121D4CA-FF09-4CB8-8D51-2613D19A0F2E}" type="datetime1">
               <a:rPr lang="en-US" smtClean="0"/>
-              <a:t>8/9/2022</a:t>
+              <a:t>9/21/2022</a:t>
             </a:fld>
             <a:endParaRPr lang="en-US" dirty="0"/>
           </a:p>
@@ -9096,7 +9096,7 @@
           <a:p>
             <a:fld id="{8C4779EA-AEA7-43B3-9B65-A77E9A890421}" type="datetime1">
               <a:rPr lang="en-US" smtClean="0"/>
-              <a:t>8/9/2022</a:t>
+              <a:t>9/21/2022</a:t>
             </a:fld>
             <a:endParaRPr lang="en-US" dirty="0"/>
           </a:p>
@@ -9849,7 +9849,7 @@
           <a:p>
             <a:fld id="{059A67F1-3EA0-4026-BE6A-31EE4E1B1DB5}" type="datetime1">
               <a:rPr lang="en-US" smtClean="0"/>
-              <a:t>8/9/2022</a:t>
+              <a:t>9/21/2022</a:t>
             </a:fld>
             <a:endParaRPr lang="en-US" dirty="0"/>
           </a:p>
@@ -10626,7 +10626,7 @@
                 <a:tabLst/>
                 <a:defRPr/>
               </a:pPr>
-              <a:t>8/9/2022</a:t>
+              <a:t>9/21/2022</a:t>
             </a:fld>
             <a:endParaRPr kumimoji="0" lang="en-US" sz="900" b="0" i="0" u="none" strike="noStrike" kern="1200" cap="none" spc="0" normalizeH="0" baseline="0" noProof="0" dirty="0">
               <a:ln>
@@ -11270,7 +11270,7 @@
                 <a:tabLst/>
                 <a:defRPr/>
               </a:pPr>
-              <a:t>8/9/2022</a:t>
+              <a:t>9/21/2022</a:t>
             </a:fld>
             <a:endParaRPr kumimoji="0" lang="en-US" sz="900" b="0" i="0" u="none" strike="noStrike" kern="1200" cap="none" spc="0" normalizeH="0" baseline="0" noProof="0" dirty="0">
               <a:ln>
@@ -11658,7 +11658,7 @@
                 <a:tabLst/>
                 <a:defRPr/>
               </a:pPr>
-              <a:t>8/9/2022</a:t>
+              <a:t>9/21/2022</a:t>
             </a:fld>
             <a:endParaRPr kumimoji="0" lang="en-US" sz="900" b="0" i="0" u="none" strike="noStrike" kern="1200" cap="none" spc="0" normalizeH="0" baseline="0" noProof="0" dirty="0">
               <a:ln>
@@ -11977,7 +11977,7 @@
           <a:p>
             <a:fld id="{A7119916-CD40-456D-ABE3-55F8822671F7}" type="datetime1">
               <a:rPr lang="en-US" smtClean="0"/>
-              <a:t>8/9/2022</a:t>
+              <a:t>9/21/2022</a:t>
             </a:fld>
             <a:endParaRPr lang="en-US" dirty="0"/>
           </a:p>
@@ -12329,7 +12329,7 @@
           <a:p>
             <a:fld id="{A7119916-CD40-456D-ABE3-55F8822671F7}" type="datetime1">
               <a:rPr lang="en-US" smtClean="0"/>
-              <a:t>8/9/2022</a:t>
+              <a:t>9/21/2022</a:t>
             </a:fld>
             <a:endParaRPr lang="en-US" dirty="0"/>
           </a:p>
@@ -12545,7 +12545,7 @@
                 <a:tabLst/>
                 <a:defRPr/>
               </a:pPr>
-              <a:t>8/9/2022</a:t>
+              <a:t>9/21/2022</a:t>
             </a:fld>
             <a:endParaRPr kumimoji="0" lang="en-US" sz="900" b="0" i="0" u="none" strike="noStrike" kern="1200" cap="none" spc="0" normalizeH="0" baseline="0" noProof="0" dirty="0">
               <a:ln>
@@ -12857,7 +12857,7 @@
           <a:p>
             <a:fld id="{A7119916-CD40-456D-ABE3-55F8822671F7}" type="datetime1">
               <a:rPr lang="en-US" smtClean="0"/>
-              <a:t>8/9/2022</a:t>
+              <a:t>9/21/2022</a:t>
             </a:fld>
             <a:endParaRPr lang="en-US" dirty="0"/>
           </a:p>
@@ -13188,7 +13188,7 @@
                 <a:tabLst/>
                 <a:defRPr/>
               </a:pPr>
-              <a:t>8/9/2022</a:t>
+              <a:t>9/21/2022</a:t>
             </a:fld>
             <a:endParaRPr kumimoji="0" lang="en-US" sz="900" b="0" i="0" u="none" strike="noStrike" kern="1200" cap="none" spc="0" normalizeH="0" baseline="0" noProof="0" dirty="0">
               <a:ln>
@@ -13725,7 +13725,7 @@
                 <a:tabLst/>
                 <a:defRPr/>
               </a:pPr>
-              <a:t>8/9/2022</a:t>
+              <a:t>9/21/2022</a:t>
             </a:fld>
             <a:endParaRPr kumimoji="0" lang="en-US" sz="900" b="0" i="0" u="none" strike="noStrike" kern="1200" cap="none" spc="0" normalizeH="0" baseline="0" noProof="0" dirty="0">
               <a:ln>
@@ -14172,7 +14172,7 @@
                 <a:tabLst/>
                 <a:defRPr/>
               </a:pPr>
-              <a:t>8/9/2022</a:t>
+              <a:t>9/21/2022</a:t>
             </a:fld>
             <a:endParaRPr kumimoji="0" lang="en-US" sz="900" b="0" i="0" u="none" strike="noStrike" kern="1200" cap="none" spc="0" normalizeH="0" baseline="0" noProof="0" dirty="0">
               <a:ln>
@@ -14680,7 +14680,7 @@
                 <a:tabLst/>
                 <a:defRPr/>
               </a:pPr>
-              <a:t>8/9/2022</a:t>
+              <a:t>9/21/2022</a:t>
             </a:fld>
             <a:endParaRPr kumimoji="0" lang="en-US" sz="900" b="0" i="0" u="none" strike="noStrike" kern="1200" cap="none" spc="0" normalizeH="0" baseline="0" noProof="0" dirty="0">
               <a:ln>
@@ -14997,47 +14997,7 @@
                 <a:latin typeface="+mj-lt"/>
                 <a:cs typeface="Courier New" panose="02070309020205020404" pitchFamily="49" charset="0"/>
               </a:rPr>
-              <a:t>Add </a:t>
-            </a:r>
-            <a:r>
-              <a:rPr lang="en-US" sz="2800" dirty="0" err="1">
-                <a:solidFill>
-                  <a:schemeClr val="accent1"/>
-                </a:solidFill>
-                <a:latin typeface="+mj-lt"/>
-                <a:cs typeface="Courier New" panose="02070309020205020404" pitchFamily="49" charset="0"/>
-              </a:rPr>
-              <a:t>set_friends</a:t>
-            </a:r>
-            <a:r>
-              <a:rPr lang="en-US" sz="2800" dirty="0">
-                <a:solidFill>
-                  <a:schemeClr val="accent1"/>
-                </a:solidFill>
-                <a:latin typeface="+mj-lt"/>
-                <a:cs typeface="Courier New" panose="02070309020205020404" pitchFamily="49" charset="0"/>
-              </a:rPr>
-              <a:t>(), </a:t>
-            </a:r>
-            <a:r>
-              <a:rPr lang="en-US" sz="2800" dirty="0" err="1">
-                <a:solidFill>
-                  <a:schemeClr val="accent1"/>
-                </a:solidFill>
-                <a:latin typeface="+mj-lt"/>
-                <a:cs typeface="Courier New" panose="02070309020205020404" pitchFamily="49" charset="0"/>
-              </a:rPr>
-              <a:t>add_friend</a:t>
-            </a:r>
-            <a:r>
-              <a:rPr lang="en-US" sz="2800" dirty="0">
-                <a:solidFill>
-                  <a:schemeClr val="accent1"/>
-                </a:solidFill>
-                <a:latin typeface="+mj-lt"/>
-                <a:cs typeface="Courier New" panose="02070309020205020404" pitchFamily="49" charset="0"/>
-              </a:rPr>
-              <a:t>()</a:t>
+              <a:t>Add set_friends(), add_friend()</a:t>
             </a:r>
           </a:p>
           <a:p>
@@ -15217,7 +15177,7 @@
                 <a:tabLst/>
                 <a:defRPr/>
               </a:pPr>
-              <a:t>8/9/2022</a:t>
+              <a:t>9/21/2022</a:t>
             </a:fld>
             <a:endParaRPr kumimoji="0" lang="en-US" sz="900" b="0" i="0" u="none" strike="noStrike" kern="1200" cap="none" spc="0" normalizeH="0" baseline="0" noProof="0" dirty="0">
               <a:ln>
@@ -15721,7 +15681,7 @@
                 <a:tabLst/>
                 <a:defRPr/>
               </a:pPr>
-              <a:t>8/9/2022</a:t>
+              <a:t>9/21/2022</a:t>
             </a:fld>
             <a:endParaRPr kumimoji="0" lang="en-US" sz="900" b="0" i="0" u="none" strike="noStrike" kern="1200" cap="none" spc="0" normalizeH="0" baseline="0" noProof="0" dirty="0">
               <a:ln>
@@ -16144,7 +16104,7 @@
                 <a:tabLst/>
                 <a:defRPr/>
               </a:pPr>
-              <a:t>8/9/2022</a:t>
+              <a:t>9/21/2022</a:t>
             </a:fld>
             <a:endParaRPr kumimoji="0" lang="en-US" sz="900" b="0" i="0" u="none" strike="noStrike" kern="1200" cap="none" spc="0" normalizeH="0" baseline="0" noProof="0" dirty="0">
               <a:ln>
